--- a/prezentáció2_EV_KKL_PA_20210528.pptx
+++ b/prezentáció2_EV_KKL_PA_20210528.pptx
@@ -5,7 +5,7 @@
     <p:sldMasterId id="2147483660" r:id="rId1"/>
   </p:sldMasterIdLst>
   <p:notesMasterIdLst>
-    <p:notesMasterId r:id="rId10"/>
+    <p:notesMasterId r:id="rId13"/>
   </p:notesMasterIdLst>
   <p:sldIdLst>
     <p:sldId id="256" r:id="rId2"/>
@@ -14,8 +14,11 @@
     <p:sldId id="266" r:id="rId5"/>
     <p:sldId id="267" r:id="rId6"/>
     <p:sldId id="268" r:id="rId7"/>
-    <p:sldId id="269" r:id="rId8"/>
-    <p:sldId id="263" r:id="rId9"/>
+    <p:sldId id="270" r:id="rId8"/>
+    <p:sldId id="271" r:id="rId9"/>
+    <p:sldId id="272" r:id="rId10"/>
+    <p:sldId id="263" r:id="rId11"/>
+    <p:sldId id="269" r:id="rId12"/>
   </p:sldIdLst>
   <p:sldSz cx="12192000" cy="6858000"/>
   <p:notesSz cx="6858000" cy="9144000"/>
@@ -212,7 +215,7 @@
           <a:p>
             <a:fld id="{844E91BC-A809-4C02-8C48-1F559EE2DD10}" type="datetimeFigureOut">
               <a:rPr lang="hu-HU" smtClean="0"/>
-              <a:t>2021. 05. 25.</a:t>
+              <a:t>2021. 05. 26.</a:t>
             </a:fld>
             <a:endParaRPr lang="hu-HU"/>
           </a:p>
@@ -664,7 +667,7 @@
           <a:p>
             <a:fld id="{F7C805E3-7936-48CD-9D14-82FAF19E5900}" type="datetime1">
               <a:rPr lang="hu-HU" smtClean="0"/>
-              <a:t>2021. 05. 25.</a:t>
+              <a:t>2021. 05. 26.</a:t>
             </a:fld>
             <a:endParaRPr lang="hu-HU"/>
           </a:p>
@@ -962,7 +965,7 @@
           <a:p>
             <a:fld id="{ECB4F364-DF2B-498A-BC64-88B74D0B00A8}" type="datetime1">
               <a:rPr lang="hu-HU" smtClean="0"/>
-              <a:t>2021. 05. 25.</a:t>
+              <a:t>2021. 05. 26.</a:t>
             </a:fld>
             <a:endParaRPr lang="hu-HU"/>
           </a:p>
@@ -1154,7 +1157,7 @@
           <a:p>
             <a:fld id="{07FC81BE-CB2B-4614-BAF4-2D02DDD72540}" type="datetime1">
               <a:rPr lang="hu-HU" smtClean="0"/>
-              <a:t>2021. 05. 25.</a:t>
+              <a:t>2021. 05. 26.</a:t>
             </a:fld>
             <a:endParaRPr lang="hu-HU"/>
           </a:p>
@@ -1415,7 +1418,7 @@
           <a:p>
             <a:fld id="{75C191BA-F7AD-497F-BDD6-42B43FB95A68}" type="datetime1">
               <a:rPr lang="hu-HU" smtClean="0"/>
-              <a:t>2021. 05. 25.</a:t>
+              <a:t>2021. 05. 26.</a:t>
             </a:fld>
             <a:endParaRPr lang="hu-HU"/>
           </a:p>
@@ -1839,7 +1842,7 @@
           <a:p>
             <a:fld id="{D3E0AE78-FAFD-46C5-A90F-09008951E2E2}" type="datetime1">
               <a:rPr lang="hu-HU" smtClean="0"/>
-              <a:t>2021. 05. 25.</a:t>
+              <a:t>2021. 05. 26.</a:t>
             </a:fld>
             <a:endParaRPr lang="hu-HU"/>
           </a:p>
@@ -2376,7 +2379,7 @@
           <a:p>
             <a:fld id="{778BA2A3-7906-4E07-A6B2-BB3EFE61CB7E}" type="datetime1">
               <a:rPr lang="hu-HU" smtClean="0"/>
-              <a:t>2021. 05. 25.</a:t>
+              <a:t>2021. 05. 26.</a:t>
             </a:fld>
             <a:endParaRPr lang="hu-HU"/>
           </a:p>
@@ -3240,7 +3243,7 @@
           <a:p>
             <a:fld id="{632AE4DE-46BE-40F4-B09A-C55E377F8BDC}" type="datetime1">
               <a:rPr lang="hu-HU" smtClean="0"/>
-              <a:t>2021. 05. 25.</a:t>
+              <a:t>2021. 05. 26.</a:t>
             </a:fld>
             <a:endParaRPr lang="hu-HU"/>
           </a:p>
@@ -3410,7 +3413,7 @@
           <a:p>
             <a:fld id="{B16253AE-BEF6-4965-B28D-E637B7BB280F}" type="datetime1">
               <a:rPr lang="hu-HU" smtClean="0"/>
-              <a:t>2021. 05. 25.</a:t>
+              <a:t>2021. 05. 26.</a:t>
             </a:fld>
             <a:endParaRPr lang="hu-HU"/>
           </a:p>
@@ -3594,7 +3597,7 @@
           <a:p>
             <a:fld id="{DE5DCC2D-2F1F-4C71-A339-D4E6ABCACD15}" type="datetime1">
               <a:rPr lang="hu-HU" smtClean="0"/>
-              <a:t>2021. 05. 25.</a:t>
+              <a:t>2021. 05. 26.</a:t>
             </a:fld>
             <a:endParaRPr lang="hu-HU"/>
           </a:p>
@@ -3764,7 +3767,7 @@
           <a:p>
             <a:fld id="{964A2D6A-13B1-4AB6-B986-FDF18BEBC70D}" type="datetime1">
               <a:rPr lang="hu-HU" smtClean="0"/>
-              <a:t>2021. 05. 25.</a:t>
+              <a:t>2021. 05. 26.</a:t>
             </a:fld>
             <a:endParaRPr lang="hu-HU"/>
           </a:p>
@@ -4018,7 +4021,7 @@
           <a:p>
             <a:fld id="{BBCA6F2B-5409-4D67-93A9-5EC0A920BBE2}" type="datetime1">
               <a:rPr lang="hu-HU" smtClean="0"/>
-              <a:t>2021. 05. 25.</a:t>
+              <a:t>2021. 05. 26.</a:t>
             </a:fld>
             <a:endParaRPr lang="hu-HU"/>
           </a:p>
@@ -4254,7 +4257,7 @@
           <a:p>
             <a:fld id="{44A08326-4E5B-4DD7-91EB-0D7E16B1C6F4}" type="datetime1">
               <a:rPr lang="hu-HU" smtClean="0"/>
-              <a:t>2021. 05. 25.</a:t>
+              <a:t>2021. 05. 26.</a:t>
             </a:fld>
             <a:endParaRPr lang="hu-HU"/>
           </a:p>
@@ -4720,7 +4723,7 @@
           <a:p>
             <a:fld id="{5A284009-FFA0-499D-A8A8-B64675899592}" type="datetime1">
               <a:rPr lang="hu-HU" smtClean="0"/>
-              <a:t>2021. 05. 25.</a:t>
+              <a:t>2021. 05. 26.</a:t>
             </a:fld>
             <a:endParaRPr lang="hu-HU"/>
           </a:p>
@@ -4838,7 +4841,7 @@
           <a:p>
             <a:fld id="{1C1E75F5-7E7D-4F91-9892-CABBA07F1B63}" type="datetime1">
               <a:rPr lang="hu-HU" smtClean="0"/>
-              <a:t>2021. 05. 25.</a:t>
+              <a:t>2021. 05. 26.</a:t>
             </a:fld>
             <a:endParaRPr lang="hu-HU"/>
           </a:p>
@@ -4933,7 +4936,7 @@
           <a:p>
             <a:fld id="{24C15755-4355-4194-86BB-49C98C2FB9F8}" type="datetime1">
               <a:rPr lang="hu-HU" smtClean="0"/>
-              <a:t>2021. 05. 25.</a:t>
+              <a:t>2021. 05. 26.</a:t>
             </a:fld>
             <a:endParaRPr lang="hu-HU"/>
           </a:p>
@@ -5188,7 +5191,7 @@
           <a:p>
             <a:fld id="{A14E3276-6A81-4D58-B8DA-293EE81C5E8F}" type="datetime1">
               <a:rPr lang="hu-HU" smtClean="0"/>
-              <a:t>2021. 05. 25.</a:t>
+              <a:t>2021. 05. 26.</a:t>
             </a:fld>
             <a:endParaRPr lang="hu-HU"/>
           </a:p>
@@ -5488,7 +5491,7 @@
           <a:p>
             <a:fld id="{DBFDC288-89B4-4A93-9690-070568C5E9D1}" type="datetime1">
               <a:rPr lang="hu-HU" smtClean="0"/>
-              <a:t>2021. 05. 25.</a:t>
+              <a:t>2021. 05. 26.</a:t>
             </a:fld>
             <a:endParaRPr lang="hu-HU"/>
           </a:p>
@@ -5720,7 +5723,7 @@
           <a:p>
             <a:fld id="{C8FA91A2-B4DE-4D7B-9E7D-D2EA77C95F90}" type="datetime1">
               <a:rPr lang="hu-HU" smtClean="0"/>
-              <a:t>2021. 05. 25.</a:t>
+              <a:t>2021. 05. 26.</a:t>
             </a:fld>
             <a:endParaRPr lang="hu-HU" dirty="0"/>
           </a:p>
@@ -6603,6 +6606,1194 @@
 </p:sld>
 </file>
 
+<file path=ppt/slides/slide10.xml><?xml version="1.0" encoding="utf-8"?>
+<p:sld xmlns:a="http://schemas.openxmlformats.org/drawingml/2006/main" xmlns:r="http://schemas.openxmlformats.org/officeDocument/2006/relationships" xmlns:p="http://schemas.openxmlformats.org/presentationml/2006/main">
+  <p:cSld>
+    <p:spTree>
+      <p:nvGrpSpPr>
+        <p:cNvPr id="1" name=""/>
+        <p:cNvGrpSpPr/>
+        <p:nvPr/>
+      </p:nvGrpSpPr>
+      <p:grpSpPr>
+        <a:xfrm>
+          <a:off x="0" y="0"/>
+          <a:ext cx="0" cy="0"/>
+          <a:chOff x="0" y="0"/>
+          <a:chExt cx="0" cy="0"/>
+        </a:xfrm>
+      </p:grpSpPr>
+      <p:sp>
+        <p:nvSpPr>
+          <p:cNvPr id="2" name="Cím 1">
+            <a:extLst>
+              <a:ext uri="{FF2B5EF4-FFF2-40B4-BE49-F238E27FC236}">
+                <a16:creationId xmlns:a16="http://schemas.microsoft.com/office/drawing/2014/main" id="{20B2DC86-3F3D-4CA3-82ED-2CDF18F5F586}"/>
+              </a:ext>
+            </a:extLst>
+          </p:cNvPr>
+          <p:cNvSpPr>
+            <a:spLocks noGrp="1"/>
+          </p:cNvSpPr>
+          <p:nvPr>
+            <p:ph type="title"/>
+          </p:nvPr>
+        </p:nvSpPr>
+        <p:spPr/>
+        <p:txBody>
+          <a:bodyPr>
+            <a:normAutofit/>
+          </a:bodyPr>
+          <a:lstStyle/>
+          <a:p>
+            <a:r>
+              <a:rPr lang="hu-HU" dirty="0"/>
+              <a:t>Összefoglalás</a:t>
+            </a:r>
+          </a:p>
+        </p:txBody>
+      </p:sp>
+      <p:sp>
+        <p:nvSpPr>
+          <p:cNvPr id="4" name="Szöveg helye 3">
+            <a:extLst>
+              <a:ext uri="{FF2B5EF4-FFF2-40B4-BE49-F238E27FC236}">
+                <a16:creationId xmlns:a16="http://schemas.microsoft.com/office/drawing/2014/main" id="{71C8CD52-6A56-4732-BEBA-7111FFE8FFE9}"/>
+              </a:ext>
+            </a:extLst>
+          </p:cNvPr>
+          <p:cNvSpPr>
+            <a:spLocks noGrp="1"/>
+          </p:cNvSpPr>
+          <p:nvPr>
+            <p:ph type="body" idx="1"/>
+          </p:nvPr>
+        </p:nvSpPr>
+        <p:spPr/>
+        <p:txBody>
+          <a:bodyPr/>
+          <a:lstStyle/>
+          <a:p>
+            <a:r>
+              <a:rPr lang="hu-HU" dirty="0"/>
+              <a:t>Megvalósított feladatok</a:t>
+            </a:r>
+          </a:p>
+        </p:txBody>
+      </p:sp>
+      <p:sp>
+        <p:nvSpPr>
+          <p:cNvPr id="3" name="Tartalom helye 2">
+            <a:extLst>
+              <a:ext uri="{FF2B5EF4-FFF2-40B4-BE49-F238E27FC236}">
+                <a16:creationId xmlns:a16="http://schemas.microsoft.com/office/drawing/2014/main" id="{25B0A39B-1514-424C-B373-69AE34C75AC2}"/>
+              </a:ext>
+            </a:extLst>
+          </p:cNvPr>
+          <p:cNvSpPr>
+            <a:spLocks noGrp="1"/>
+          </p:cNvSpPr>
+          <p:nvPr>
+            <p:ph sz="half" idx="2"/>
+          </p:nvPr>
+        </p:nvSpPr>
+        <p:spPr>
+          <a:xfrm>
+            <a:off x="1005872" y="2534194"/>
+            <a:ext cx="4876344" cy="3257006"/>
+          </a:xfrm>
+        </p:spPr>
+        <p:txBody>
+          <a:bodyPr>
+            <a:normAutofit/>
+          </a:bodyPr>
+          <a:lstStyle/>
+          <a:p>
+            <a:r>
+              <a:rPr lang="hu-HU" dirty="0"/>
+              <a:t>Felhasználói felület elkészítése</a:t>
+            </a:r>
+          </a:p>
+          <a:p>
+            <a:r>
+              <a:rPr lang="hu-HU" dirty="0"/>
+              <a:t>Adatok kezelése és tárolása</a:t>
+            </a:r>
+          </a:p>
+          <a:p>
+            <a:r>
+              <a:rPr lang="hu-HU" dirty="0"/>
+              <a:t>Dinamikus terem készítés</a:t>
+            </a:r>
+          </a:p>
+          <a:p>
+            <a:r>
+              <a:rPr lang="hu-HU" dirty="0"/>
+              <a:t>Egészségügyi szabályoknak megfelelő kritériumok implementálása</a:t>
+            </a:r>
+          </a:p>
+          <a:p>
+            <a:r>
+              <a:rPr lang="hu-HU" dirty="0"/>
+              <a:t>Felhasználói interakciók elkészítése</a:t>
+            </a:r>
+          </a:p>
+          <a:p>
+            <a:r>
+              <a:rPr lang="hu-HU" dirty="0"/>
+              <a:t>Gépi megoldók elkészítése</a:t>
+            </a:r>
+          </a:p>
+          <a:p>
+            <a:r>
+              <a:rPr lang="hu-HU" dirty="0"/>
+              <a:t>Dokumentáció elkészítése</a:t>
+            </a:r>
+          </a:p>
+          <a:p>
+            <a:pPr lvl="1"/>
+            <a:endParaRPr lang="hu-HU" dirty="0"/>
+          </a:p>
+        </p:txBody>
+      </p:sp>
+      <p:sp>
+        <p:nvSpPr>
+          <p:cNvPr id="5" name="Szöveg helye 4">
+            <a:extLst>
+              <a:ext uri="{FF2B5EF4-FFF2-40B4-BE49-F238E27FC236}">
+                <a16:creationId xmlns:a16="http://schemas.microsoft.com/office/drawing/2014/main" id="{DEC0F4A2-5A62-4012-86AE-B438ECBE63D5}"/>
+              </a:ext>
+            </a:extLst>
+          </p:cNvPr>
+          <p:cNvSpPr>
+            <a:spLocks noGrp="1"/>
+          </p:cNvSpPr>
+          <p:nvPr>
+            <p:ph type="body" sz="quarter" idx="3"/>
+          </p:nvPr>
+        </p:nvSpPr>
+        <p:spPr/>
+        <p:txBody>
+          <a:bodyPr/>
+          <a:lstStyle/>
+          <a:p>
+            <a:r>
+              <a:rPr lang="hu-HU" dirty="0"/>
+              <a:t>Gépi megoldók</a:t>
+            </a:r>
+          </a:p>
+        </p:txBody>
+      </p:sp>
+      <p:sp>
+        <p:nvSpPr>
+          <p:cNvPr id="6" name="Tartalom helye 5">
+            <a:extLst>
+              <a:ext uri="{FF2B5EF4-FFF2-40B4-BE49-F238E27FC236}">
+                <a16:creationId xmlns:a16="http://schemas.microsoft.com/office/drawing/2014/main" id="{A5BC0CE9-1602-4A20-987D-C72BD80E86E1}"/>
+              </a:ext>
+            </a:extLst>
+          </p:cNvPr>
+          <p:cNvSpPr>
+            <a:spLocks noGrp="1"/>
+          </p:cNvSpPr>
+          <p:nvPr>
+            <p:ph sz="quarter" idx="4"/>
+          </p:nvPr>
+        </p:nvSpPr>
+        <p:spPr>
+          <a:xfrm>
+            <a:off x="6294967" y="2534194"/>
+            <a:ext cx="4895330" cy="3257006"/>
+          </a:xfrm>
+        </p:spPr>
+        <p:txBody>
+          <a:bodyPr>
+            <a:normAutofit/>
+          </a:bodyPr>
+          <a:lstStyle/>
+          <a:p>
+            <a:r>
+              <a:rPr lang="hu-HU" dirty="0"/>
+              <a:t>Mohó algoritmus</a:t>
+            </a:r>
+          </a:p>
+          <a:p>
+            <a:r>
+              <a:rPr lang="hu-HU" dirty="0"/>
+              <a:t>Genetikus algoritmus</a:t>
+            </a:r>
+          </a:p>
+          <a:p>
+            <a:r>
+              <a:rPr lang="hu-HU" dirty="0"/>
+              <a:t>LP megoldó</a:t>
+            </a:r>
+          </a:p>
+        </p:txBody>
+      </p:sp>
+      <p:sp>
+        <p:nvSpPr>
+          <p:cNvPr id="7" name="Szövegdoboz 6">
+            <a:extLst>
+              <a:ext uri="{FF2B5EF4-FFF2-40B4-BE49-F238E27FC236}">
+                <a16:creationId xmlns:a16="http://schemas.microsoft.com/office/drawing/2014/main" id="{8710AFE4-5CCF-4751-B17C-98B3228BCF7B}"/>
+              </a:ext>
+            </a:extLst>
+          </p:cNvPr>
+          <p:cNvSpPr txBox="1"/>
+          <p:nvPr/>
+        </p:nvSpPr>
+        <p:spPr>
+          <a:xfrm>
+            <a:off x="2425337" y="5893005"/>
+            <a:ext cx="7341325" cy="584775"/>
+          </a:xfrm>
+          <a:prstGeom prst="rect">
+            <a:avLst/>
+          </a:prstGeom>
+          <a:noFill/>
+        </p:spPr>
+        <p:txBody>
+          <a:bodyPr wrap="square" rtlCol="0">
+            <a:spAutoFit/>
+          </a:bodyPr>
+          <a:lstStyle/>
+          <a:p>
+            <a:pPr algn="ctr"/>
+            <a:r>
+              <a:rPr lang="hu-HU" sz="3200" dirty="0"/>
+              <a:t>Köszönjük a figyelmet!</a:t>
+            </a:r>
+          </a:p>
+        </p:txBody>
+      </p:sp>
+      <p:sp>
+        <p:nvSpPr>
+          <p:cNvPr id="8" name="Dia számának helye 7">
+            <a:extLst>
+              <a:ext uri="{FF2B5EF4-FFF2-40B4-BE49-F238E27FC236}">
+                <a16:creationId xmlns:a16="http://schemas.microsoft.com/office/drawing/2014/main" id="{73A67A14-0323-4C8C-83E4-E42557D19DC0}"/>
+              </a:ext>
+            </a:extLst>
+          </p:cNvPr>
+          <p:cNvSpPr>
+            <a:spLocks noGrp="1"/>
+          </p:cNvSpPr>
+          <p:nvPr>
+            <p:ph type="sldNum" sz="quarter" idx="12"/>
+          </p:nvPr>
+        </p:nvSpPr>
+        <p:spPr/>
+        <p:txBody>
+          <a:bodyPr/>
+          <a:lstStyle/>
+          <a:p>
+            <a:fld id="{1BEE3749-361D-47A0-8538-EBB5B911DD9B}" type="slidenum">
+              <a:rPr lang="hu-HU" smtClean="0"/>
+              <a:t>10</a:t>
+            </a:fld>
+            <a:endParaRPr lang="hu-HU" dirty="0"/>
+          </a:p>
+        </p:txBody>
+      </p:sp>
+    </p:spTree>
+    <p:extLst>
+      <p:ext uri="{BB962C8B-B14F-4D97-AF65-F5344CB8AC3E}">
+        <p14:creationId xmlns:p14="http://schemas.microsoft.com/office/powerpoint/2010/main" val="1768220076"/>
+      </p:ext>
+    </p:extLst>
+  </p:cSld>
+  <p:clrMapOvr>
+    <a:masterClrMapping/>
+  </p:clrMapOvr>
+  <p:timing>
+    <p:tnLst>
+      <p:par>
+        <p:cTn id="1" dur="indefinite" restart="never" nodeType="tmRoot">
+          <p:childTnLst>
+            <p:seq concurrent="1" nextAc="seek">
+              <p:cTn id="2" dur="indefinite" nodeType="mainSeq">
+                <p:childTnLst>
+                  <p:par>
+                    <p:cTn id="3" fill="hold">
+                      <p:stCondLst>
+                        <p:cond delay="indefinite"/>
+                      </p:stCondLst>
+                      <p:childTnLst>
+                        <p:par>
+                          <p:cTn id="4" fill="hold">
+                            <p:stCondLst>
+                              <p:cond delay="0"/>
+                            </p:stCondLst>
+                            <p:childTnLst>
+                              <p:par>
+                                <p:cTn id="5" presetID="10" presetClass="entr" presetSubtype="0" fill="hold" grpId="0" nodeType="clickEffect">
+                                  <p:stCondLst>
+                                    <p:cond delay="0"/>
+                                  </p:stCondLst>
+                                  <p:childTnLst>
+                                    <p:set>
+                                      <p:cBhvr>
+                                        <p:cTn id="6" dur="1" fill="hold">
+                                          <p:stCondLst>
+                                            <p:cond delay="0"/>
+                                          </p:stCondLst>
+                                        </p:cTn>
+                                        <p:tgtEl>
+                                          <p:spTgt spid="7"/>
+                                        </p:tgtEl>
+                                        <p:attrNameLst>
+                                          <p:attrName>style.visibility</p:attrName>
+                                        </p:attrNameLst>
+                                      </p:cBhvr>
+                                      <p:to>
+                                        <p:strVal val="visible"/>
+                                      </p:to>
+                                    </p:set>
+                                    <p:animEffect transition="in" filter="fade">
+                                      <p:cBhvr>
+                                        <p:cTn id="7" dur="500"/>
+                                        <p:tgtEl>
+                                          <p:spTgt spid="7"/>
+                                        </p:tgtEl>
+                                      </p:cBhvr>
+                                    </p:animEffect>
+                                  </p:childTnLst>
+                                </p:cTn>
+                              </p:par>
+                            </p:childTnLst>
+                          </p:cTn>
+                        </p:par>
+                      </p:childTnLst>
+                    </p:cTn>
+                  </p:par>
+                </p:childTnLst>
+              </p:cTn>
+              <p:prevCondLst>
+                <p:cond evt="onPrev" delay="0">
+                  <p:tgtEl>
+                    <p:sldTgt/>
+                  </p:tgtEl>
+                </p:cond>
+              </p:prevCondLst>
+              <p:nextCondLst>
+                <p:cond evt="onNext" delay="0">
+                  <p:tgtEl>
+                    <p:sldTgt/>
+                  </p:tgtEl>
+                </p:cond>
+              </p:nextCondLst>
+            </p:seq>
+          </p:childTnLst>
+        </p:cTn>
+      </p:par>
+    </p:tnLst>
+    <p:bldLst>
+      <p:bldP spid="7" grpId="0"/>
+    </p:bldLst>
+  </p:timing>
+</p:sld>
+</file>
+
+<file path=ppt/slides/slide11.xml><?xml version="1.0" encoding="utf-8"?>
+<p:sld xmlns:a="http://schemas.openxmlformats.org/drawingml/2006/main" xmlns:r="http://schemas.openxmlformats.org/officeDocument/2006/relationships" xmlns:p="http://schemas.openxmlformats.org/presentationml/2006/main">
+  <p:cSld>
+    <p:spTree>
+      <p:nvGrpSpPr>
+        <p:cNvPr id="1" name=""/>
+        <p:cNvGrpSpPr/>
+        <p:nvPr/>
+      </p:nvGrpSpPr>
+      <p:grpSpPr>
+        <a:xfrm>
+          <a:off x="0" y="0"/>
+          <a:ext cx="0" cy="0"/>
+          <a:chOff x="0" y="0"/>
+          <a:chExt cx="0" cy="0"/>
+        </a:xfrm>
+      </p:grpSpPr>
+      <p:sp>
+        <p:nvSpPr>
+          <p:cNvPr id="2" name="Cím 1">
+            <a:extLst>
+              <a:ext uri="{FF2B5EF4-FFF2-40B4-BE49-F238E27FC236}">
+                <a16:creationId xmlns:a16="http://schemas.microsoft.com/office/drawing/2014/main" id="{E2B3F13D-7FA9-494E-B762-6ED3049196B5}"/>
+              </a:ext>
+            </a:extLst>
+          </p:cNvPr>
+          <p:cNvSpPr>
+            <a:spLocks noGrp="1"/>
+          </p:cNvSpPr>
+          <p:nvPr>
+            <p:ph type="title"/>
+          </p:nvPr>
+        </p:nvSpPr>
+        <p:spPr/>
+        <p:txBody>
+          <a:bodyPr/>
+          <a:lstStyle/>
+          <a:p>
+            <a:r>
+              <a:rPr lang="hu-HU" dirty="0"/>
+              <a:t>Algoritmusok összehasonlítása</a:t>
+            </a:r>
+          </a:p>
+        </p:txBody>
+      </p:sp>
+      <p:sp>
+        <p:nvSpPr>
+          <p:cNvPr id="4" name="Dia számának helye 3">
+            <a:extLst>
+              <a:ext uri="{FF2B5EF4-FFF2-40B4-BE49-F238E27FC236}">
+                <a16:creationId xmlns:a16="http://schemas.microsoft.com/office/drawing/2014/main" id="{96F822E4-192E-49E3-87CA-E1B5F0C76A07}"/>
+              </a:ext>
+            </a:extLst>
+          </p:cNvPr>
+          <p:cNvSpPr>
+            <a:spLocks noGrp="1"/>
+          </p:cNvSpPr>
+          <p:nvPr>
+            <p:ph type="sldNum" sz="quarter" idx="12"/>
+          </p:nvPr>
+        </p:nvSpPr>
+        <p:spPr/>
+        <p:txBody>
+          <a:bodyPr/>
+          <a:lstStyle/>
+          <a:p>
+            <a:fld id="{1BEE3749-361D-47A0-8538-EBB5B911DD9B}" type="slidenum">
+              <a:rPr lang="hu-HU" smtClean="0"/>
+              <a:pPr/>
+              <a:t>11</a:t>
+            </a:fld>
+            <a:endParaRPr lang="hu-HU"/>
+          </a:p>
+        </p:txBody>
+      </p:sp>
+      <p:graphicFrame>
+        <p:nvGraphicFramePr>
+          <p:cNvPr id="5" name="Táblázat 4">
+            <a:extLst>
+              <a:ext uri="{FF2B5EF4-FFF2-40B4-BE49-F238E27FC236}">
+                <a16:creationId xmlns:a16="http://schemas.microsoft.com/office/drawing/2014/main" id="{77A26A68-8F80-4F4B-B79B-9C2EE9F7E371}"/>
+              </a:ext>
+            </a:extLst>
+          </p:cNvPr>
+          <p:cNvGraphicFramePr>
+            <a:graphicFrameLocks noGrp="1"/>
+          </p:cNvGraphicFramePr>
+          <p:nvPr>
+            <p:extLst>
+              <p:ext uri="{D42A27DB-BD31-4B8C-83A1-F6EECF244321}">
+                <p14:modId xmlns:p14="http://schemas.microsoft.com/office/powerpoint/2010/main" val="2486792657"/>
+              </p:ext>
+            </p:extLst>
+          </p:nvPr>
+        </p:nvGraphicFramePr>
+        <p:xfrm>
+          <a:off x="1979417" y="2936621"/>
+          <a:ext cx="8222517" cy="1955207"/>
+        </p:xfrm>
+        <a:graphic>
+          <a:graphicData uri="http://schemas.openxmlformats.org/drawingml/2006/table">
+            <a:tbl>
+              <a:tblPr firstRow="1" firstCol="1" bandRow="1">
+                <a:tableStyleId>{5C22544A-7EE6-4342-B048-85BDC9FD1C3A}</a:tableStyleId>
+              </a:tblPr>
+              <a:tblGrid>
+                <a:gridCol w="1491448">
+                  <a:extLst>
+                    <a:ext uri="{9D8B030D-6E8A-4147-A177-3AD203B41FA5}">
+                      <a16:colId xmlns:a16="http://schemas.microsoft.com/office/drawing/2014/main" val="39394678"/>
+                    </a:ext>
+                  </a:extLst>
+                </a:gridCol>
+                <a:gridCol w="1961965">
+                  <a:extLst>
+                    <a:ext uri="{9D8B030D-6E8A-4147-A177-3AD203B41FA5}">
+                      <a16:colId xmlns:a16="http://schemas.microsoft.com/office/drawing/2014/main" val="2033629239"/>
+                    </a:ext>
+                  </a:extLst>
+                </a:gridCol>
+                <a:gridCol w="1291495">
+                  <a:extLst>
+                    <a:ext uri="{9D8B030D-6E8A-4147-A177-3AD203B41FA5}">
+                      <a16:colId xmlns:a16="http://schemas.microsoft.com/office/drawing/2014/main" val="1344744619"/>
+                    </a:ext>
+                  </a:extLst>
+                </a:gridCol>
+                <a:gridCol w="1611503">
+                  <a:extLst>
+                    <a:ext uri="{9D8B030D-6E8A-4147-A177-3AD203B41FA5}">
+                      <a16:colId xmlns:a16="http://schemas.microsoft.com/office/drawing/2014/main" val="1703110158"/>
+                    </a:ext>
+                  </a:extLst>
+                </a:gridCol>
+                <a:gridCol w="1866106">
+                  <a:extLst>
+                    <a:ext uri="{9D8B030D-6E8A-4147-A177-3AD203B41FA5}">
+                      <a16:colId xmlns:a16="http://schemas.microsoft.com/office/drawing/2014/main" val="2313455055"/>
+                    </a:ext>
+                  </a:extLst>
+                </a:gridCol>
+              </a:tblGrid>
+              <a:tr h="785393">
+                <a:tc>
+                  <a:txBody>
+                    <a:bodyPr/>
+                    <a:lstStyle/>
+                    <a:p>
+                      <a:pPr algn="l">
+                        <a:lnSpc>
+                          <a:spcPct val="150000"/>
+                        </a:lnSpc>
+                        <a:spcAft>
+                          <a:spcPts val="600"/>
+                        </a:spcAft>
+                      </a:pPr>
+                      <a:r>
+                        <a:rPr lang="hu-HU" sz="1200" dirty="0">
+                          <a:effectLst/>
+                        </a:rPr>
+                        <a:t> </a:t>
+                      </a:r>
+                      <a:endParaRPr lang="hu-HU" sz="1200" dirty="0">
+                        <a:effectLst/>
+                        <a:latin typeface="Times New Roman" panose="02020603050405020304" pitchFamily="18" charset="0"/>
+                        <a:ea typeface="Calibri" panose="020F0502020204030204" pitchFamily="34" charset="0"/>
+                        <a:cs typeface="Times New Roman" panose="02020603050405020304" pitchFamily="18" charset="0"/>
+                      </a:endParaRPr>
+                    </a:p>
+                  </a:txBody>
+                  <a:tcPr marL="68580" marR="68580" marT="0" marB="0" anchor="ctr">
+                    <a:solidFill>
+                      <a:srgbClr val="92D050"/>
+                    </a:solidFill>
+                  </a:tcPr>
+                </a:tc>
+                <a:tc>
+                  <a:txBody>
+                    <a:bodyPr/>
+                    <a:lstStyle/>
+                    <a:p>
+                      <a:pPr algn="ctr">
+                        <a:lnSpc>
+                          <a:spcPct val="150000"/>
+                        </a:lnSpc>
+                        <a:spcAft>
+                          <a:spcPts val="600"/>
+                        </a:spcAft>
+                      </a:pPr>
+                      <a:r>
+                        <a:rPr lang="hu-HU" sz="1200" dirty="0">
+                          <a:effectLst/>
+                        </a:rPr>
+                        <a:t>Optimális eredmény</a:t>
+                      </a:r>
+                      <a:endParaRPr lang="hu-HU" sz="1200" dirty="0">
+                        <a:effectLst/>
+                        <a:latin typeface="Times New Roman" panose="02020603050405020304" pitchFamily="18" charset="0"/>
+                        <a:ea typeface="Calibri" panose="020F0502020204030204" pitchFamily="34" charset="0"/>
+                        <a:cs typeface="Times New Roman" panose="02020603050405020304" pitchFamily="18" charset="0"/>
+                      </a:endParaRPr>
+                    </a:p>
+                  </a:txBody>
+                  <a:tcPr marL="68580" marR="68580" marT="0" marB="0" anchor="ctr">
+                    <a:solidFill>
+                      <a:srgbClr val="92D050"/>
+                    </a:solidFill>
+                  </a:tcPr>
+                </a:tc>
+                <a:tc>
+                  <a:txBody>
+                    <a:bodyPr/>
+                    <a:lstStyle/>
+                    <a:p>
+                      <a:pPr algn="ctr">
+                        <a:lnSpc>
+                          <a:spcPct val="150000"/>
+                        </a:lnSpc>
+                        <a:spcAft>
+                          <a:spcPts val="600"/>
+                        </a:spcAft>
+                      </a:pPr>
+                      <a:r>
+                        <a:rPr lang="hu-HU" sz="1200" dirty="0">
+                          <a:effectLst/>
+                        </a:rPr>
+                        <a:t>Sebesség</a:t>
+                      </a:r>
+                      <a:endParaRPr lang="hu-HU" sz="1200" dirty="0">
+                        <a:effectLst/>
+                        <a:latin typeface="Times New Roman" panose="02020603050405020304" pitchFamily="18" charset="0"/>
+                        <a:ea typeface="Calibri" panose="020F0502020204030204" pitchFamily="34" charset="0"/>
+                        <a:cs typeface="Times New Roman" panose="02020603050405020304" pitchFamily="18" charset="0"/>
+                      </a:endParaRPr>
+                    </a:p>
+                  </a:txBody>
+                  <a:tcPr marL="68580" marR="68580" marT="0" marB="0" anchor="ctr">
+                    <a:solidFill>
+                      <a:srgbClr val="92D050"/>
+                    </a:solidFill>
+                  </a:tcPr>
+                </a:tc>
+                <a:tc>
+                  <a:txBody>
+                    <a:bodyPr/>
+                    <a:lstStyle/>
+                    <a:p>
+                      <a:pPr algn="ctr">
+                        <a:lnSpc>
+                          <a:spcPct val="150000"/>
+                        </a:lnSpc>
+                        <a:spcAft>
+                          <a:spcPts val="600"/>
+                        </a:spcAft>
+                      </a:pPr>
+                      <a:r>
+                        <a:rPr lang="hu-HU" sz="1200" dirty="0">
+                          <a:effectLst/>
+                        </a:rPr>
+                        <a:t>Ajánlott teremméret</a:t>
+                      </a:r>
+                      <a:endParaRPr lang="hu-HU" sz="1200" dirty="0">
+                        <a:effectLst/>
+                        <a:latin typeface="Times New Roman" panose="02020603050405020304" pitchFamily="18" charset="0"/>
+                        <a:ea typeface="Calibri" panose="020F0502020204030204" pitchFamily="34" charset="0"/>
+                        <a:cs typeface="Times New Roman" panose="02020603050405020304" pitchFamily="18" charset="0"/>
+                      </a:endParaRPr>
+                    </a:p>
+                  </a:txBody>
+                  <a:tcPr marL="68580" marR="68580" marT="0" marB="0" anchor="ctr">
+                    <a:solidFill>
+                      <a:srgbClr val="92D050"/>
+                    </a:solidFill>
+                  </a:tcPr>
+                </a:tc>
+                <a:tc>
+                  <a:txBody>
+                    <a:bodyPr/>
+                    <a:lstStyle/>
+                    <a:p>
+                      <a:pPr algn="ctr">
+                        <a:lnSpc>
+                          <a:spcPct val="150000"/>
+                        </a:lnSpc>
+                        <a:spcAft>
+                          <a:spcPts val="600"/>
+                        </a:spcAft>
+                      </a:pPr>
+                      <a:r>
+                        <a:rPr lang="hu-HU" sz="1200" dirty="0">
+                          <a:effectLst/>
+                        </a:rPr>
+                        <a:t>Terem kihasználtsága</a:t>
+                      </a:r>
+                      <a:endParaRPr lang="hu-HU" sz="1200" dirty="0">
+                        <a:effectLst/>
+                        <a:latin typeface="Times New Roman" panose="02020603050405020304" pitchFamily="18" charset="0"/>
+                        <a:ea typeface="Calibri" panose="020F0502020204030204" pitchFamily="34" charset="0"/>
+                        <a:cs typeface="Times New Roman" panose="02020603050405020304" pitchFamily="18" charset="0"/>
+                      </a:endParaRPr>
+                    </a:p>
+                  </a:txBody>
+                  <a:tcPr marL="68580" marR="68580" marT="0" marB="0" anchor="ctr">
+                    <a:solidFill>
+                      <a:srgbClr val="92D050"/>
+                    </a:solidFill>
+                  </a:tcPr>
+                </a:tc>
+                <a:extLst>
+                  <a:ext uri="{0D108BD9-81ED-4DB2-BD59-A6C34878D82A}">
+                    <a16:rowId xmlns:a16="http://schemas.microsoft.com/office/drawing/2014/main" val="1328188830"/>
+                  </a:ext>
+                </a:extLst>
+              </a:tr>
+              <a:tr h="389938">
+                <a:tc>
+                  <a:txBody>
+                    <a:bodyPr/>
+                    <a:lstStyle/>
+                    <a:p>
+                      <a:pPr algn="l">
+                        <a:lnSpc>
+                          <a:spcPct val="150000"/>
+                        </a:lnSpc>
+                        <a:spcAft>
+                          <a:spcPts val="600"/>
+                        </a:spcAft>
+                      </a:pPr>
+                      <a:r>
+                        <a:rPr lang="hu-HU" sz="1200" dirty="0">
+                          <a:effectLst/>
+                        </a:rPr>
+                        <a:t>Mohó</a:t>
+                      </a:r>
+                      <a:endParaRPr lang="hu-HU" sz="1200" dirty="0">
+                        <a:effectLst/>
+                        <a:latin typeface="Times New Roman" panose="02020603050405020304" pitchFamily="18" charset="0"/>
+                        <a:ea typeface="Calibri" panose="020F0502020204030204" pitchFamily="34" charset="0"/>
+                        <a:cs typeface="Times New Roman" panose="02020603050405020304" pitchFamily="18" charset="0"/>
+                      </a:endParaRPr>
+                    </a:p>
+                  </a:txBody>
+                  <a:tcPr marL="68580" marR="68580" marT="0" marB="0" anchor="ctr">
+                    <a:solidFill>
+                      <a:srgbClr val="92D050"/>
+                    </a:solidFill>
+                  </a:tcPr>
+                </a:tc>
+                <a:tc>
+                  <a:txBody>
+                    <a:bodyPr/>
+                    <a:lstStyle/>
+                    <a:p>
+                      <a:pPr algn="ctr">
+                        <a:lnSpc>
+                          <a:spcPct val="150000"/>
+                        </a:lnSpc>
+                        <a:spcAft>
+                          <a:spcPts val="600"/>
+                        </a:spcAft>
+                      </a:pPr>
+                      <a:r>
+                        <a:rPr lang="hu-HU" sz="1200" dirty="0">
+                          <a:effectLst/>
+                        </a:rPr>
+                        <a:t>Nem</a:t>
+                      </a:r>
+                      <a:endParaRPr lang="hu-HU" sz="1200" dirty="0">
+                        <a:effectLst/>
+                        <a:latin typeface="Times New Roman" panose="02020603050405020304" pitchFamily="18" charset="0"/>
+                        <a:ea typeface="Calibri" panose="020F0502020204030204" pitchFamily="34" charset="0"/>
+                        <a:cs typeface="Times New Roman" panose="02020603050405020304" pitchFamily="18" charset="0"/>
+                      </a:endParaRPr>
+                    </a:p>
+                  </a:txBody>
+                  <a:tcPr marL="68580" marR="68580" marT="0" marB="0" anchor="ctr"/>
+                </a:tc>
+                <a:tc>
+                  <a:txBody>
+                    <a:bodyPr/>
+                    <a:lstStyle/>
+                    <a:p>
+                      <a:pPr algn="ctr">
+                        <a:lnSpc>
+                          <a:spcPct val="150000"/>
+                        </a:lnSpc>
+                        <a:spcAft>
+                          <a:spcPts val="600"/>
+                        </a:spcAft>
+                      </a:pPr>
+                      <a:r>
+                        <a:rPr lang="hu-HU" sz="1200" dirty="0">
+                          <a:effectLst/>
+                        </a:rPr>
+                        <a:t>Gyors</a:t>
+                      </a:r>
+                      <a:endParaRPr lang="hu-HU" sz="1200" dirty="0">
+                        <a:effectLst/>
+                        <a:latin typeface="Times New Roman" panose="02020603050405020304" pitchFamily="18" charset="0"/>
+                        <a:ea typeface="Calibri" panose="020F0502020204030204" pitchFamily="34" charset="0"/>
+                        <a:cs typeface="Times New Roman" panose="02020603050405020304" pitchFamily="18" charset="0"/>
+                      </a:endParaRPr>
+                    </a:p>
+                  </a:txBody>
+                  <a:tcPr marL="68580" marR="68580" marT="0" marB="0" anchor="ctr"/>
+                </a:tc>
+                <a:tc>
+                  <a:txBody>
+                    <a:bodyPr/>
+                    <a:lstStyle/>
+                    <a:p>
+                      <a:pPr algn="ctr">
+                        <a:lnSpc>
+                          <a:spcPct val="150000"/>
+                        </a:lnSpc>
+                        <a:spcAft>
+                          <a:spcPts val="600"/>
+                        </a:spcAft>
+                      </a:pPr>
+                      <a:r>
+                        <a:rPr lang="hu-HU" sz="1200" dirty="0">
+                          <a:effectLst/>
+                        </a:rPr>
+                        <a:t>Nagy</a:t>
+                      </a:r>
+                      <a:endParaRPr lang="hu-HU" sz="1200" dirty="0">
+                        <a:effectLst/>
+                        <a:latin typeface="Times New Roman" panose="02020603050405020304" pitchFamily="18" charset="0"/>
+                        <a:ea typeface="Calibri" panose="020F0502020204030204" pitchFamily="34" charset="0"/>
+                        <a:cs typeface="Times New Roman" panose="02020603050405020304" pitchFamily="18" charset="0"/>
+                      </a:endParaRPr>
+                    </a:p>
+                  </a:txBody>
+                  <a:tcPr marL="68580" marR="68580" marT="0" marB="0" anchor="ctr"/>
+                </a:tc>
+                <a:tc>
+                  <a:txBody>
+                    <a:bodyPr/>
+                    <a:lstStyle/>
+                    <a:p>
+                      <a:pPr algn="ctr">
+                        <a:lnSpc>
+                          <a:spcPct val="150000"/>
+                        </a:lnSpc>
+                        <a:spcAft>
+                          <a:spcPts val="600"/>
+                        </a:spcAft>
+                      </a:pPr>
+                      <a:r>
+                        <a:rPr lang="hu-HU" sz="1200">
+                          <a:effectLst/>
+                        </a:rPr>
+                        <a:t>Közepes</a:t>
+                      </a:r>
+                      <a:endParaRPr lang="hu-HU" sz="1200">
+                        <a:effectLst/>
+                        <a:latin typeface="Times New Roman" panose="02020603050405020304" pitchFamily="18" charset="0"/>
+                        <a:ea typeface="Calibri" panose="020F0502020204030204" pitchFamily="34" charset="0"/>
+                        <a:cs typeface="Times New Roman" panose="02020603050405020304" pitchFamily="18" charset="0"/>
+                      </a:endParaRPr>
+                    </a:p>
+                  </a:txBody>
+                  <a:tcPr marL="68580" marR="68580" marT="0" marB="0" anchor="ctr"/>
+                </a:tc>
+                <a:extLst>
+                  <a:ext uri="{0D108BD9-81ED-4DB2-BD59-A6C34878D82A}">
+                    <a16:rowId xmlns:a16="http://schemas.microsoft.com/office/drawing/2014/main" val="807051523"/>
+                  </a:ext>
+                </a:extLst>
+              </a:tr>
+              <a:tr h="389938">
+                <a:tc>
+                  <a:txBody>
+                    <a:bodyPr/>
+                    <a:lstStyle/>
+                    <a:p>
+                      <a:pPr algn="l">
+                        <a:lnSpc>
+                          <a:spcPct val="150000"/>
+                        </a:lnSpc>
+                        <a:spcAft>
+                          <a:spcPts val="600"/>
+                        </a:spcAft>
+                      </a:pPr>
+                      <a:r>
+                        <a:rPr lang="hu-HU" sz="1200" dirty="0">
+                          <a:effectLst/>
+                        </a:rPr>
+                        <a:t>Genetikus</a:t>
+                      </a:r>
+                      <a:endParaRPr lang="hu-HU" sz="1200" dirty="0">
+                        <a:effectLst/>
+                        <a:latin typeface="Times New Roman" panose="02020603050405020304" pitchFamily="18" charset="0"/>
+                        <a:ea typeface="Calibri" panose="020F0502020204030204" pitchFamily="34" charset="0"/>
+                        <a:cs typeface="Times New Roman" panose="02020603050405020304" pitchFamily="18" charset="0"/>
+                      </a:endParaRPr>
+                    </a:p>
+                  </a:txBody>
+                  <a:tcPr marL="68580" marR="68580" marT="0" marB="0" anchor="ctr">
+                    <a:solidFill>
+                      <a:srgbClr val="92D050"/>
+                    </a:solidFill>
+                  </a:tcPr>
+                </a:tc>
+                <a:tc>
+                  <a:txBody>
+                    <a:bodyPr/>
+                    <a:lstStyle/>
+                    <a:p>
+                      <a:pPr algn="ctr">
+                        <a:lnSpc>
+                          <a:spcPct val="150000"/>
+                        </a:lnSpc>
+                        <a:spcAft>
+                          <a:spcPts val="600"/>
+                        </a:spcAft>
+                      </a:pPr>
+                      <a:r>
+                        <a:rPr lang="hu-HU" sz="1200" dirty="0">
+                          <a:effectLst/>
+                        </a:rPr>
+                        <a:t>Igen*</a:t>
+                      </a:r>
+                      <a:endParaRPr lang="hu-HU" sz="1200" dirty="0">
+                        <a:effectLst/>
+                        <a:latin typeface="Times New Roman" panose="02020603050405020304" pitchFamily="18" charset="0"/>
+                        <a:ea typeface="Calibri" panose="020F0502020204030204" pitchFamily="34" charset="0"/>
+                        <a:cs typeface="Times New Roman" panose="02020603050405020304" pitchFamily="18" charset="0"/>
+                      </a:endParaRPr>
+                    </a:p>
+                  </a:txBody>
+                  <a:tcPr marL="68580" marR="68580" marT="0" marB="0" anchor="ctr"/>
+                </a:tc>
+                <a:tc>
+                  <a:txBody>
+                    <a:bodyPr/>
+                    <a:lstStyle/>
+                    <a:p>
+                      <a:pPr algn="ctr">
+                        <a:lnSpc>
+                          <a:spcPct val="150000"/>
+                        </a:lnSpc>
+                        <a:spcAft>
+                          <a:spcPts val="600"/>
+                        </a:spcAft>
+                      </a:pPr>
+                      <a:r>
+                        <a:rPr lang="hu-HU" sz="1200">
+                          <a:effectLst/>
+                        </a:rPr>
+                        <a:t>Változó*</a:t>
+                      </a:r>
+                      <a:endParaRPr lang="hu-HU" sz="1200">
+                        <a:effectLst/>
+                        <a:latin typeface="Times New Roman" panose="02020603050405020304" pitchFamily="18" charset="0"/>
+                        <a:ea typeface="Calibri" panose="020F0502020204030204" pitchFamily="34" charset="0"/>
+                        <a:cs typeface="Times New Roman" panose="02020603050405020304" pitchFamily="18" charset="0"/>
+                      </a:endParaRPr>
+                    </a:p>
+                  </a:txBody>
+                  <a:tcPr marL="68580" marR="68580" marT="0" marB="0" anchor="ctr"/>
+                </a:tc>
+                <a:tc>
+                  <a:txBody>
+                    <a:bodyPr/>
+                    <a:lstStyle/>
+                    <a:p>
+                      <a:pPr algn="ctr">
+                        <a:lnSpc>
+                          <a:spcPct val="150000"/>
+                        </a:lnSpc>
+                        <a:spcAft>
+                          <a:spcPts val="600"/>
+                        </a:spcAft>
+                      </a:pPr>
+                      <a:r>
+                        <a:rPr lang="hu-HU" sz="1200" dirty="0">
+                          <a:effectLst/>
+                        </a:rPr>
+                        <a:t>Közepes</a:t>
+                      </a:r>
+                      <a:endParaRPr lang="hu-HU" sz="1200" dirty="0">
+                        <a:effectLst/>
+                        <a:latin typeface="Times New Roman" panose="02020603050405020304" pitchFamily="18" charset="0"/>
+                        <a:ea typeface="Calibri" panose="020F0502020204030204" pitchFamily="34" charset="0"/>
+                        <a:cs typeface="Times New Roman" panose="02020603050405020304" pitchFamily="18" charset="0"/>
+                      </a:endParaRPr>
+                    </a:p>
+                  </a:txBody>
+                  <a:tcPr marL="68580" marR="68580" marT="0" marB="0" anchor="ctr"/>
+                </a:tc>
+                <a:tc>
+                  <a:txBody>
+                    <a:bodyPr/>
+                    <a:lstStyle/>
+                    <a:p>
+                      <a:pPr algn="ctr">
+                        <a:lnSpc>
+                          <a:spcPct val="150000"/>
+                        </a:lnSpc>
+                        <a:spcAft>
+                          <a:spcPts val="600"/>
+                        </a:spcAft>
+                      </a:pPr>
+                      <a:r>
+                        <a:rPr lang="hu-HU" sz="1200" dirty="0">
+                          <a:effectLst/>
+                        </a:rPr>
+                        <a:t>Közepes</a:t>
+                      </a:r>
+                      <a:endParaRPr lang="hu-HU" sz="1200" dirty="0">
+                        <a:effectLst/>
+                        <a:latin typeface="Times New Roman" panose="02020603050405020304" pitchFamily="18" charset="0"/>
+                        <a:ea typeface="Calibri" panose="020F0502020204030204" pitchFamily="34" charset="0"/>
+                        <a:cs typeface="Times New Roman" panose="02020603050405020304" pitchFamily="18" charset="0"/>
+                      </a:endParaRPr>
+                    </a:p>
+                  </a:txBody>
+                  <a:tcPr marL="68580" marR="68580" marT="0" marB="0" anchor="ctr"/>
+                </a:tc>
+                <a:extLst>
+                  <a:ext uri="{0D108BD9-81ED-4DB2-BD59-A6C34878D82A}">
+                    <a16:rowId xmlns:a16="http://schemas.microsoft.com/office/drawing/2014/main" val="4019218413"/>
+                  </a:ext>
+                </a:extLst>
+              </a:tr>
+              <a:tr h="389938">
+                <a:tc>
+                  <a:txBody>
+                    <a:bodyPr/>
+                    <a:lstStyle/>
+                    <a:p>
+                      <a:pPr algn="l">
+                        <a:lnSpc>
+                          <a:spcPct val="150000"/>
+                        </a:lnSpc>
+                        <a:spcAft>
+                          <a:spcPts val="600"/>
+                        </a:spcAft>
+                      </a:pPr>
+                      <a:r>
+                        <a:rPr lang="hu-HU" sz="1200" dirty="0">
+                          <a:effectLst/>
+                        </a:rPr>
+                        <a:t>LP</a:t>
+                      </a:r>
+                      <a:endParaRPr lang="hu-HU" sz="1200" dirty="0">
+                        <a:effectLst/>
+                        <a:latin typeface="Times New Roman" panose="02020603050405020304" pitchFamily="18" charset="0"/>
+                        <a:ea typeface="Calibri" panose="020F0502020204030204" pitchFamily="34" charset="0"/>
+                        <a:cs typeface="Times New Roman" panose="02020603050405020304" pitchFamily="18" charset="0"/>
+                      </a:endParaRPr>
+                    </a:p>
+                  </a:txBody>
+                  <a:tcPr marL="68580" marR="68580" marT="0" marB="0" anchor="ctr">
+                    <a:solidFill>
+                      <a:srgbClr val="92D050"/>
+                    </a:solidFill>
+                  </a:tcPr>
+                </a:tc>
+                <a:tc>
+                  <a:txBody>
+                    <a:bodyPr/>
+                    <a:lstStyle/>
+                    <a:p>
+                      <a:pPr algn="ctr">
+                        <a:lnSpc>
+                          <a:spcPct val="150000"/>
+                        </a:lnSpc>
+                        <a:spcAft>
+                          <a:spcPts val="600"/>
+                        </a:spcAft>
+                      </a:pPr>
+                      <a:r>
+                        <a:rPr lang="hu-HU" sz="1200">
+                          <a:effectLst/>
+                        </a:rPr>
+                        <a:t>Igen</a:t>
+                      </a:r>
+                      <a:endParaRPr lang="hu-HU" sz="1200">
+                        <a:effectLst/>
+                        <a:latin typeface="Times New Roman" panose="02020603050405020304" pitchFamily="18" charset="0"/>
+                        <a:ea typeface="Calibri" panose="020F0502020204030204" pitchFamily="34" charset="0"/>
+                        <a:cs typeface="Times New Roman" panose="02020603050405020304" pitchFamily="18" charset="0"/>
+                      </a:endParaRPr>
+                    </a:p>
+                  </a:txBody>
+                  <a:tcPr marL="68580" marR="68580" marT="0" marB="0" anchor="ctr"/>
+                </a:tc>
+                <a:tc>
+                  <a:txBody>
+                    <a:bodyPr/>
+                    <a:lstStyle/>
+                    <a:p>
+                      <a:pPr algn="ctr">
+                        <a:lnSpc>
+                          <a:spcPct val="150000"/>
+                        </a:lnSpc>
+                        <a:spcAft>
+                          <a:spcPts val="600"/>
+                        </a:spcAft>
+                      </a:pPr>
+                      <a:r>
+                        <a:rPr lang="hu-HU" sz="1200">
+                          <a:effectLst/>
+                        </a:rPr>
+                        <a:t>Gyors</a:t>
+                      </a:r>
+                      <a:endParaRPr lang="hu-HU" sz="1200">
+                        <a:effectLst/>
+                        <a:latin typeface="Times New Roman" panose="02020603050405020304" pitchFamily="18" charset="0"/>
+                        <a:ea typeface="Calibri" panose="020F0502020204030204" pitchFamily="34" charset="0"/>
+                        <a:cs typeface="Times New Roman" panose="02020603050405020304" pitchFamily="18" charset="0"/>
+                      </a:endParaRPr>
+                    </a:p>
+                  </a:txBody>
+                  <a:tcPr marL="68580" marR="68580" marT="0" marB="0" anchor="ctr"/>
+                </a:tc>
+                <a:tc>
+                  <a:txBody>
+                    <a:bodyPr/>
+                    <a:lstStyle/>
+                    <a:p>
+                      <a:pPr algn="ctr">
+                        <a:lnSpc>
+                          <a:spcPct val="150000"/>
+                        </a:lnSpc>
+                        <a:spcAft>
+                          <a:spcPts val="600"/>
+                        </a:spcAft>
+                      </a:pPr>
+                      <a:r>
+                        <a:rPr lang="hu-HU" sz="1200">
+                          <a:effectLst/>
+                        </a:rPr>
+                        <a:t>Nagy</a:t>
+                      </a:r>
+                      <a:endParaRPr lang="hu-HU" sz="1200">
+                        <a:effectLst/>
+                        <a:latin typeface="Times New Roman" panose="02020603050405020304" pitchFamily="18" charset="0"/>
+                        <a:ea typeface="Calibri" panose="020F0502020204030204" pitchFamily="34" charset="0"/>
+                        <a:cs typeface="Times New Roman" panose="02020603050405020304" pitchFamily="18" charset="0"/>
+                      </a:endParaRPr>
+                    </a:p>
+                  </a:txBody>
+                  <a:tcPr marL="68580" marR="68580" marT="0" marB="0" anchor="ctr"/>
+                </a:tc>
+                <a:tc>
+                  <a:txBody>
+                    <a:bodyPr/>
+                    <a:lstStyle/>
+                    <a:p>
+                      <a:pPr algn="ctr">
+                        <a:lnSpc>
+                          <a:spcPct val="150000"/>
+                        </a:lnSpc>
+                        <a:spcAft>
+                          <a:spcPts val="600"/>
+                        </a:spcAft>
+                      </a:pPr>
+                      <a:r>
+                        <a:rPr lang="hu-HU" sz="1200" dirty="0">
+                          <a:effectLst/>
+                        </a:rPr>
+                        <a:t>Nagy</a:t>
+                      </a:r>
+                      <a:endParaRPr lang="hu-HU" sz="1200" dirty="0">
+                        <a:effectLst/>
+                        <a:latin typeface="Times New Roman" panose="02020603050405020304" pitchFamily="18" charset="0"/>
+                        <a:ea typeface="Calibri" panose="020F0502020204030204" pitchFamily="34" charset="0"/>
+                        <a:cs typeface="Times New Roman" panose="02020603050405020304" pitchFamily="18" charset="0"/>
+                      </a:endParaRPr>
+                    </a:p>
+                  </a:txBody>
+                  <a:tcPr marL="68580" marR="68580" marT="0" marB="0" anchor="ctr"/>
+                </a:tc>
+                <a:extLst>
+                  <a:ext uri="{0D108BD9-81ED-4DB2-BD59-A6C34878D82A}">
+                    <a16:rowId xmlns:a16="http://schemas.microsoft.com/office/drawing/2014/main" val="740320372"/>
+                  </a:ext>
+                </a:extLst>
+              </a:tr>
+            </a:tbl>
+          </a:graphicData>
+        </a:graphic>
+      </p:graphicFrame>
+    </p:spTree>
+    <p:extLst>
+      <p:ext uri="{BB962C8B-B14F-4D97-AF65-F5344CB8AC3E}">
+        <p14:creationId xmlns:p14="http://schemas.microsoft.com/office/powerpoint/2010/main" val="3102704677"/>
+      </p:ext>
+    </p:extLst>
+  </p:cSld>
+  <p:clrMapOvr>
+    <a:masterClrMapping/>
+  </p:clrMapOvr>
+</p:sld>
+</file>
+
 <file path=ppt/slides/slide2.xml><?xml version="1.0" encoding="utf-8"?>
 <p:sld xmlns:a="http://schemas.openxmlformats.org/drawingml/2006/main" xmlns:r="http://schemas.openxmlformats.org/officeDocument/2006/relationships" xmlns:p="http://schemas.openxmlformats.org/presentationml/2006/main">
   <p:cSld>
@@ -7764,7 +8955,7 @@
           <a:bodyPr/>
           <a:lstStyle/>
           <a:p>
-            <a:endParaRPr lang="hu-HU"/>
+            <a:endParaRPr lang="hu-HU" dirty="0"/>
           </a:p>
         </p:txBody>
       </p:sp>
@@ -7858,31 +9049,6 @@
       </p:sp>
       <p:sp>
         <p:nvSpPr>
-          <p:cNvPr id="3" name="Tartalom helye 2">
-            <a:extLst>
-              <a:ext uri="{FF2B5EF4-FFF2-40B4-BE49-F238E27FC236}">
-                <a16:creationId xmlns:a16="http://schemas.microsoft.com/office/drawing/2014/main" id="{A337661C-A65B-4140-9C78-A4D521D69DB6}"/>
-              </a:ext>
-            </a:extLst>
-          </p:cNvPr>
-          <p:cNvSpPr>
-            <a:spLocks noGrp="1"/>
-          </p:cNvSpPr>
-          <p:nvPr>
-            <p:ph idx="1"/>
-          </p:nvPr>
-        </p:nvSpPr>
-        <p:spPr/>
-        <p:txBody>
-          <a:bodyPr/>
-          <a:lstStyle/>
-          <a:p>
-            <a:endParaRPr lang="hu-HU"/>
-          </a:p>
-        </p:txBody>
-      </p:sp>
-      <p:sp>
-        <p:nvSpPr>
           <p:cNvPr id="4" name="Dia számának helye 3">
             <a:extLst>
               <a:ext uri="{FF2B5EF4-FFF2-40B4-BE49-F238E27FC236}">
@@ -7908,6 +9074,1722 @@
               <a:t>6</a:t>
             </a:fld>
             <a:endParaRPr lang="hu-HU"/>
+          </a:p>
+        </p:txBody>
+      </p:sp>
+      <p:sp>
+        <p:nvSpPr>
+          <p:cNvPr id="26" name="Tartalom helye 2">
+            <a:extLst>
+              <a:ext uri="{FF2B5EF4-FFF2-40B4-BE49-F238E27FC236}">
+                <a16:creationId xmlns:a16="http://schemas.microsoft.com/office/drawing/2014/main" id="{05EE4C1F-E074-40E3-B2E3-A21BCB0102DF}"/>
+              </a:ext>
+            </a:extLst>
+          </p:cNvPr>
+          <p:cNvSpPr>
+            <a:spLocks noGrp="1"/>
+          </p:cNvSpPr>
+          <p:nvPr>
+            <p:ph idx="1"/>
+          </p:nvPr>
+        </p:nvSpPr>
+        <p:spPr>
+          <a:xfrm>
+            <a:off x="913795" y="1884849"/>
+            <a:ext cx="10353762" cy="4058751"/>
+          </a:xfrm>
+        </p:spPr>
+        <p:txBody>
+          <a:bodyPr/>
+          <a:lstStyle/>
+          <a:p>
+            <a:r>
+              <a:rPr lang="hu-HU" dirty="0"/>
+              <a:t>Inputként megkapja a nézőket és a székcsoportokat</a:t>
+            </a:r>
+          </a:p>
+        </p:txBody>
+      </p:sp>
+      <p:grpSp>
+        <p:nvGrpSpPr>
+          <p:cNvPr id="28" name="Csoportba foglalás 27">
+            <a:extLst>
+              <a:ext uri="{FF2B5EF4-FFF2-40B4-BE49-F238E27FC236}">
+                <a16:creationId xmlns:a16="http://schemas.microsoft.com/office/drawing/2014/main" id="{773BF9BD-B7A8-49A9-8930-64E6223A11DB}"/>
+              </a:ext>
+            </a:extLst>
+          </p:cNvPr>
+          <p:cNvGrpSpPr>
+            <a:grpSpLocks noChangeAspect="1"/>
+          </p:cNvGrpSpPr>
+          <p:nvPr/>
+        </p:nvGrpSpPr>
+        <p:grpSpPr>
+          <a:xfrm>
+            <a:off x="1321607" y="2553815"/>
+            <a:ext cx="9945950" cy="2361457"/>
+            <a:chOff x="787153" y="648070"/>
+            <a:chExt cx="9945950" cy="2361457"/>
+          </a:xfrm>
+        </p:grpSpPr>
+        <p:sp>
+          <p:nvSpPr>
+            <p:cNvPr id="29" name="Téglalap 28">
+              <a:extLst>
+                <a:ext uri="{FF2B5EF4-FFF2-40B4-BE49-F238E27FC236}">
+                  <a16:creationId xmlns:a16="http://schemas.microsoft.com/office/drawing/2014/main" id="{1F83520D-D630-4B56-8AA4-E27656EDDF2D}"/>
+                </a:ext>
+              </a:extLst>
+            </p:cNvPr>
+            <p:cNvSpPr/>
+            <p:nvPr/>
+          </p:nvSpPr>
+          <p:spPr>
+            <a:xfrm>
+              <a:off x="787153" y="2317033"/>
+              <a:ext cx="4369900" cy="690686"/>
+            </a:xfrm>
+            <a:prstGeom prst="rect">
+              <a:avLst/>
+            </a:prstGeom>
+            <a:solidFill>
+              <a:srgbClr val="92D050"/>
+            </a:solidFill>
+            <a:ln>
+              <a:solidFill>
+                <a:srgbClr val="92D050"/>
+              </a:solidFill>
+            </a:ln>
+          </p:spPr>
+          <p:style>
+            <a:lnRef idx="2">
+              <a:schemeClr val="accent1">
+                <a:shade val="50000"/>
+              </a:schemeClr>
+            </a:lnRef>
+            <a:fillRef idx="1">
+              <a:schemeClr val="accent1"/>
+            </a:fillRef>
+            <a:effectRef idx="0">
+              <a:schemeClr val="accent1"/>
+            </a:effectRef>
+            <a:fontRef idx="minor">
+              <a:schemeClr val="lt1"/>
+            </a:fontRef>
+          </p:style>
+          <p:txBody>
+            <a:bodyPr rtlCol="0" anchor="ctr"/>
+            <a:lstStyle/>
+            <a:p>
+              <a:pPr algn="ctr"/>
+              <a:endParaRPr lang="hu-HU"/>
+            </a:p>
+          </p:txBody>
+        </p:sp>
+        <p:sp>
+          <p:nvSpPr>
+            <p:cNvPr id="30" name="Téglalap 29">
+              <a:extLst>
+                <a:ext uri="{FF2B5EF4-FFF2-40B4-BE49-F238E27FC236}">
+                  <a16:creationId xmlns:a16="http://schemas.microsoft.com/office/drawing/2014/main" id="{43CDEDF8-D884-4CFA-9661-FC37A8A123FA}"/>
+                </a:ext>
+              </a:extLst>
+            </p:cNvPr>
+            <p:cNvSpPr/>
+            <p:nvPr/>
+          </p:nvSpPr>
+          <p:spPr>
+            <a:xfrm>
+              <a:off x="6309937" y="648070"/>
+              <a:ext cx="4423166" cy="2361457"/>
+            </a:xfrm>
+            <a:prstGeom prst="rect">
+              <a:avLst/>
+            </a:prstGeom>
+            <a:solidFill>
+              <a:srgbClr val="92D050"/>
+            </a:solidFill>
+            <a:ln>
+              <a:solidFill>
+                <a:srgbClr val="92D050"/>
+              </a:solidFill>
+            </a:ln>
+          </p:spPr>
+          <p:style>
+            <a:lnRef idx="2">
+              <a:schemeClr val="accent1">
+                <a:shade val="50000"/>
+              </a:schemeClr>
+            </a:lnRef>
+            <a:fillRef idx="1">
+              <a:schemeClr val="accent1"/>
+            </a:fillRef>
+            <a:effectRef idx="0">
+              <a:schemeClr val="accent1"/>
+            </a:effectRef>
+            <a:fontRef idx="minor">
+              <a:schemeClr val="lt1"/>
+            </a:fontRef>
+          </p:style>
+          <p:txBody>
+            <a:bodyPr rtlCol="0" anchor="ctr"/>
+            <a:lstStyle/>
+            <a:p>
+              <a:pPr algn="ctr"/>
+              <a:endParaRPr lang="hu-HU"/>
+            </a:p>
+          </p:txBody>
+        </p:sp>
+        <p:sp>
+          <p:nvSpPr>
+            <p:cNvPr id="31" name="Téglalap 30">
+              <a:extLst>
+                <a:ext uri="{FF2B5EF4-FFF2-40B4-BE49-F238E27FC236}">
+                  <a16:creationId xmlns:a16="http://schemas.microsoft.com/office/drawing/2014/main" id="{F06A3659-47D1-40A7-A93D-CA2A60935ED5}"/>
+                </a:ext>
+              </a:extLst>
+            </p:cNvPr>
+            <p:cNvSpPr/>
+            <p:nvPr/>
+          </p:nvSpPr>
+          <p:spPr>
+            <a:xfrm>
+              <a:off x="798990" y="648071"/>
+              <a:ext cx="4358063" cy="1532272"/>
+            </a:xfrm>
+            <a:prstGeom prst="rect">
+              <a:avLst/>
+            </a:prstGeom>
+            <a:solidFill>
+              <a:srgbClr val="92D050"/>
+            </a:solidFill>
+            <a:ln>
+              <a:solidFill>
+                <a:srgbClr val="92D050"/>
+              </a:solidFill>
+            </a:ln>
+          </p:spPr>
+          <p:style>
+            <a:lnRef idx="2">
+              <a:schemeClr val="accent1">
+                <a:shade val="50000"/>
+              </a:schemeClr>
+            </a:lnRef>
+            <a:fillRef idx="1">
+              <a:schemeClr val="accent1"/>
+            </a:fillRef>
+            <a:effectRef idx="0">
+              <a:schemeClr val="accent1"/>
+            </a:effectRef>
+            <a:fontRef idx="minor">
+              <a:schemeClr val="lt1"/>
+            </a:fontRef>
+          </p:style>
+          <p:txBody>
+            <a:bodyPr rtlCol="0" anchor="ctr"/>
+            <a:lstStyle/>
+            <a:p>
+              <a:pPr algn="ctr"/>
+              <a:endParaRPr lang="hu-HU"/>
+            </a:p>
+          </p:txBody>
+        </p:sp>
+        <p:grpSp>
+          <p:nvGrpSpPr>
+            <p:cNvPr id="32" name="Csoportba foglalás 31">
+              <a:extLst>
+                <a:ext uri="{FF2B5EF4-FFF2-40B4-BE49-F238E27FC236}">
+                  <a16:creationId xmlns:a16="http://schemas.microsoft.com/office/drawing/2014/main" id="{00103C42-909D-4F68-9F8B-6361741EBBCC}"/>
+                </a:ext>
+              </a:extLst>
+            </p:cNvPr>
+            <p:cNvGrpSpPr>
+              <a:grpSpLocks noChangeAspect="1"/>
+            </p:cNvGrpSpPr>
+            <p:nvPr/>
+          </p:nvGrpSpPr>
+          <p:grpSpPr>
+            <a:xfrm>
+              <a:off x="861135" y="710213"/>
+              <a:ext cx="4225771" cy="1408590"/>
+              <a:chOff x="719091" y="710213"/>
+              <a:chExt cx="5486400" cy="1828800"/>
+            </a:xfrm>
+          </p:grpSpPr>
+          <p:sp>
+            <p:nvSpPr>
+              <p:cNvPr id="48" name="Téglalap 47">
+                <a:extLst>
+                  <a:ext uri="{FF2B5EF4-FFF2-40B4-BE49-F238E27FC236}">
+                    <a16:creationId xmlns:a16="http://schemas.microsoft.com/office/drawing/2014/main" id="{C852C72D-1131-4014-954B-7F06D5445E77}"/>
+                  </a:ext>
+                </a:extLst>
+              </p:cNvPr>
+              <p:cNvSpPr/>
+              <p:nvPr/>
+            </p:nvSpPr>
+            <p:spPr>
+              <a:xfrm>
+                <a:off x="719091" y="710213"/>
+                <a:ext cx="914400" cy="914400"/>
+              </a:xfrm>
+              <a:prstGeom prst="rect">
+                <a:avLst/>
+              </a:prstGeom>
+              <a:solidFill>
+                <a:schemeClr val="tx1"/>
+              </a:solidFill>
+              <a:ln>
+                <a:solidFill>
+                  <a:schemeClr val="bg1"/>
+                </a:solidFill>
+              </a:ln>
+            </p:spPr>
+            <p:style>
+              <a:lnRef idx="2">
+                <a:schemeClr val="accent1">
+                  <a:shade val="50000"/>
+                </a:schemeClr>
+              </a:lnRef>
+              <a:fillRef idx="1">
+                <a:schemeClr val="accent1"/>
+              </a:fillRef>
+              <a:effectRef idx="0">
+                <a:schemeClr val="accent1"/>
+              </a:effectRef>
+              <a:fontRef idx="minor">
+                <a:schemeClr val="lt1"/>
+              </a:fontRef>
+            </p:style>
+            <p:txBody>
+              <a:bodyPr rtlCol="0" anchor="ctr"/>
+              <a:lstStyle/>
+              <a:p>
+                <a:pPr algn="ctr"/>
+                <a:endParaRPr lang="hu-HU" dirty="0"/>
+              </a:p>
+            </p:txBody>
+          </p:sp>
+          <p:sp>
+            <p:nvSpPr>
+              <p:cNvPr id="49" name="Téglalap 48">
+                <a:extLst>
+                  <a:ext uri="{FF2B5EF4-FFF2-40B4-BE49-F238E27FC236}">
+                    <a16:creationId xmlns:a16="http://schemas.microsoft.com/office/drawing/2014/main" id="{8F4AE477-AAC7-47F8-83EE-49E3F345DA8E}"/>
+                  </a:ext>
+                </a:extLst>
+              </p:cNvPr>
+              <p:cNvSpPr/>
+              <p:nvPr/>
+            </p:nvSpPr>
+            <p:spPr>
+              <a:xfrm>
+                <a:off x="1633491" y="710213"/>
+                <a:ext cx="914400" cy="914400"/>
+              </a:xfrm>
+              <a:prstGeom prst="rect">
+                <a:avLst/>
+              </a:prstGeom>
+              <a:solidFill>
+                <a:schemeClr val="tx1"/>
+              </a:solidFill>
+              <a:ln>
+                <a:solidFill>
+                  <a:schemeClr val="bg1"/>
+                </a:solidFill>
+              </a:ln>
+            </p:spPr>
+            <p:style>
+              <a:lnRef idx="2">
+                <a:schemeClr val="accent1">
+                  <a:shade val="50000"/>
+                </a:schemeClr>
+              </a:lnRef>
+              <a:fillRef idx="1">
+                <a:schemeClr val="accent1"/>
+              </a:fillRef>
+              <a:effectRef idx="0">
+                <a:schemeClr val="accent1"/>
+              </a:effectRef>
+              <a:fontRef idx="minor">
+                <a:schemeClr val="lt1"/>
+              </a:fontRef>
+            </p:style>
+            <p:txBody>
+              <a:bodyPr rtlCol="0" anchor="ctr"/>
+              <a:lstStyle/>
+              <a:p>
+                <a:pPr algn="ctr"/>
+                <a:endParaRPr lang="hu-HU" dirty="0"/>
+              </a:p>
+            </p:txBody>
+          </p:sp>
+          <p:sp>
+            <p:nvSpPr>
+              <p:cNvPr id="50" name="Téglalap 49">
+                <a:extLst>
+                  <a:ext uri="{FF2B5EF4-FFF2-40B4-BE49-F238E27FC236}">
+                    <a16:creationId xmlns:a16="http://schemas.microsoft.com/office/drawing/2014/main" id="{651D9F28-C4DD-4BE7-9811-42D0DD069BA5}"/>
+                  </a:ext>
+                </a:extLst>
+              </p:cNvPr>
+              <p:cNvSpPr/>
+              <p:nvPr/>
+            </p:nvSpPr>
+            <p:spPr>
+              <a:xfrm>
+                <a:off x="2547891" y="710213"/>
+                <a:ext cx="914400" cy="914400"/>
+              </a:xfrm>
+              <a:prstGeom prst="rect">
+                <a:avLst/>
+              </a:prstGeom>
+              <a:solidFill>
+                <a:schemeClr val="bg1"/>
+              </a:solidFill>
+              <a:ln>
+                <a:solidFill>
+                  <a:schemeClr val="bg1"/>
+                </a:solidFill>
+              </a:ln>
+            </p:spPr>
+            <p:style>
+              <a:lnRef idx="2">
+                <a:schemeClr val="accent1">
+                  <a:shade val="50000"/>
+                </a:schemeClr>
+              </a:lnRef>
+              <a:fillRef idx="1">
+                <a:schemeClr val="accent1"/>
+              </a:fillRef>
+              <a:effectRef idx="0">
+                <a:schemeClr val="accent1"/>
+              </a:effectRef>
+              <a:fontRef idx="minor">
+                <a:schemeClr val="lt1"/>
+              </a:fontRef>
+            </p:style>
+            <p:txBody>
+              <a:bodyPr rtlCol="0" anchor="ctr"/>
+              <a:lstStyle/>
+              <a:p>
+                <a:pPr algn="ctr"/>
+                <a:endParaRPr lang="hu-HU" dirty="0"/>
+              </a:p>
+            </p:txBody>
+          </p:sp>
+          <p:sp>
+            <p:nvSpPr>
+              <p:cNvPr id="51" name="Téglalap 50">
+                <a:extLst>
+                  <a:ext uri="{FF2B5EF4-FFF2-40B4-BE49-F238E27FC236}">
+                    <a16:creationId xmlns:a16="http://schemas.microsoft.com/office/drawing/2014/main" id="{2E9296FA-86E4-4B28-B79B-5334A4BAB4C3}"/>
+                  </a:ext>
+                </a:extLst>
+              </p:cNvPr>
+              <p:cNvSpPr/>
+              <p:nvPr/>
+            </p:nvSpPr>
+            <p:spPr>
+              <a:xfrm>
+                <a:off x="3462291" y="710213"/>
+                <a:ext cx="914400" cy="914400"/>
+              </a:xfrm>
+              <a:prstGeom prst="rect">
+                <a:avLst/>
+              </a:prstGeom>
+              <a:solidFill>
+                <a:schemeClr val="tx1"/>
+              </a:solidFill>
+              <a:ln>
+                <a:solidFill>
+                  <a:schemeClr val="bg1"/>
+                </a:solidFill>
+              </a:ln>
+            </p:spPr>
+            <p:style>
+              <a:lnRef idx="2">
+                <a:schemeClr val="accent1">
+                  <a:shade val="50000"/>
+                </a:schemeClr>
+              </a:lnRef>
+              <a:fillRef idx="1">
+                <a:schemeClr val="accent1"/>
+              </a:fillRef>
+              <a:effectRef idx="0">
+                <a:schemeClr val="accent1"/>
+              </a:effectRef>
+              <a:fontRef idx="minor">
+                <a:schemeClr val="lt1"/>
+              </a:fontRef>
+            </p:style>
+            <p:txBody>
+              <a:bodyPr rtlCol="0" anchor="ctr"/>
+              <a:lstStyle/>
+              <a:p>
+                <a:pPr algn="ctr"/>
+                <a:endParaRPr lang="hu-HU" dirty="0"/>
+              </a:p>
+            </p:txBody>
+          </p:sp>
+          <p:sp>
+            <p:nvSpPr>
+              <p:cNvPr id="52" name="Téglalap 51">
+                <a:extLst>
+                  <a:ext uri="{FF2B5EF4-FFF2-40B4-BE49-F238E27FC236}">
+                    <a16:creationId xmlns:a16="http://schemas.microsoft.com/office/drawing/2014/main" id="{3595680D-200F-405C-A6D4-C37D253601D0}"/>
+                  </a:ext>
+                </a:extLst>
+              </p:cNvPr>
+              <p:cNvSpPr/>
+              <p:nvPr/>
+            </p:nvSpPr>
+            <p:spPr>
+              <a:xfrm>
+                <a:off x="4376691" y="710213"/>
+                <a:ext cx="914400" cy="914400"/>
+              </a:xfrm>
+              <a:prstGeom prst="rect">
+                <a:avLst/>
+              </a:prstGeom>
+              <a:solidFill>
+                <a:schemeClr val="tx1"/>
+              </a:solidFill>
+              <a:ln>
+                <a:solidFill>
+                  <a:schemeClr val="bg1"/>
+                </a:solidFill>
+              </a:ln>
+            </p:spPr>
+            <p:style>
+              <a:lnRef idx="2">
+                <a:schemeClr val="accent1">
+                  <a:shade val="50000"/>
+                </a:schemeClr>
+              </a:lnRef>
+              <a:fillRef idx="1">
+                <a:schemeClr val="accent1"/>
+              </a:fillRef>
+              <a:effectRef idx="0">
+                <a:schemeClr val="accent1"/>
+              </a:effectRef>
+              <a:fontRef idx="minor">
+                <a:schemeClr val="lt1"/>
+              </a:fontRef>
+            </p:style>
+            <p:txBody>
+              <a:bodyPr rtlCol="0" anchor="ctr"/>
+              <a:lstStyle/>
+              <a:p>
+                <a:pPr algn="ctr"/>
+                <a:endParaRPr lang="hu-HU" dirty="0"/>
+              </a:p>
+            </p:txBody>
+          </p:sp>
+          <p:sp>
+            <p:nvSpPr>
+              <p:cNvPr id="53" name="Téglalap 52">
+                <a:extLst>
+                  <a:ext uri="{FF2B5EF4-FFF2-40B4-BE49-F238E27FC236}">
+                    <a16:creationId xmlns:a16="http://schemas.microsoft.com/office/drawing/2014/main" id="{6CFC3701-B8AE-4654-A299-BF157940558C}"/>
+                  </a:ext>
+                </a:extLst>
+              </p:cNvPr>
+              <p:cNvSpPr/>
+              <p:nvPr/>
+            </p:nvSpPr>
+            <p:spPr>
+              <a:xfrm>
+                <a:off x="5291091" y="710213"/>
+                <a:ext cx="914400" cy="914400"/>
+              </a:xfrm>
+              <a:prstGeom prst="rect">
+                <a:avLst/>
+              </a:prstGeom>
+              <a:solidFill>
+                <a:schemeClr val="tx1"/>
+              </a:solidFill>
+              <a:ln>
+                <a:solidFill>
+                  <a:schemeClr val="bg1"/>
+                </a:solidFill>
+              </a:ln>
+            </p:spPr>
+            <p:style>
+              <a:lnRef idx="2">
+                <a:schemeClr val="accent1">
+                  <a:shade val="50000"/>
+                </a:schemeClr>
+              </a:lnRef>
+              <a:fillRef idx="1">
+                <a:schemeClr val="accent1"/>
+              </a:fillRef>
+              <a:effectRef idx="0">
+                <a:schemeClr val="accent1"/>
+              </a:effectRef>
+              <a:fontRef idx="minor">
+                <a:schemeClr val="lt1"/>
+              </a:fontRef>
+            </p:style>
+            <p:txBody>
+              <a:bodyPr rtlCol="0" anchor="ctr"/>
+              <a:lstStyle/>
+              <a:p>
+                <a:pPr algn="ctr"/>
+                <a:endParaRPr lang="hu-HU" dirty="0"/>
+              </a:p>
+            </p:txBody>
+          </p:sp>
+          <p:sp>
+            <p:nvSpPr>
+              <p:cNvPr id="54" name="Téglalap 53">
+                <a:extLst>
+                  <a:ext uri="{FF2B5EF4-FFF2-40B4-BE49-F238E27FC236}">
+                    <a16:creationId xmlns:a16="http://schemas.microsoft.com/office/drawing/2014/main" id="{168CA57E-80F2-4BB6-A8E1-F0A25822C3EE}"/>
+                  </a:ext>
+                </a:extLst>
+              </p:cNvPr>
+              <p:cNvSpPr/>
+              <p:nvPr/>
+            </p:nvSpPr>
+            <p:spPr>
+              <a:xfrm>
+                <a:off x="719091" y="1624613"/>
+                <a:ext cx="914400" cy="914400"/>
+              </a:xfrm>
+              <a:prstGeom prst="rect">
+                <a:avLst/>
+              </a:prstGeom>
+              <a:solidFill>
+                <a:schemeClr val="tx1"/>
+              </a:solidFill>
+              <a:ln>
+                <a:solidFill>
+                  <a:schemeClr val="bg1"/>
+                </a:solidFill>
+              </a:ln>
+            </p:spPr>
+            <p:style>
+              <a:lnRef idx="2">
+                <a:schemeClr val="accent1">
+                  <a:shade val="50000"/>
+                </a:schemeClr>
+              </a:lnRef>
+              <a:fillRef idx="1">
+                <a:schemeClr val="accent1"/>
+              </a:fillRef>
+              <a:effectRef idx="0">
+                <a:schemeClr val="accent1"/>
+              </a:effectRef>
+              <a:fontRef idx="minor">
+                <a:schemeClr val="lt1"/>
+              </a:fontRef>
+            </p:style>
+            <p:txBody>
+              <a:bodyPr rtlCol="0" anchor="ctr"/>
+              <a:lstStyle/>
+              <a:p>
+                <a:pPr algn="ctr"/>
+                <a:endParaRPr lang="hu-HU" dirty="0"/>
+              </a:p>
+            </p:txBody>
+          </p:sp>
+          <p:sp>
+            <p:nvSpPr>
+              <p:cNvPr id="55" name="Téglalap 54">
+                <a:extLst>
+                  <a:ext uri="{FF2B5EF4-FFF2-40B4-BE49-F238E27FC236}">
+                    <a16:creationId xmlns:a16="http://schemas.microsoft.com/office/drawing/2014/main" id="{6A4D7476-12A4-422C-8B92-D0FDFB1D7609}"/>
+                  </a:ext>
+                </a:extLst>
+              </p:cNvPr>
+              <p:cNvSpPr/>
+              <p:nvPr/>
+            </p:nvSpPr>
+            <p:spPr>
+              <a:xfrm>
+                <a:off x="1633491" y="1624613"/>
+                <a:ext cx="914400" cy="914400"/>
+              </a:xfrm>
+              <a:prstGeom prst="rect">
+                <a:avLst/>
+              </a:prstGeom>
+              <a:solidFill>
+                <a:schemeClr val="tx1"/>
+              </a:solidFill>
+              <a:ln>
+                <a:solidFill>
+                  <a:schemeClr val="bg1"/>
+                </a:solidFill>
+              </a:ln>
+            </p:spPr>
+            <p:style>
+              <a:lnRef idx="2">
+                <a:schemeClr val="accent1">
+                  <a:shade val="50000"/>
+                </a:schemeClr>
+              </a:lnRef>
+              <a:fillRef idx="1">
+                <a:schemeClr val="accent1"/>
+              </a:fillRef>
+              <a:effectRef idx="0">
+                <a:schemeClr val="accent1"/>
+              </a:effectRef>
+              <a:fontRef idx="minor">
+                <a:schemeClr val="lt1"/>
+              </a:fontRef>
+            </p:style>
+            <p:txBody>
+              <a:bodyPr rtlCol="0" anchor="ctr"/>
+              <a:lstStyle/>
+              <a:p>
+                <a:pPr algn="ctr"/>
+                <a:endParaRPr lang="hu-HU" dirty="0"/>
+              </a:p>
+            </p:txBody>
+          </p:sp>
+          <p:sp>
+            <p:nvSpPr>
+              <p:cNvPr id="56" name="Téglalap 55">
+                <a:extLst>
+                  <a:ext uri="{FF2B5EF4-FFF2-40B4-BE49-F238E27FC236}">
+                    <a16:creationId xmlns:a16="http://schemas.microsoft.com/office/drawing/2014/main" id="{A5757119-FAF3-4292-A9D1-D4101F74ECEF}"/>
+                  </a:ext>
+                </a:extLst>
+              </p:cNvPr>
+              <p:cNvSpPr/>
+              <p:nvPr/>
+            </p:nvSpPr>
+            <p:spPr>
+              <a:xfrm>
+                <a:off x="2547891" y="1624613"/>
+                <a:ext cx="914400" cy="914400"/>
+              </a:xfrm>
+              <a:prstGeom prst="rect">
+                <a:avLst/>
+              </a:prstGeom>
+              <a:solidFill>
+                <a:schemeClr val="tx1"/>
+              </a:solidFill>
+              <a:ln>
+                <a:solidFill>
+                  <a:schemeClr val="bg1"/>
+                </a:solidFill>
+              </a:ln>
+            </p:spPr>
+            <p:style>
+              <a:lnRef idx="2">
+                <a:schemeClr val="accent1">
+                  <a:shade val="50000"/>
+                </a:schemeClr>
+              </a:lnRef>
+              <a:fillRef idx="1">
+                <a:schemeClr val="accent1"/>
+              </a:fillRef>
+              <a:effectRef idx="0">
+                <a:schemeClr val="accent1"/>
+              </a:effectRef>
+              <a:fontRef idx="minor">
+                <a:schemeClr val="lt1"/>
+              </a:fontRef>
+            </p:style>
+            <p:txBody>
+              <a:bodyPr rtlCol="0" anchor="ctr"/>
+              <a:lstStyle/>
+              <a:p>
+                <a:pPr algn="ctr"/>
+                <a:endParaRPr lang="hu-HU" dirty="0"/>
+              </a:p>
+            </p:txBody>
+          </p:sp>
+          <p:sp>
+            <p:nvSpPr>
+              <p:cNvPr id="57" name="Téglalap 56">
+                <a:extLst>
+                  <a:ext uri="{FF2B5EF4-FFF2-40B4-BE49-F238E27FC236}">
+                    <a16:creationId xmlns:a16="http://schemas.microsoft.com/office/drawing/2014/main" id="{86DE618C-4C26-42C1-B4AC-35B807014890}"/>
+                  </a:ext>
+                </a:extLst>
+              </p:cNvPr>
+              <p:cNvSpPr/>
+              <p:nvPr/>
+            </p:nvSpPr>
+            <p:spPr>
+              <a:xfrm>
+                <a:off x="3462291" y="1624613"/>
+                <a:ext cx="914400" cy="914400"/>
+              </a:xfrm>
+              <a:prstGeom prst="rect">
+                <a:avLst/>
+              </a:prstGeom>
+              <a:solidFill>
+                <a:schemeClr val="tx1"/>
+              </a:solidFill>
+              <a:ln>
+                <a:solidFill>
+                  <a:schemeClr val="bg1"/>
+                </a:solidFill>
+              </a:ln>
+            </p:spPr>
+            <p:style>
+              <a:lnRef idx="2">
+                <a:schemeClr val="accent1">
+                  <a:shade val="50000"/>
+                </a:schemeClr>
+              </a:lnRef>
+              <a:fillRef idx="1">
+                <a:schemeClr val="accent1"/>
+              </a:fillRef>
+              <a:effectRef idx="0">
+                <a:schemeClr val="accent1"/>
+              </a:effectRef>
+              <a:fontRef idx="minor">
+                <a:schemeClr val="lt1"/>
+              </a:fontRef>
+            </p:style>
+            <p:txBody>
+              <a:bodyPr rtlCol="0" anchor="ctr"/>
+              <a:lstStyle/>
+              <a:p>
+                <a:pPr algn="ctr"/>
+                <a:endParaRPr lang="hu-HU" dirty="0"/>
+              </a:p>
+            </p:txBody>
+          </p:sp>
+          <p:sp>
+            <p:nvSpPr>
+              <p:cNvPr id="58" name="Téglalap 57">
+                <a:extLst>
+                  <a:ext uri="{FF2B5EF4-FFF2-40B4-BE49-F238E27FC236}">
+                    <a16:creationId xmlns:a16="http://schemas.microsoft.com/office/drawing/2014/main" id="{D4BE83D9-F118-4002-B51E-9BEDCE4663F0}"/>
+                  </a:ext>
+                </a:extLst>
+              </p:cNvPr>
+              <p:cNvSpPr/>
+              <p:nvPr/>
+            </p:nvSpPr>
+            <p:spPr>
+              <a:xfrm>
+                <a:off x="4376691" y="1624613"/>
+                <a:ext cx="914400" cy="914400"/>
+              </a:xfrm>
+              <a:prstGeom prst="rect">
+                <a:avLst/>
+              </a:prstGeom>
+              <a:solidFill>
+                <a:schemeClr val="tx1"/>
+              </a:solidFill>
+              <a:ln>
+                <a:solidFill>
+                  <a:schemeClr val="bg1"/>
+                </a:solidFill>
+              </a:ln>
+            </p:spPr>
+            <p:style>
+              <a:lnRef idx="2">
+                <a:schemeClr val="accent1">
+                  <a:shade val="50000"/>
+                </a:schemeClr>
+              </a:lnRef>
+              <a:fillRef idx="1">
+                <a:schemeClr val="accent1"/>
+              </a:fillRef>
+              <a:effectRef idx="0">
+                <a:schemeClr val="accent1"/>
+              </a:effectRef>
+              <a:fontRef idx="minor">
+                <a:schemeClr val="lt1"/>
+              </a:fontRef>
+            </p:style>
+            <p:txBody>
+              <a:bodyPr rtlCol="0" anchor="ctr"/>
+              <a:lstStyle/>
+              <a:p>
+                <a:pPr algn="ctr"/>
+                <a:endParaRPr lang="hu-HU" dirty="0"/>
+              </a:p>
+            </p:txBody>
+          </p:sp>
+          <p:sp>
+            <p:nvSpPr>
+              <p:cNvPr id="59" name="Téglalap 58">
+                <a:extLst>
+                  <a:ext uri="{FF2B5EF4-FFF2-40B4-BE49-F238E27FC236}">
+                    <a16:creationId xmlns:a16="http://schemas.microsoft.com/office/drawing/2014/main" id="{AD02D879-B123-46AD-B0D4-49F604DFEB6A}"/>
+                  </a:ext>
+                </a:extLst>
+              </p:cNvPr>
+              <p:cNvSpPr/>
+              <p:nvPr/>
+            </p:nvSpPr>
+            <p:spPr>
+              <a:xfrm>
+                <a:off x="5291091" y="1624613"/>
+                <a:ext cx="914400" cy="914400"/>
+              </a:xfrm>
+              <a:prstGeom prst="rect">
+                <a:avLst/>
+              </a:prstGeom>
+              <a:solidFill>
+                <a:schemeClr val="tx1"/>
+              </a:solidFill>
+              <a:ln>
+                <a:solidFill>
+                  <a:schemeClr val="bg1"/>
+                </a:solidFill>
+              </a:ln>
+            </p:spPr>
+            <p:style>
+              <a:lnRef idx="2">
+                <a:schemeClr val="accent1">
+                  <a:shade val="50000"/>
+                </a:schemeClr>
+              </a:lnRef>
+              <a:fillRef idx="1">
+                <a:schemeClr val="accent1"/>
+              </a:fillRef>
+              <a:effectRef idx="0">
+                <a:schemeClr val="accent1"/>
+              </a:effectRef>
+              <a:fontRef idx="minor">
+                <a:schemeClr val="lt1"/>
+              </a:fontRef>
+            </p:style>
+            <p:txBody>
+              <a:bodyPr rtlCol="0" anchor="ctr"/>
+              <a:lstStyle/>
+              <a:p>
+                <a:pPr algn="ctr"/>
+                <a:endParaRPr lang="hu-HU" dirty="0"/>
+              </a:p>
+            </p:txBody>
+          </p:sp>
+        </p:grpSp>
+        <p:grpSp>
+          <p:nvGrpSpPr>
+            <p:cNvPr id="33" name="Csoportba foglalás 32">
+              <a:extLst>
+                <a:ext uri="{FF2B5EF4-FFF2-40B4-BE49-F238E27FC236}">
+                  <a16:creationId xmlns:a16="http://schemas.microsoft.com/office/drawing/2014/main" id="{38E01445-4608-42B3-8097-0211A176AB6F}"/>
+                </a:ext>
+              </a:extLst>
+            </p:cNvPr>
+            <p:cNvGrpSpPr>
+              <a:grpSpLocks noChangeAspect="1"/>
+            </p:cNvGrpSpPr>
+            <p:nvPr/>
+          </p:nvGrpSpPr>
+          <p:grpSpPr>
+            <a:xfrm>
+              <a:off x="6400800" y="710213"/>
+              <a:ext cx="4225771" cy="2235966"/>
+              <a:chOff x="719091" y="3188563"/>
+              <a:chExt cx="5486400" cy="2902998"/>
+            </a:xfrm>
+          </p:grpSpPr>
+          <p:sp>
+            <p:nvSpPr>
+              <p:cNvPr id="37" name="Téglalap 36">
+                <a:extLst>
+                  <a:ext uri="{FF2B5EF4-FFF2-40B4-BE49-F238E27FC236}">
+                    <a16:creationId xmlns:a16="http://schemas.microsoft.com/office/drawing/2014/main" id="{BFBDF8BF-C1DF-4E5A-9597-078DA032D3A1}"/>
+                  </a:ext>
+                </a:extLst>
+              </p:cNvPr>
+              <p:cNvSpPr/>
+              <p:nvPr/>
+            </p:nvSpPr>
+            <p:spPr>
+              <a:xfrm>
+                <a:off x="719091" y="3188563"/>
+                <a:ext cx="914400" cy="914400"/>
+              </a:xfrm>
+              <a:prstGeom prst="rect">
+                <a:avLst/>
+              </a:prstGeom>
+              <a:solidFill>
+                <a:schemeClr val="tx1"/>
+              </a:solidFill>
+              <a:ln>
+                <a:solidFill>
+                  <a:schemeClr val="bg1"/>
+                </a:solidFill>
+              </a:ln>
+            </p:spPr>
+            <p:style>
+              <a:lnRef idx="2">
+                <a:schemeClr val="accent1">
+                  <a:shade val="50000"/>
+                </a:schemeClr>
+              </a:lnRef>
+              <a:fillRef idx="1">
+                <a:schemeClr val="accent1"/>
+              </a:fillRef>
+              <a:effectRef idx="0">
+                <a:schemeClr val="accent1"/>
+              </a:effectRef>
+              <a:fontRef idx="minor">
+                <a:schemeClr val="lt1"/>
+              </a:fontRef>
+            </p:style>
+            <p:txBody>
+              <a:bodyPr rtlCol="0" anchor="ctr"/>
+              <a:lstStyle/>
+              <a:p>
+                <a:pPr algn="ctr"/>
+                <a:endParaRPr lang="hu-HU" dirty="0"/>
+              </a:p>
+            </p:txBody>
+          </p:sp>
+          <p:sp>
+            <p:nvSpPr>
+              <p:cNvPr id="38" name="Téglalap 37">
+                <a:extLst>
+                  <a:ext uri="{FF2B5EF4-FFF2-40B4-BE49-F238E27FC236}">
+                    <a16:creationId xmlns:a16="http://schemas.microsoft.com/office/drawing/2014/main" id="{025B8C6A-5EEA-464C-932A-518D8A86AF61}"/>
+                  </a:ext>
+                </a:extLst>
+              </p:cNvPr>
+              <p:cNvSpPr/>
+              <p:nvPr/>
+            </p:nvSpPr>
+            <p:spPr>
+              <a:xfrm>
+                <a:off x="1633491" y="3188563"/>
+                <a:ext cx="914400" cy="914400"/>
+              </a:xfrm>
+              <a:prstGeom prst="rect">
+                <a:avLst/>
+              </a:prstGeom>
+              <a:solidFill>
+                <a:schemeClr val="tx1"/>
+              </a:solidFill>
+              <a:ln>
+                <a:solidFill>
+                  <a:schemeClr val="bg1"/>
+                </a:solidFill>
+              </a:ln>
+            </p:spPr>
+            <p:style>
+              <a:lnRef idx="2">
+                <a:schemeClr val="accent1">
+                  <a:shade val="50000"/>
+                </a:schemeClr>
+              </a:lnRef>
+              <a:fillRef idx="1">
+                <a:schemeClr val="accent1"/>
+              </a:fillRef>
+              <a:effectRef idx="0">
+                <a:schemeClr val="accent1"/>
+              </a:effectRef>
+              <a:fontRef idx="minor">
+                <a:schemeClr val="lt1"/>
+              </a:fontRef>
+            </p:style>
+            <p:txBody>
+              <a:bodyPr rtlCol="0" anchor="ctr"/>
+              <a:lstStyle/>
+              <a:p>
+                <a:pPr algn="ctr"/>
+                <a:endParaRPr lang="hu-HU" dirty="0"/>
+              </a:p>
+            </p:txBody>
+          </p:sp>
+          <p:sp>
+            <p:nvSpPr>
+              <p:cNvPr id="39" name="Téglalap 38">
+                <a:extLst>
+                  <a:ext uri="{FF2B5EF4-FFF2-40B4-BE49-F238E27FC236}">
+                    <a16:creationId xmlns:a16="http://schemas.microsoft.com/office/drawing/2014/main" id="{74065751-B477-4196-AF5E-AE2A4F4F8FCD}"/>
+                  </a:ext>
+                </a:extLst>
+              </p:cNvPr>
+              <p:cNvSpPr/>
+              <p:nvPr/>
+            </p:nvSpPr>
+            <p:spPr>
+              <a:xfrm>
+                <a:off x="719091" y="4182862"/>
+                <a:ext cx="914400" cy="914400"/>
+              </a:xfrm>
+              <a:prstGeom prst="rect">
+                <a:avLst/>
+              </a:prstGeom>
+              <a:solidFill>
+                <a:schemeClr val="tx1"/>
+              </a:solidFill>
+              <a:ln>
+                <a:solidFill>
+                  <a:schemeClr val="bg1"/>
+                </a:solidFill>
+              </a:ln>
+            </p:spPr>
+            <p:style>
+              <a:lnRef idx="2">
+                <a:schemeClr val="accent1">
+                  <a:shade val="50000"/>
+                </a:schemeClr>
+              </a:lnRef>
+              <a:fillRef idx="1">
+                <a:schemeClr val="accent1"/>
+              </a:fillRef>
+              <a:effectRef idx="0">
+                <a:schemeClr val="accent1"/>
+              </a:effectRef>
+              <a:fontRef idx="minor">
+                <a:schemeClr val="lt1"/>
+              </a:fontRef>
+            </p:style>
+            <p:txBody>
+              <a:bodyPr rtlCol="0" anchor="ctr"/>
+              <a:lstStyle/>
+              <a:p>
+                <a:pPr algn="ctr"/>
+                <a:endParaRPr lang="hu-HU" dirty="0"/>
+              </a:p>
+            </p:txBody>
+          </p:sp>
+          <p:sp>
+            <p:nvSpPr>
+              <p:cNvPr id="40" name="Téglalap 39">
+                <a:extLst>
+                  <a:ext uri="{FF2B5EF4-FFF2-40B4-BE49-F238E27FC236}">
+                    <a16:creationId xmlns:a16="http://schemas.microsoft.com/office/drawing/2014/main" id="{12FE8B7E-F6F6-4A11-B545-63DF232FB577}"/>
+                  </a:ext>
+                </a:extLst>
+              </p:cNvPr>
+              <p:cNvSpPr/>
+              <p:nvPr/>
+            </p:nvSpPr>
+            <p:spPr>
+              <a:xfrm>
+                <a:off x="1633491" y="4182862"/>
+                <a:ext cx="914400" cy="914400"/>
+              </a:xfrm>
+              <a:prstGeom prst="rect">
+                <a:avLst/>
+              </a:prstGeom>
+              <a:solidFill>
+                <a:schemeClr val="tx1"/>
+              </a:solidFill>
+              <a:ln>
+                <a:solidFill>
+                  <a:schemeClr val="bg1"/>
+                </a:solidFill>
+              </a:ln>
+            </p:spPr>
+            <p:style>
+              <a:lnRef idx="2">
+                <a:schemeClr val="accent1">
+                  <a:shade val="50000"/>
+                </a:schemeClr>
+              </a:lnRef>
+              <a:fillRef idx="1">
+                <a:schemeClr val="accent1"/>
+              </a:fillRef>
+              <a:effectRef idx="0">
+                <a:schemeClr val="accent1"/>
+              </a:effectRef>
+              <a:fontRef idx="minor">
+                <a:schemeClr val="lt1"/>
+              </a:fontRef>
+            </p:style>
+            <p:txBody>
+              <a:bodyPr rtlCol="0" anchor="ctr"/>
+              <a:lstStyle/>
+              <a:p>
+                <a:pPr algn="ctr"/>
+                <a:endParaRPr lang="hu-HU" dirty="0"/>
+              </a:p>
+            </p:txBody>
+          </p:sp>
+          <p:sp>
+            <p:nvSpPr>
+              <p:cNvPr id="41" name="Téglalap 40">
+                <a:extLst>
+                  <a:ext uri="{FF2B5EF4-FFF2-40B4-BE49-F238E27FC236}">
+                    <a16:creationId xmlns:a16="http://schemas.microsoft.com/office/drawing/2014/main" id="{C4096934-7E14-4A60-87EA-70F127BEC250}"/>
+                  </a:ext>
+                </a:extLst>
+              </p:cNvPr>
+              <p:cNvSpPr/>
+              <p:nvPr/>
+            </p:nvSpPr>
+            <p:spPr>
+              <a:xfrm>
+                <a:off x="2547891" y="4182862"/>
+                <a:ext cx="914400" cy="914400"/>
+              </a:xfrm>
+              <a:prstGeom prst="rect">
+                <a:avLst/>
+              </a:prstGeom>
+              <a:solidFill>
+                <a:schemeClr val="tx1"/>
+              </a:solidFill>
+              <a:ln>
+                <a:solidFill>
+                  <a:schemeClr val="bg1"/>
+                </a:solidFill>
+              </a:ln>
+            </p:spPr>
+            <p:style>
+              <a:lnRef idx="2">
+                <a:schemeClr val="accent1">
+                  <a:shade val="50000"/>
+                </a:schemeClr>
+              </a:lnRef>
+              <a:fillRef idx="1">
+                <a:schemeClr val="accent1"/>
+              </a:fillRef>
+              <a:effectRef idx="0">
+                <a:schemeClr val="accent1"/>
+              </a:effectRef>
+              <a:fontRef idx="minor">
+                <a:schemeClr val="lt1"/>
+              </a:fontRef>
+            </p:style>
+            <p:txBody>
+              <a:bodyPr rtlCol="0" anchor="ctr"/>
+              <a:lstStyle/>
+              <a:p>
+                <a:pPr algn="ctr"/>
+                <a:endParaRPr lang="hu-HU" dirty="0"/>
+              </a:p>
+            </p:txBody>
+          </p:sp>
+          <p:sp>
+            <p:nvSpPr>
+              <p:cNvPr id="42" name="Téglalap 41">
+                <a:extLst>
+                  <a:ext uri="{FF2B5EF4-FFF2-40B4-BE49-F238E27FC236}">
+                    <a16:creationId xmlns:a16="http://schemas.microsoft.com/office/drawing/2014/main" id="{0D5AA2BD-A684-461A-B012-81894A737A17}"/>
+                  </a:ext>
+                </a:extLst>
+              </p:cNvPr>
+              <p:cNvSpPr/>
+              <p:nvPr/>
+            </p:nvSpPr>
+            <p:spPr>
+              <a:xfrm>
+                <a:off x="719091" y="5177161"/>
+                <a:ext cx="914400" cy="914400"/>
+              </a:xfrm>
+              <a:prstGeom prst="rect">
+                <a:avLst/>
+              </a:prstGeom>
+              <a:solidFill>
+                <a:schemeClr val="tx1"/>
+              </a:solidFill>
+              <a:ln>
+                <a:solidFill>
+                  <a:schemeClr val="bg1"/>
+                </a:solidFill>
+              </a:ln>
+            </p:spPr>
+            <p:style>
+              <a:lnRef idx="2">
+                <a:schemeClr val="accent1">
+                  <a:shade val="50000"/>
+                </a:schemeClr>
+              </a:lnRef>
+              <a:fillRef idx="1">
+                <a:schemeClr val="accent1"/>
+              </a:fillRef>
+              <a:effectRef idx="0">
+                <a:schemeClr val="accent1"/>
+              </a:effectRef>
+              <a:fontRef idx="minor">
+                <a:schemeClr val="lt1"/>
+              </a:fontRef>
+            </p:style>
+            <p:txBody>
+              <a:bodyPr rtlCol="0" anchor="ctr"/>
+              <a:lstStyle/>
+              <a:p>
+                <a:pPr algn="ctr"/>
+                <a:endParaRPr lang="hu-HU" dirty="0"/>
+              </a:p>
+            </p:txBody>
+          </p:sp>
+          <p:sp>
+            <p:nvSpPr>
+              <p:cNvPr id="43" name="Téglalap 42">
+                <a:extLst>
+                  <a:ext uri="{FF2B5EF4-FFF2-40B4-BE49-F238E27FC236}">
+                    <a16:creationId xmlns:a16="http://schemas.microsoft.com/office/drawing/2014/main" id="{B629C0CE-640E-450B-AEA2-0D4C9C27D851}"/>
+                  </a:ext>
+                </a:extLst>
+              </p:cNvPr>
+              <p:cNvSpPr/>
+              <p:nvPr/>
+            </p:nvSpPr>
+            <p:spPr>
+              <a:xfrm>
+                <a:off x="1633491" y="5177161"/>
+                <a:ext cx="914400" cy="914400"/>
+              </a:xfrm>
+              <a:prstGeom prst="rect">
+                <a:avLst/>
+              </a:prstGeom>
+              <a:solidFill>
+                <a:schemeClr val="tx1"/>
+              </a:solidFill>
+              <a:ln>
+                <a:solidFill>
+                  <a:schemeClr val="bg1"/>
+                </a:solidFill>
+              </a:ln>
+            </p:spPr>
+            <p:style>
+              <a:lnRef idx="2">
+                <a:schemeClr val="accent1">
+                  <a:shade val="50000"/>
+                </a:schemeClr>
+              </a:lnRef>
+              <a:fillRef idx="1">
+                <a:schemeClr val="accent1"/>
+              </a:fillRef>
+              <a:effectRef idx="0">
+                <a:schemeClr val="accent1"/>
+              </a:effectRef>
+              <a:fontRef idx="minor">
+                <a:schemeClr val="lt1"/>
+              </a:fontRef>
+            </p:style>
+            <p:txBody>
+              <a:bodyPr rtlCol="0" anchor="ctr"/>
+              <a:lstStyle/>
+              <a:p>
+                <a:pPr algn="ctr"/>
+                <a:endParaRPr lang="hu-HU" dirty="0"/>
+              </a:p>
+            </p:txBody>
+          </p:sp>
+          <p:sp>
+            <p:nvSpPr>
+              <p:cNvPr id="44" name="Téglalap 43">
+                <a:extLst>
+                  <a:ext uri="{FF2B5EF4-FFF2-40B4-BE49-F238E27FC236}">
+                    <a16:creationId xmlns:a16="http://schemas.microsoft.com/office/drawing/2014/main" id="{1D22E7DD-0845-4536-82E0-9E7683FA87F8}"/>
+                  </a:ext>
+                </a:extLst>
+              </p:cNvPr>
+              <p:cNvSpPr/>
+              <p:nvPr/>
+            </p:nvSpPr>
+            <p:spPr>
+              <a:xfrm>
+                <a:off x="2547891" y="5177161"/>
+                <a:ext cx="914400" cy="914400"/>
+              </a:xfrm>
+              <a:prstGeom prst="rect">
+                <a:avLst/>
+              </a:prstGeom>
+              <a:solidFill>
+                <a:schemeClr val="tx1"/>
+              </a:solidFill>
+              <a:ln>
+                <a:solidFill>
+                  <a:schemeClr val="bg1"/>
+                </a:solidFill>
+              </a:ln>
+            </p:spPr>
+            <p:style>
+              <a:lnRef idx="2">
+                <a:schemeClr val="accent1">
+                  <a:shade val="50000"/>
+                </a:schemeClr>
+              </a:lnRef>
+              <a:fillRef idx="1">
+                <a:schemeClr val="accent1"/>
+              </a:fillRef>
+              <a:effectRef idx="0">
+                <a:schemeClr val="accent1"/>
+              </a:effectRef>
+              <a:fontRef idx="minor">
+                <a:schemeClr val="lt1"/>
+              </a:fontRef>
+            </p:style>
+            <p:txBody>
+              <a:bodyPr rtlCol="0" anchor="ctr"/>
+              <a:lstStyle/>
+              <a:p>
+                <a:pPr algn="ctr"/>
+                <a:endParaRPr lang="hu-HU" dirty="0"/>
+              </a:p>
+            </p:txBody>
+          </p:sp>
+          <p:sp>
+            <p:nvSpPr>
+              <p:cNvPr id="45" name="Téglalap 44">
+                <a:extLst>
+                  <a:ext uri="{FF2B5EF4-FFF2-40B4-BE49-F238E27FC236}">
+                    <a16:creationId xmlns:a16="http://schemas.microsoft.com/office/drawing/2014/main" id="{80652A94-F32F-43A4-81EB-DA55963703D2}"/>
+                  </a:ext>
+                </a:extLst>
+              </p:cNvPr>
+              <p:cNvSpPr/>
+              <p:nvPr/>
+            </p:nvSpPr>
+            <p:spPr>
+              <a:xfrm>
+                <a:off x="3462291" y="5177161"/>
+                <a:ext cx="914400" cy="914400"/>
+              </a:xfrm>
+              <a:prstGeom prst="rect">
+                <a:avLst/>
+              </a:prstGeom>
+              <a:solidFill>
+                <a:schemeClr val="tx1"/>
+              </a:solidFill>
+              <a:ln>
+                <a:solidFill>
+                  <a:schemeClr val="bg1"/>
+                </a:solidFill>
+              </a:ln>
+            </p:spPr>
+            <p:style>
+              <a:lnRef idx="2">
+                <a:schemeClr val="accent1">
+                  <a:shade val="50000"/>
+                </a:schemeClr>
+              </a:lnRef>
+              <a:fillRef idx="1">
+                <a:schemeClr val="accent1"/>
+              </a:fillRef>
+              <a:effectRef idx="0">
+                <a:schemeClr val="accent1"/>
+              </a:effectRef>
+              <a:fontRef idx="minor">
+                <a:schemeClr val="lt1"/>
+              </a:fontRef>
+            </p:style>
+            <p:txBody>
+              <a:bodyPr rtlCol="0" anchor="ctr"/>
+              <a:lstStyle/>
+              <a:p>
+                <a:pPr algn="ctr"/>
+                <a:endParaRPr lang="hu-HU" dirty="0"/>
+              </a:p>
+            </p:txBody>
+          </p:sp>
+          <p:sp>
+            <p:nvSpPr>
+              <p:cNvPr id="46" name="Téglalap 45">
+                <a:extLst>
+                  <a:ext uri="{FF2B5EF4-FFF2-40B4-BE49-F238E27FC236}">
+                    <a16:creationId xmlns:a16="http://schemas.microsoft.com/office/drawing/2014/main" id="{842F71E5-45E1-49C1-8144-2EE4977EEACC}"/>
+                  </a:ext>
+                </a:extLst>
+              </p:cNvPr>
+              <p:cNvSpPr/>
+              <p:nvPr/>
+            </p:nvSpPr>
+            <p:spPr>
+              <a:xfrm>
+                <a:off x="4376691" y="5177161"/>
+                <a:ext cx="914400" cy="914400"/>
+              </a:xfrm>
+              <a:prstGeom prst="rect">
+                <a:avLst/>
+              </a:prstGeom>
+              <a:solidFill>
+                <a:schemeClr val="tx1"/>
+              </a:solidFill>
+              <a:ln>
+                <a:solidFill>
+                  <a:schemeClr val="bg1"/>
+                </a:solidFill>
+              </a:ln>
+            </p:spPr>
+            <p:style>
+              <a:lnRef idx="2">
+                <a:schemeClr val="accent1">
+                  <a:shade val="50000"/>
+                </a:schemeClr>
+              </a:lnRef>
+              <a:fillRef idx="1">
+                <a:schemeClr val="accent1"/>
+              </a:fillRef>
+              <a:effectRef idx="0">
+                <a:schemeClr val="accent1"/>
+              </a:effectRef>
+              <a:fontRef idx="minor">
+                <a:schemeClr val="lt1"/>
+              </a:fontRef>
+            </p:style>
+            <p:txBody>
+              <a:bodyPr rtlCol="0" anchor="ctr"/>
+              <a:lstStyle/>
+              <a:p>
+                <a:pPr algn="ctr"/>
+                <a:endParaRPr lang="hu-HU" dirty="0"/>
+              </a:p>
+            </p:txBody>
+          </p:sp>
+          <p:sp>
+            <p:nvSpPr>
+              <p:cNvPr id="47" name="Téglalap 46">
+                <a:extLst>
+                  <a:ext uri="{FF2B5EF4-FFF2-40B4-BE49-F238E27FC236}">
+                    <a16:creationId xmlns:a16="http://schemas.microsoft.com/office/drawing/2014/main" id="{7A8D2EB8-18F8-42D6-B627-0BA0E51FA17B}"/>
+                  </a:ext>
+                </a:extLst>
+              </p:cNvPr>
+              <p:cNvSpPr/>
+              <p:nvPr/>
+            </p:nvSpPr>
+            <p:spPr>
+              <a:xfrm>
+                <a:off x="5291091" y="5177161"/>
+                <a:ext cx="914400" cy="914400"/>
+              </a:xfrm>
+              <a:prstGeom prst="rect">
+                <a:avLst/>
+              </a:prstGeom>
+              <a:solidFill>
+                <a:schemeClr val="tx1"/>
+              </a:solidFill>
+              <a:ln>
+                <a:solidFill>
+                  <a:schemeClr val="bg1"/>
+                </a:solidFill>
+              </a:ln>
+            </p:spPr>
+            <p:style>
+              <a:lnRef idx="2">
+                <a:schemeClr val="accent1">
+                  <a:shade val="50000"/>
+                </a:schemeClr>
+              </a:lnRef>
+              <a:fillRef idx="1">
+                <a:schemeClr val="accent1"/>
+              </a:fillRef>
+              <a:effectRef idx="0">
+                <a:schemeClr val="accent1"/>
+              </a:effectRef>
+              <a:fontRef idx="minor">
+                <a:schemeClr val="lt1"/>
+              </a:fontRef>
+            </p:style>
+            <p:txBody>
+              <a:bodyPr rtlCol="0" anchor="ctr"/>
+              <a:lstStyle/>
+              <a:p>
+                <a:pPr algn="ctr"/>
+                <a:endParaRPr lang="hu-HU" dirty="0"/>
+              </a:p>
+            </p:txBody>
+          </p:sp>
+        </p:grpSp>
+        <p:sp>
+          <p:nvSpPr>
+            <p:cNvPr id="34" name="Szövegdoboz 33">
+              <a:extLst>
+                <a:ext uri="{FF2B5EF4-FFF2-40B4-BE49-F238E27FC236}">
+                  <a16:creationId xmlns:a16="http://schemas.microsoft.com/office/drawing/2014/main" id="{FEB4CC77-BC4E-4ACC-9308-ED0B183B6433}"/>
+                </a:ext>
+              </a:extLst>
+            </p:cNvPr>
+            <p:cNvSpPr txBox="1"/>
+            <p:nvPr/>
+          </p:nvSpPr>
+          <p:spPr>
+            <a:xfrm>
+              <a:off x="798990" y="2385377"/>
+              <a:ext cx="4369900" cy="553998"/>
+            </a:xfrm>
+            <a:prstGeom prst="rect">
+              <a:avLst/>
+            </a:prstGeom>
+            <a:noFill/>
+          </p:spPr>
+          <p:txBody>
+            <a:bodyPr wrap="square" rtlCol="0">
+              <a:spAutoFit/>
+            </a:bodyPr>
+            <a:lstStyle/>
+            <a:p>
+              <a:r>
+                <a:rPr lang="hu-HU" sz="3000" dirty="0"/>
+                <a:t>Places = [ 2, 3, 6 ]</a:t>
+              </a:r>
+            </a:p>
+          </p:txBody>
+        </p:sp>
+        <p:cxnSp>
+          <p:nvCxnSpPr>
+            <p:cNvPr id="35" name="Egyenes összekötő nyíllal 34">
+              <a:extLst>
+                <a:ext uri="{FF2B5EF4-FFF2-40B4-BE49-F238E27FC236}">
+                  <a16:creationId xmlns:a16="http://schemas.microsoft.com/office/drawing/2014/main" id="{7A22BB02-D072-49AF-BD37-0AC297CD75F6}"/>
+                </a:ext>
+              </a:extLst>
+            </p:cNvPr>
+            <p:cNvCxnSpPr/>
+            <p:nvPr/>
+          </p:nvCxnSpPr>
+          <p:spPr>
+            <a:xfrm>
+              <a:off x="5273336" y="1414508"/>
+              <a:ext cx="887767" cy="0"/>
+            </a:xfrm>
+            <a:prstGeom prst="straightConnector1">
+              <a:avLst/>
+            </a:prstGeom>
+            <a:ln w="28575">
+              <a:solidFill>
+                <a:schemeClr val="tx1"/>
+              </a:solidFill>
+              <a:tailEnd type="triangle"/>
+            </a:ln>
+          </p:spPr>
+          <p:style>
+            <a:lnRef idx="1">
+              <a:schemeClr val="accent1"/>
+            </a:lnRef>
+            <a:fillRef idx="0">
+              <a:schemeClr val="accent1"/>
+            </a:fillRef>
+            <a:effectRef idx="0">
+              <a:schemeClr val="accent1"/>
+            </a:effectRef>
+            <a:fontRef idx="minor">
+              <a:schemeClr val="tx1"/>
+            </a:fontRef>
+          </p:style>
+        </p:cxnSp>
+        <p:cxnSp>
+          <p:nvCxnSpPr>
+            <p:cNvPr id="36" name="Egyenes összekötő nyíllal 35">
+              <a:extLst>
+                <a:ext uri="{FF2B5EF4-FFF2-40B4-BE49-F238E27FC236}">
+                  <a16:creationId xmlns:a16="http://schemas.microsoft.com/office/drawing/2014/main" id="{C18F20BE-67A3-46E9-868B-0B210C50FF8B}"/>
+                </a:ext>
+              </a:extLst>
+            </p:cNvPr>
+            <p:cNvCxnSpPr>
+              <a:cxnSpLocks/>
+            </p:cNvCxnSpPr>
+            <p:nvPr/>
+          </p:nvCxnSpPr>
+          <p:spPr>
+            <a:xfrm rot="10800000">
+              <a:off x="5273336" y="2594031"/>
+              <a:ext cx="887767" cy="0"/>
+            </a:xfrm>
+            <a:prstGeom prst="straightConnector1">
+              <a:avLst/>
+            </a:prstGeom>
+            <a:ln w="28575">
+              <a:solidFill>
+                <a:schemeClr val="tx1"/>
+              </a:solidFill>
+              <a:tailEnd type="triangle"/>
+            </a:ln>
+          </p:spPr>
+          <p:style>
+            <a:lnRef idx="1">
+              <a:schemeClr val="accent1"/>
+            </a:lnRef>
+            <a:fillRef idx="0">
+              <a:schemeClr val="accent1"/>
+            </a:fillRef>
+            <a:effectRef idx="0">
+              <a:schemeClr val="accent1"/>
+            </a:effectRef>
+            <a:fontRef idx="minor">
+              <a:schemeClr val="tx1"/>
+            </a:fontRef>
+          </p:style>
+        </p:cxnSp>
+      </p:grpSp>
+      <p:sp>
+        <p:nvSpPr>
+          <p:cNvPr id="60" name="Téglalap 59">
+            <a:extLst>
+              <a:ext uri="{FF2B5EF4-FFF2-40B4-BE49-F238E27FC236}">
+                <a16:creationId xmlns:a16="http://schemas.microsoft.com/office/drawing/2014/main" id="{36E14DB0-57AE-4978-8BCF-1140AC5F979D}"/>
+              </a:ext>
+            </a:extLst>
+          </p:cNvPr>
+          <p:cNvSpPr/>
+          <p:nvPr/>
+        </p:nvSpPr>
+        <p:spPr>
+          <a:xfrm>
+            <a:off x="1321607" y="5049584"/>
+            <a:ext cx="4369900" cy="690686"/>
+          </a:xfrm>
+          <a:prstGeom prst="rect">
+            <a:avLst/>
+          </a:prstGeom>
+          <a:solidFill>
+            <a:srgbClr val="92D050"/>
+          </a:solidFill>
+          <a:ln>
+            <a:solidFill>
+              <a:srgbClr val="92D050"/>
+            </a:solidFill>
+          </a:ln>
+        </p:spPr>
+        <p:style>
+          <a:lnRef idx="2">
+            <a:schemeClr val="accent1">
+              <a:shade val="50000"/>
+            </a:schemeClr>
+          </a:lnRef>
+          <a:fillRef idx="1">
+            <a:schemeClr val="accent1"/>
+          </a:fillRef>
+          <a:effectRef idx="0">
+            <a:schemeClr val="accent1"/>
+          </a:effectRef>
+          <a:fontRef idx="minor">
+            <a:schemeClr val="lt1"/>
+          </a:fontRef>
+        </p:style>
+        <p:txBody>
+          <a:bodyPr rtlCol="0" anchor="ctr"/>
+          <a:lstStyle/>
+          <a:p>
+            <a:pPr algn="ctr"/>
+            <a:endParaRPr lang="hu-HU"/>
+          </a:p>
+        </p:txBody>
+      </p:sp>
+      <p:sp>
+        <p:nvSpPr>
+          <p:cNvPr id="61" name="Szövegdoboz 60">
+            <a:extLst>
+              <a:ext uri="{FF2B5EF4-FFF2-40B4-BE49-F238E27FC236}">
+                <a16:creationId xmlns:a16="http://schemas.microsoft.com/office/drawing/2014/main" id="{A24CD685-F06B-4057-B161-1889B1459F9D}"/>
+              </a:ext>
+            </a:extLst>
+          </p:cNvPr>
+          <p:cNvSpPr txBox="1"/>
+          <p:nvPr/>
+        </p:nvSpPr>
+        <p:spPr>
+          <a:xfrm>
+            <a:off x="1333444" y="5117928"/>
+            <a:ext cx="4369900" cy="553998"/>
+          </a:xfrm>
+          <a:prstGeom prst="rect">
+            <a:avLst/>
+          </a:prstGeom>
+          <a:noFill/>
+        </p:spPr>
+        <p:txBody>
+          <a:bodyPr wrap="square" rtlCol="0">
+            <a:spAutoFit/>
+          </a:bodyPr>
+          <a:lstStyle/>
+          <a:p>
+            <a:r>
+              <a:rPr lang="hu-HU" sz="3000" dirty="0"/>
+              <a:t>People = [ 4, 2, 1, 1, 1 ]</a:t>
+            </a:r>
           </a:p>
         </p:txBody>
       </p:sp>
@@ -7946,7 +10828,7 @@
           <p:cNvPr id="2" name="Cím 1">
             <a:extLst>
               <a:ext uri="{FF2B5EF4-FFF2-40B4-BE49-F238E27FC236}">
-                <a16:creationId xmlns:a16="http://schemas.microsoft.com/office/drawing/2014/main" id="{E2B3F13D-7FA9-494E-B762-6ED3049196B5}"/>
+                <a16:creationId xmlns:a16="http://schemas.microsoft.com/office/drawing/2014/main" id="{D0E44C82-0C64-446A-A43A-FDD0895E92E0}"/>
               </a:ext>
             </a:extLst>
           </p:cNvPr>
@@ -7964,33 +10846,8 @@
           <a:p>
             <a:r>
               <a:rPr lang="hu-HU" dirty="0"/>
-              <a:t>Algoritmusok összehasonlítása</a:t>
+              <a:t>LP modell</a:t>
             </a:r>
-          </a:p>
-        </p:txBody>
-      </p:sp>
-      <p:sp>
-        <p:nvSpPr>
-          <p:cNvPr id="3" name="Tartalom helye 2">
-            <a:extLst>
-              <a:ext uri="{FF2B5EF4-FFF2-40B4-BE49-F238E27FC236}">
-                <a16:creationId xmlns:a16="http://schemas.microsoft.com/office/drawing/2014/main" id="{81AFE493-CBF7-4B07-8060-54C1739226C5}"/>
-              </a:ext>
-            </a:extLst>
-          </p:cNvPr>
-          <p:cNvSpPr>
-            <a:spLocks noGrp="1"/>
-          </p:cNvSpPr>
-          <p:nvPr>
-            <p:ph idx="1"/>
-          </p:nvPr>
-        </p:nvSpPr>
-        <p:spPr/>
-        <p:txBody>
-          <a:bodyPr/>
-          <a:lstStyle/>
-          <a:p>
-            <a:endParaRPr lang="hu-HU"/>
           </a:p>
         </p:txBody>
       </p:sp>
@@ -7999,7 +10856,7 @@
           <p:cNvPr id="4" name="Dia számának helye 3">
             <a:extLst>
               <a:ext uri="{FF2B5EF4-FFF2-40B4-BE49-F238E27FC236}">
-                <a16:creationId xmlns:a16="http://schemas.microsoft.com/office/drawing/2014/main" id="{96F822E4-192E-49E3-87CA-E1B5F0C76A07}"/>
+                <a16:creationId xmlns:a16="http://schemas.microsoft.com/office/drawing/2014/main" id="{DBE9CF4B-B058-4529-88EC-691D5504AF0E}"/>
               </a:ext>
             </a:extLst>
           </p:cNvPr>
@@ -8024,10 +10881,1701 @@
           </a:p>
         </p:txBody>
       </p:sp>
+      <mc:AlternateContent xmlns:mc="http://schemas.openxmlformats.org/markup-compatibility/2006">
+        <mc:Choice xmlns:a14="http://schemas.microsoft.com/office/drawing/2010/main" Requires="a14">
+          <p:sp>
+            <p:nvSpPr>
+              <p:cNvPr id="6" name="Szövegdoboz 5">
+                <a:extLst>
+                  <a:ext uri="{FF2B5EF4-FFF2-40B4-BE49-F238E27FC236}">
+                    <a16:creationId xmlns:a16="http://schemas.microsoft.com/office/drawing/2014/main" id="{9E24525F-F840-421B-ABA8-D7900C71F066}"/>
+                  </a:ext>
+                </a:extLst>
+              </p:cNvPr>
+              <p:cNvSpPr txBox="1"/>
+              <p:nvPr/>
+            </p:nvSpPr>
+            <p:spPr>
+              <a:xfrm>
+                <a:off x="-305684" y="1931513"/>
+                <a:ext cx="6094520" cy="908197"/>
+              </a:xfrm>
+              <a:prstGeom prst="rect">
+                <a:avLst/>
+              </a:prstGeom>
+              <a:noFill/>
+            </p:spPr>
+            <p:txBody>
+              <a:bodyPr wrap="square">
+                <a:spAutoFit/>
+              </a:bodyPr>
+              <a:lstStyle/>
+              <a:p>
+                <a:pPr/>
+                <a14:m>
+                  <m:oMathPara xmlns:m="http://schemas.openxmlformats.org/officeDocument/2006/math">
+                    <m:oMathParaPr>
+                      <m:jc m:val="centerGroup"/>
+                    </m:oMathParaPr>
+                    <m:oMath xmlns:m="http://schemas.openxmlformats.org/officeDocument/2006/math">
+                      <m:func>
+                        <m:funcPr>
+                          <m:ctrlPr>
+                            <a:rPr lang="hu-HU" i="1" smtClean="0">
+                              <a:latin typeface="Cambria Math" panose="02040503050406030204" pitchFamily="18" charset="0"/>
+                            </a:rPr>
+                          </m:ctrlPr>
+                        </m:funcPr>
+                        <m:fName>
+                          <m:r>
+                            <m:rPr>
+                              <m:sty m:val="p"/>
+                            </m:rPr>
+                            <a:rPr lang="hu-HU">
+                              <a:latin typeface="Cambria Math" panose="02040503050406030204" pitchFamily="18" charset="0"/>
+                            </a:rPr>
+                            <m:t>min</m:t>
+                          </m:r>
+                        </m:fName>
+                        <m:e>
+                          <m:nary>
+                            <m:naryPr>
+                              <m:chr m:val="∑"/>
+                              <m:limLoc m:val="undOvr"/>
+                              <m:ctrlPr>
+                                <a:rPr lang="hu-HU" i="1">
+                                  <a:latin typeface="Cambria Math" panose="02040503050406030204" pitchFamily="18" charset="0"/>
+                                </a:rPr>
+                              </m:ctrlPr>
+                            </m:naryPr>
+                            <m:sub>
+                              <m:r>
+                                <a:rPr lang="hu-HU" i="1">
+                                  <a:latin typeface="Cambria Math" panose="02040503050406030204" pitchFamily="18" charset="0"/>
+                                </a:rPr>
+                                <m:t>𝑖</m:t>
+                              </m:r>
+                              <m:r>
+                                <a:rPr lang="hu-HU" i="0">
+                                  <a:latin typeface="Cambria Math" panose="02040503050406030204" pitchFamily="18" charset="0"/>
+                                </a:rPr>
+                                <m:t>=0</m:t>
+                              </m:r>
+                            </m:sub>
+                            <m:sup>
+                              <m:r>
+                                <a:rPr lang="hu-HU" i="1">
+                                  <a:latin typeface="Cambria Math" panose="02040503050406030204" pitchFamily="18" charset="0"/>
+                                </a:rPr>
+                                <m:t>𝑝𝑒𝑜𝑝𝑙𝑒𝑁𝑢𝑚</m:t>
+                              </m:r>
+                            </m:sup>
+                            <m:e>
+                              <m:nary>
+                                <m:naryPr>
+                                  <m:chr m:val="∑"/>
+                                  <m:limLoc m:val="undOvr"/>
+                                  <m:ctrlPr>
+                                    <a:rPr lang="hu-HU" i="1">
+                                      <a:latin typeface="Cambria Math" panose="02040503050406030204" pitchFamily="18" charset="0"/>
+                                    </a:rPr>
+                                  </m:ctrlPr>
+                                </m:naryPr>
+                                <m:sub>
+                                  <m:r>
+                                    <a:rPr lang="hu-HU" i="1">
+                                      <a:latin typeface="Cambria Math" panose="02040503050406030204" pitchFamily="18" charset="0"/>
+                                    </a:rPr>
+                                    <m:t>𝑗</m:t>
+                                  </m:r>
+                                  <m:r>
+                                    <a:rPr lang="hu-HU" i="0">
+                                      <a:latin typeface="Cambria Math" panose="02040503050406030204" pitchFamily="18" charset="0"/>
+                                    </a:rPr>
+                                    <m:t>=0</m:t>
+                                  </m:r>
+                                </m:sub>
+                                <m:sup>
+                                  <m:r>
+                                    <a:rPr lang="hu-HU" i="1">
+                                      <a:latin typeface="Cambria Math" panose="02040503050406030204" pitchFamily="18" charset="0"/>
+                                    </a:rPr>
+                                    <m:t>𝑝𝑙𝑎𝑐𝑒𝑠𝑁𝑢𝑚</m:t>
+                                  </m:r>
+                                </m:sup>
+                                <m:e>
+                                  <m:sSub>
+                                    <m:sSubPr>
+                                      <m:ctrlPr>
+                                        <a:rPr lang="hu-HU" i="1">
+                                          <a:solidFill>
+                                            <a:srgbClr val="836967"/>
+                                          </a:solidFill>
+                                          <a:latin typeface="Cambria Math" panose="02040503050406030204" pitchFamily="18" charset="0"/>
+                                        </a:rPr>
+                                      </m:ctrlPr>
+                                    </m:sSubPr>
+                                    <m:e>
+                                      <m:r>
+                                        <a:rPr lang="hu-HU" i="1">
+                                          <a:latin typeface="Cambria Math" panose="02040503050406030204" pitchFamily="18" charset="0"/>
+                                        </a:rPr>
+                                        <m:t>𝑥</m:t>
+                                      </m:r>
+                                    </m:e>
+                                    <m:sub>
+                                      <m:r>
+                                        <a:rPr lang="hu-HU" i="1">
+                                          <a:latin typeface="Cambria Math" panose="02040503050406030204" pitchFamily="18" charset="0"/>
+                                        </a:rPr>
+                                        <m:t>𝑖𝑗</m:t>
+                                      </m:r>
+                                    </m:sub>
+                                  </m:sSub>
+                                </m:e>
+                              </m:nary>
+                              <m:r>
+                                <a:rPr lang="hu-HU" i="0">
+                                  <a:latin typeface="Cambria Math" panose="02040503050406030204" pitchFamily="18" charset="0"/>
+                                </a:rPr>
+                                <m:t>        </m:t>
+                              </m:r>
+                              <m:sSub>
+                                <m:sSubPr>
+                                  <m:ctrlPr>
+                                    <a:rPr lang="hu-HU" i="1">
+                                      <a:solidFill>
+                                        <a:srgbClr val="836967"/>
+                                      </a:solidFill>
+                                      <a:latin typeface="Cambria Math" panose="02040503050406030204" pitchFamily="18" charset="0"/>
+                                    </a:rPr>
+                                  </m:ctrlPr>
+                                </m:sSubPr>
+                                <m:e>
+                                  <m:r>
+                                    <a:rPr lang="hu-HU" i="1">
+                                      <a:latin typeface="Cambria Math" panose="02040503050406030204" pitchFamily="18" charset="0"/>
+                                    </a:rPr>
+                                    <m:t>𝑥</m:t>
+                                  </m:r>
+                                </m:e>
+                                <m:sub>
+                                  <m:r>
+                                    <a:rPr lang="hu-HU" i="1">
+                                      <a:latin typeface="Cambria Math" panose="02040503050406030204" pitchFamily="18" charset="0"/>
+                                    </a:rPr>
+                                    <m:t>𝑖𝑗</m:t>
+                                  </m:r>
+                                </m:sub>
+                              </m:sSub>
+                              <m:r>
+                                <a:rPr lang="hu-HU" i="0">
+                                  <a:latin typeface="Cambria Math" panose="02040503050406030204" pitchFamily="18" charset="0"/>
+                                </a:rPr>
+                                <m:t> </m:t>
+                              </m:r>
+                              <m:r>
+                                <a:rPr lang="hu-HU" i="1">
+                                  <a:latin typeface="Cambria Math" panose="02040503050406030204" pitchFamily="18" charset="0"/>
+                                </a:rPr>
+                                <m:t>𝜖</m:t>
+                              </m:r>
+                              <m:r>
+                                <a:rPr lang="hu-HU" i="0">
+                                  <a:latin typeface="Cambria Math" panose="02040503050406030204" pitchFamily="18" charset="0"/>
+                                </a:rPr>
+                                <m:t> </m:t>
+                              </m:r>
+                              <m:d>
+                                <m:dPr>
+                                  <m:begChr m:val="{"/>
+                                  <m:endChr m:val="}"/>
+                                  <m:sepChr m:val=","/>
+                                  <m:ctrlPr>
+                                    <a:rPr lang="hu-HU" i="1">
+                                      <a:latin typeface="Cambria Math" panose="02040503050406030204" pitchFamily="18" charset="0"/>
+                                    </a:rPr>
+                                  </m:ctrlPr>
+                                </m:dPr>
+                                <m:e>
+                                  <m:r>
+                                    <a:rPr lang="hu-HU" i="0">
+                                      <a:latin typeface="Cambria Math" panose="02040503050406030204" pitchFamily="18" charset="0"/>
+                                    </a:rPr>
+                                    <m:t> </m:t>
+                                  </m:r>
+                                </m:e>
+                                <m:e>
+                                  <m:r>
+                                    <a:rPr lang="hu-HU" i="0">
+                                      <a:latin typeface="Cambria Math" panose="02040503050406030204" pitchFamily="18" charset="0"/>
+                                    </a:rPr>
+                                    <m:t>0</m:t>
+                                  </m:r>
+                                  <m:r>
+                                    <a:rPr lang="hu-HU" b="0" i="0" smtClean="0">
+                                      <a:latin typeface="Cambria Math" panose="02040503050406030204" pitchFamily="18" charset="0"/>
+                                    </a:rPr>
+                                    <m:t>,</m:t>
+                                  </m:r>
+                                  <m:r>
+                                    <a:rPr lang="hu-HU" i="0">
+                                      <a:latin typeface="Cambria Math" panose="02040503050406030204" pitchFamily="18" charset="0"/>
+                                    </a:rPr>
+                                    <m:t> 1</m:t>
+                                  </m:r>
+                                </m:e>
+                              </m:d>
+                            </m:e>
+                          </m:nary>
+                        </m:e>
+                      </m:func>
+                    </m:oMath>
+                  </m:oMathPara>
+                </a14:m>
+                <a:endParaRPr lang="hu-HU" dirty="0"/>
+              </a:p>
+            </p:txBody>
+          </p:sp>
+        </mc:Choice>
+        <mc:Fallback>
+          <p:sp>
+            <p:nvSpPr>
+              <p:cNvPr id="6" name="Szövegdoboz 5">
+                <a:extLst>
+                  <a:ext uri="{FF2B5EF4-FFF2-40B4-BE49-F238E27FC236}">
+                    <a16:creationId xmlns:a16="http://schemas.microsoft.com/office/drawing/2014/main" id="{9E24525F-F840-421B-ABA8-D7900C71F066}"/>
+                  </a:ext>
+                </a:extLst>
+              </p:cNvPr>
+              <p:cNvSpPr txBox="1">
+                <a:spLocks noRot="1" noChangeAspect="1" noMove="1" noResize="1" noEditPoints="1" noAdjustHandles="1" noChangeArrowheads="1" noChangeShapeType="1" noTextEdit="1"/>
+              </p:cNvSpPr>
+              <p:nvPr/>
+            </p:nvSpPr>
+            <p:spPr>
+              <a:xfrm>
+                <a:off x="-305684" y="1931513"/>
+                <a:ext cx="6094520" cy="908197"/>
+              </a:xfrm>
+              <a:prstGeom prst="rect">
+                <a:avLst/>
+              </a:prstGeom>
+              <a:blipFill>
+                <a:blip r:embed="rId2"/>
+                <a:stretch>
+                  <a:fillRect/>
+                </a:stretch>
+              </a:blipFill>
+            </p:spPr>
+            <p:txBody>
+              <a:bodyPr/>
+              <a:lstStyle/>
+              <a:p>
+                <a:r>
+                  <a:rPr lang="hu-HU">
+                    <a:noFill/>
+                  </a:rPr>
+                  <a:t> </a:t>
+                </a:r>
+              </a:p>
+            </p:txBody>
+          </p:sp>
+        </mc:Fallback>
+      </mc:AlternateContent>
+      <mc:AlternateContent xmlns:mc="http://schemas.openxmlformats.org/markup-compatibility/2006">
+        <mc:Choice xmlns:a14="http://schemas.microsoft.com/office/drawing/2010/main" Requires="a14">
+          <p:sp>
+            <p:nvSpPr>
+              <p:cNvPr id="8" name="Szövegdoboz 7">
+                <a:extLst>
+                  <a:ext uri="{FF2B5EF4-FFF2-40B4-BE49-F238E27FC236}">
+                    <a16:creationId xmlns:a16="http://schemas.microsoft.com/office/drawing/2014/main" id="{DC45E8A3-F12F-4EBD-88F3-28219CB55018}"/>
+                  </a:ext>
+                </a:extLst>
+              </p:cNvPr>
+              <p:cNvSpPr txBox="1"/>
+              <p:nvPr/>
+            </p:nvSpPr>
+            <p:spPr>
+              <a:xfrm>
+                <a:off x="6093636" y="1856329"/>
+                <a:ext cx="6094520" cy="877100"/>
+              </a:xfrm>
+              <a:prstGeom prst="rect">
+                <a:avLst/>
+              </a:prstGeom>
+              <a:noFill/>
+            </p:spPr>
+            <p:txBody>
+              <a:bodyPr wrap="square">
+                <a:spAutoFit/>
+              </a:bodyPr>
+              <a:lstStyle/>
+              <a:p>
+                <a:pPr/>
+                <a14:m>
+                  <m:oMathPara xmlns:m="http://schemas.openxmlformats.org/officeDocument/2006/math">
+                    <m:oMathParaPr>
+                      <m:jc m:val="centerGroup"/>
+                    </m:oMathParaPr>
+                    <m:oMath xmlns:m="http://schemas.openxmlformats.org/officeDocument/2006/math">
+                      <m:nary>
+                        <m:naryPr>
+                          <m:chr m:val="∑"/>
+                          <m:limLoc m:val="undOvr"/>
+                          <m:ctrlPr>
+                            <a:rPr lang="hu-HU" i="1" smtClean="0">
+                              <a:latin typeface="Cambria Math" panose="02040503050406030204" pitchFamily="18" charset="0"/>
+                            </a:rPr>
+                          </m:ctrlPr>
+                        </m:naryPr>
+                        <m:sub>
+                          <m:r>
+                            <a:rPr lang="hu-HU" i="1">
+                              <a:latin typeface="Cambria Math" panose="02040503050406030204" pitchFamily="18" charset="0"/>
+                            </a:rPr>
+                            <m:t>𝑖</m:t>
+                          </m:r>
+                          <m:r>
+                            <a:rPr lang="hu-HU" i="0">
+                              <a:latin typeface="Cambria Math" panose="02040503050406030204" pitchFamily="18" charset="0"/>
+                            </a:rPr>
+                            <m:t>=0</m:t>
+                          </m:r>
+                        </m:sub>
+                        <m:sup>
+                          <m:r>
+                            <a:rPr lang="hu-HU" i="1">
+                              <a:latin typeface="Cambria Math" panose="02040503050406030204" pitchFamily="18" charset="0"/>
+                            </a:rPr>
+                            <m:t>𝑝𝑙𝑎𝑐𝑒𝑠𝑁𝑢𝑚</m:t>
+                          </m:r>
+                        </m:sup>
+                        <m:e>
+                          <m:sSub>
+                            <m:sSubPr>
+                              <m:ctrlPr>
+                                <a:rPr lang="hu-HU" i="1">
+                                  <a:solidFill>
+                                    <a:srgbClr val="836967"/>
+                                  </a:solidFill>
+                                  <a:latin typeface="Cambria Math" panose="02040503050406030204" pitchFamily="18" charset="0"/>
+                                </a:rPr>
+                              </m:ctrlPr>
+                            </m:sSubPr>
+                            <m:e>
+                              <m:r>
+                                <a:rPr lang="hu-HU" i="1">
+                                  <a:latin typeface="Cambria Math" panose="02040503050406030204" pitchFamily="18" charset="0"/>
+                                </a:rPr>
+                                <m:t>𝑥</m:t>
+                              </m:r>
+                            </m:e>
+                            <m:sub>
+                              <m:r>
+                                <a:rPr lang="hu-HU" i="1">
+                                  <a:latin typeface="Cambria Math" panose="02040503050406030204" pitchFamily="18" charset="0"/>
+                                </a:rPr>
+                                <m:t>𝑖</m:t>
+                              </m:r>
+                              <m:r>
+                                <a:rPr lang="hu-HU" i="0">
+                                  <a:latin typeface="Cambria Math" panose="02040503050406030204" pitchFamily="18" charset="0"/>
+                                </a:rPr>
+                                <m:t>0 </m:t>
+                              </m:r>
+                            </m:sub>
+                          </m:sSub>
+                          <m:r>
+                            <a:rPr lang="hu-HU" i="0">
+                              <a:latin typeface="Cambria Math" panose="02040503050406030204" pitchFamily="18" charset="0"/>
+                            </a:rPr>
+                            <m:t> =1</m:t>
+                          </m:r>
+                        </m:e>
+                      </m:nary>
+                    </m:oMath>
+                  </m:oMathPara>
+                </a14:m>
+                <a:endParaRPr lang="hu-HU" dirty="0"/>
+              </a:p>
+            </p:txBody>
+          </p:sp>
+        </mc:Choice>
+        <mc:Fallback>
+          <p:sp>
+            <p:nvSpPr>
+              <p:cNvPr id="8" name="Szövegdoboz 7">
+                <a:extLst>
+                  <a:ext uri="{FF2B5EF4-FFF2-40B4-BE49-F238E27FC236}">
+                    <a16:creationId xmlns:a16="http://schemas.microsoft.com/office/drawing/2014/main" id="{DC45E8A3-F12F-4EBD-88F3-28219CB55018}"/>
+                  </a:ext>
+                </a:extLst>
+              </p:cNvPr>
+              <p:cNvSpPr txBox="1">
+                <a:spLocks noRot="1" noChangeAspect="1" noMove="1" noResize="1" noEditPoints="1" noAdjustHandles="1" noChangeArrowheads="1" noChangeShapeType="1" noTextEdit="1"/>
+              </p:cNvSpPr>
+              <p:nvPr/>
+            </p:nvSpPr>
+            <p:spPr>
+              <a:xfrm>
+                <a:off x="6093636" y="1856329"/>
+                <a:ext cx="6094520" cy="877100"/>
+              </a:xfrm>
+              <a:prstGeom prst="rect">
+                <a:avLst/>
+              </a:prstGeom>
+              <a:blipFill>
+                <a:blip r:embed="rId3"/>
+                <a:stretch>
+                  <a:fillRect/>
+                </a:stretch>
+              </a:blipFill>
+            </p:spPr>
+            <p:txBody>
+              <a:bodyPr/>
+              <a:lstStyle/>
+              <a:p>
+                <a:r>
+                  <a:rPr lang="hu-HU">
+                    <a:noFill/>
+                  </a:rPr>
+                  <a:t> </a:t>
+                </a:r>
+              </a:p>
+            </p:txBody>
+          </p:sp>
+        </mc:Fallback>
+      </mc:AlternateContent>
+      <mc:AlternateContent xmlns:mc="http://schemas.openxmlformats.org/markup-compatibility/2006">
+        <mc:Choice xmlns:a14="http://schemas.microsoft.com/office/drawing/2010/main" Requires="a14">
+          <p:sp>
+            <p:nvSpPr>
+              <p:cNvPr id="10" name="Szövegdoboz 9">
+                <a:extLst>
+                  <a:ext uri="{FF2B5EF4-FFF2-40B4-BE49-F238E27FC236}">
+                    <a16:creationId xmlns:a16="http://schemas.microsoft.com/office/drawing/2014/main" id="{4FBE3735-1064-4866-8266-0DAF22678AD9}"/>
+                  </a:ext>
+                </a:extLst>
+              </p:cNvPr>
+              <p:cNvSpPr txBox="1"/>
+              <p:nvPr/>
+            </p:nvSpPr>
+            <p:spPr>
+              <a:xfrm>
+                <a:off x="6093636" y="2815118"/>
+                <a:ext cx="6094520" cy="877100"/>
+              </a:xfrm>
+              <a:prstGeom prst="rect">
+                <a:avLst/>
+              </a:prstGeom>
+              <a:noFill/>
+            </p:spPr>
+            <p:txBody>
+              <a:bodyPr wrap="square">
+                <a:spAutoFit/>
+              </a:bodyPr>
+              <a:lstStyle/>
+              <a:p>
+                <a:pPr/>
+                <a14:m>
+                  <m:oMathPara xmlns:m="http://schemas.openxmlformats.org/officeDocument/2006/math">
+                    <m:oMathParaPr>
+                      <m:jc m:val="centerGroup"/>
+                    </m:oMathParaPr>
+                    <m:oMath xmlns:m="http://schemas.openxmlformats.org/officeDocument/2006/math">
+                      <m:nary>
+                        <m:naryPr>
+                          <m:chr m:val="∑"/>
+                          <m:limLoc m:val="undOvr"/>
+                          <m:ctrlPr>
+                            <a:rPr lang="hu-HU" i="1" smtClean="0">
+                              <a:latin typeface="Cambria Math" panose="02040503050406030204" pitchFamily="18" charset="0"/>
+                            </a:rPr>
+                          </m:ctrlPr>
+                        </m:naryPr>
+                        <m:sub>
+                          <m:r>
+                            <a:rPr lang="hu-HU" i="1">
+                              <a:latin typeface="Cambria Math" panose="02040503050406030204" pitchFamily="18" charset="0"/>
+                            </a:rPr>
+                            <m:t>𝑖</m:t>
+                          </m:r>
+                          <m:r>
+                            <a:rPr lang="hu-HU" i="0">
+                              <a:latin typeface="Cambria Math" panose="02040503050406030204" pitchFamily="18" charset="0"/>
+                            </a:rPr>
+                            <m:t>=0</m:t>
+                          </m:r>
+                        </m:sub>
+                        <m:sup>
+                          <m:r>
+                            <a:rPr lang="hu-HU" i="1">
+                              <a:latin typeface="Cambria Math" panose="02040503050406030204" pitchFamily="18" charset="0"/>
+                            </a:rPr>
+                            <m:t>𝑝𝑙𝑎𝑐𝑒𝑠𝑁𝑢𝑚</m:t>
+                          </m:r>
+                        </m:sup>
+                        <m:e>
+                          <m:sSub>
+                            <m:sSubPr>
+                              <m:ctrlPr>
+                                <a:rPr lang="hu-HU" i="1">
+                                  <a:solidFill>
+                                    <a:srgbClr val="836967"/>
+                                  </a:solidFill>
+                                  <a:latin typeface="Cambria Math" panose="02040503050406030204" pitchFamily="18" charset="0"/>
+                                </a:rPr>
+                              </m:ctrlPr>
+                            </m:sSubPr>
+                            <m:e>
+                              <m:r>
+                                <a:rPr lang="hu-HU" i="1">
+                                  <a:latin typeface="Cambria Math" panose="02040503050406030204" pitchFamily="18" charset="0"/>
+                                </a:rPr>
+                                <m:t>𝑥</m:t>
+                              </m:r>
+                            </m:e>
+                            <m:sub>
+                              <m:r>
+                                <a:rPr lang="hu-HU" i="1">
+                                  <a:latin typeface="Cambria Math" panose="02040503050406030204" pitchFamily="18" charset="0"/>
+                                </a:rPr>
+                                <m:t>𝑖</m:t>
+                              </m:r>
+                              <m:r>
+                                <a:rPr lang="hu-HU" i="0">
+                                  <a:latin typeface="Cambria Math" panose="02040503050406030204" pitchFamily="18" charset="0"/>
+                                </a:rPr>
+                                <m:t>1</m:t>
+                              </m:r>
+                            </m:sub>
+                          </m:sSub>
+                          <m:r>
+                            <a:rPr lang="hu-HU" i="0">
+                              <a:latin typeface="Cambria Math" panose="02040503050406030204" pitchFamily="18" charset="0"/>
+                            </a:rPr>
+                            <m:t> =1</m:t>
+                          </m:r>
+                        </m:e>
+                      </m:nary>
+                    </m:oMath>
+                  </m:oMathPara>
+                </a14:m>
+                <a:endParaRPr lang="hu-HU" dirty="0"/>
+              </a:p>
+            </p:txBody>
+          </p:sp>
+        </mc:Choice>
+        <mc:Fallback>
+          <p:sp>
+            <p:nvSpPr>
+              <p:cNvPr id="10" name="Szövegdoboz 9">
+                <a:extLst>
+                  <a:ext uri="{FF2B5EF4-FFF2-40B4-BE49-F238E27FC236}">
+                    <a16:creationId xmlns:a16="http://schemas.microsoft.com/office/drawing/2014/main" id="{4FBE3735-1064-4866-8266-0DAF22678AD9}"/>
+                  </a:ext>
+                </a:extLst>
+              </p:cNvPr>
+              <p:cNvSpPr txBox="1">
+                <a:spLocks noRot="1" noChangeAspect="1" noMove="1" noResize="1" noEditPoints="1" noAdjustHandles="1" noChangeArrowheads="1" noChangeShapeType="1" noTextEdit="1"/>
+              </p:cNvSpPr>
+              <p:nvPr/>
+            </p:nvSpPr>
+            <p:spPr>
+              <a:xfrm>
+                <a:off x="6093636" y="2815118"/>
+                <a:ext cx="6094520" cy="877100"/>
+              </a:xfrm>
+              <a:prstGeom prst="rect">
+                <a:avLst/>
+              </a:prstGeom>
+              <a:blipFill>
+                <a:blip r:embed="rId4"/>
+                <a:stretch>
+                  <a:fillRect/>
+                </a:stretch>
+              </a:blipFill>
+            </p:spPr>
+            <p:txBody>
+              <a:bodyPr/>
+              <a:lstStyle/>
+              <a:p>
+                <a:r>
+                  <a:rPr lang="hu-HU">
+                    <a:noFill/>
+                  </a:rPr>
+                  <a:t> </a:t>
+                </a:r>
+              </a:p>
+            </p:txBody>
+          </p:sp>
+        </mc:Fallback>
+      </mc:AlternateContent>
+      <mc:AlternateContent xmlns:mc="http://schemas.openxmlformats.org/markup-compatibility/2006">
+        <mc:Choice xmlns:a14="http://schemas.microsoft.com/office/drawing/2010/main" Requires="a14">
+          <p:sp>
+            <p:nvSpPr>
+              <p:cNvPr id="12" name="Szövegdoboz 11">
+                <a:extLst>
+                  <a:ext uri="{FF2B5EF4-FFF2-40B4-BE49-F238E27FC236}">
+                    <a16:creationId xmlns:a16="http://schemas.microsoft.com/office/drawing/2014/main" id="{3AA9FDEC-FB25-4225-B057-DE2F75AFF375}"/>
+                  </a:ext>
+                </a:extLst>
+              </p:cNvPr>
+              <p:cNvSpPr txBox="1"/>
+              <p:nvPr/>
+            </p:nvSpPr>
+            <p:spPr>
+              <a:xfrm>
+                <a:off x="6576134" y="3773907"/>
+                <a:ext cx="6094520" cy="877100"/>
+              </a:xfrm>
+              <a:prstGeom prst="rect">
+                <a:avLst/>
+              </a:prstGeom>
+              <a:noFill/>
+            </p:spPr>
+            <p:txBody>
+              <a:bodyPr wrap="square">
+                <a:spAutoFit/>
+              </a:bodyPr>
+              <a:lstStyle/>
+              <a:p>
+                <a:pPr/>
+                <a14:m>
+                  <m:oMathPara xmlns:m="http://schemas.openxmlformats.org/officeDocument/2006/math">
+                    <m:oMathParaPr>
+                      <m:jc m:val="centerGroup"/>
+                    </m:oMathParaPr>
+                    <m:oMath xmlns:m="http://schemas.openxmlformats.org/officeDocument/2006/math">
+                      <m:nary>
+                        <m:naryPr>
+                          <m:chr m:val="∑"/>
+                          <m:limLoc m:val="undOvr"/>
+                          <m:ctrlPr>
+                            <a:rPr lang="hu-HU" i="1" smtClean="0">
+                              <a:latin typeface="Cambria Math" panose="02040503050406030204" pitchFamily="18" charset="0"/>
+                            </a:rPr>
+                          </m:ctrlPr>
+                        </m:naryPr>
+                        <m:sub>
+                          <m:r>
+                            <a:rPr lang="hu-HU" i="1">
+                              <a:latin typeface="Cambria Math" panose="02040503050406030204" pitchFamily="18" charset="0"/>
+                            </a:rPr>
+                            <m:t>𝑖</m:t>
+                          </m:r>
+                          <m:r>
+                            <a:rPr lang="hu-HU" i="0">
+                              <a:latin typeface="Cambria Math" panose="02040503050406030204" pitchFamily="18" charset="0"/>
+                            </a:rPr>
+                            <m:t>=0</m:t>
+                          </m:r>
+                        </m:sub>
+                        <m:sup>
+                          <m:r>
+                            <a:rPr lang="hu-HU" i="1">
+                              <a:latin typeface="Cambria Math" panose="02040503050406030204" pitchFamily="18" charset="0"/>
+                            </a:rPr>
+                            <m:t>𝑝𝑙𝑎𝑐𝑒𝑠𝑁𝑢𝑚</m:t>
+                          </m:r>
+                        </m:sup>
+                        <m:e>
+                          <m:sSub>
+                            <m:sSubPr>
+                              <m:ctrlPr>
+                                <a:rPr lang="hu-HU" i="1">
+                                  <a:solidFill>
+                                    <a:srgbClr val="836967"/>
+                                  </a:solidFill>
+                                  <a:latin typeface="Cambria Math" panose="02040503050406030204" pitchFamily="18" charset="0"/>
+                                </a:rPr>
+                              </m:ctrlPr>
+                            </m:sSubPr>
+                            <m:e>
+                              <m:r>
+                                <a:rPr lang="hu-HU" i="1">
+                                  <a:latin typeface="Cambria Math" panose="02040503050406030204" pitchFamily="18" charset="0"/>
+                                </a:rPr>
+                                <m:t>𝑥</m:t>
+                              </m:r>
+                            </m:e>
+                            <m:sub>
+                              <m:r>
+                                <a:rPr lang="hu-HU" i="1">
+                                  <a:latin typeface="Cambria Math" panose="02040503050406030204" pitchFamily="18" charset="0"/>
+                                </a:rPr>
+                                <m:t>𝑖</m:t>
+                              </m:r>
+                              <m:d>
+                                <m:dPr>
+                                  <m:ctrlPr>
+                                    <a:rPr lang="hu-HU" i="1">
+                                      <a:latin typeface="Cambria Math" panose="02040503050406030204" pitchFamily="18" charset="0"/>
+                                    </a:rPr>
+                                  </m:ctrlPr>
+                                </m:dPr>
+                                <m:e>
+                                  <m:r>
+                                    <a:rPr lang="hu-HU" i="1">
+                                      <a:latin typeface="Cambria Math" panose="02040503050406030204" pitchFamily="18" charset="0"/>
+                                    </a:rPr>
+                                    <m:t>𝑝𝑒𝑜𝑝𝑙𝑒𝑁𝑢𝑚</m:t>
+                                  </m:r>
+                                </m:e>
+                              </m:d>
+                              <m:r>
+                                <a:rPr lang="hu-HU" i="0">
+                                  <a:latin typeface="Cambria Math" panose="02040503050406030204" pitchFamily="18" charset="0"/>
+                                </a:rPr>
+                                <m:t> </m:t>
+                              </m:r>
+                            </m:sub>
+                          </m:sSub>
+                          <m:r>
+                            <a:rPr lang="hu-HU" i="0">
+                              <a:latin typeface="Cambria Math" panose="02040503050406030204" pitchFamily="18" charset="0"/>
+                            </a:rPr>
+                            <m:t> =1</m:t>
+                          </m:r>
+                        </m:e>
+                      </m:nary>
+                    </m:oMath>
+                  </m:oMathPara>
+                </a14:m>
+                <a:endParaRPr lang="hu-HU" dirty="0"/>
+              </a:p>
+            </p:txBody>
+          </p:sp>
+        </mc:Choice>
+        <mc:Fallback>
+          <p:sp>
+            <p:nvSpPr>
+              <p:cNvPr id="12" name="Szövegdoboz 11">
+                <a:extLst>
+                  <a:ext uri="{FF2B5EF4-FFF2-40B4-BE49-F238E27FC236}">
+                    <a16:creationId xmlns:a16="http://schemas.microsoft.com/office/drawing/2014/main" id="{3AA9FDEC-FB25-4225-B057-DE2F75AFF375}"/>
+                  </a:ext>
+                </a:extLst>
+              </p:cNvPr>
+              <p:cNvSpPr txBox="1">
+                <a:spLocks noRot="1" noChangeAspect="1" noMove="1" noResize="1" noEditPoints="1" noAdjustHandles="1" noChangeArrowheads="1" noChangeShapeType="1" noTextEdit="1"/>
+              </p:cNvSpPr>
+              <p:nvPr/>
+            </p:nvSpPr>
+            <p:spPr>
+              <a:xfrm>
+                <a:off x="6576134" y="3773907"/>
+                <a:ext cx="6094520" cy="877100"/>
+              </a:xfrm>
+              <a:prstGeom prst="rect">
+                <a:avLst/>
+              </a:prstGeom>
+              <a:blipFill>
+                <a:blip r:embed="rId5"/>
+                <a:stretch>
+                  <a:fillRect/>
+                </a:stretch>
+              </a:blipFill>
+            </p:spPr>
+            <p:txBody>
+              <a:bodyPr/>
+              <a:lstStyle/>
+              <a:p>
+                <a:r>
+                  <a:rPr lang="hu-HU">
+                    <a:noFill/>
+                  </a:rPr>
+                  <a:t> </a:t>
+                </a:r>
+              </a:p>
+            </p:txBody>
+          </p:sp>
+        </mc:Fallback>
+      </mc:AlternateContent>
+      <mc:AlternateContent xmlns:mc="http://schemas.openxmlformats.org/markup-compatibility/2006">
+        <mc:Choice xmlns:a14="http://schemas.microsoft.com/office/drawing/2010/main" Requires="a14">
+          <p:sp>
+            <p:nvSpPr>
+              <p:cNvPr id="14" name="Szövegdoboz 13">
+                <a:extLst>
+                  <a:ext uri="{FF2B5EF4-FFF2-40B4-BE49-F238E27FC236}">
+                    <a16:creationId xmlns:a16="http://schemas.microsoft.com/office/drawing/2014/main" id="{12F7C09F-DF37-471E-B25B-219F47266182}"/>
+                  </a:ext>
+                </a:extLst>
+              </p:cNvPr>
+              <p:cNvSpPr txBox="1"/>
+              <p:nvPr/>
+            </p:nvSpPr>
+            <p:spPr>
+              <a:xfrm>
+                <a:off x="108750" y="4363242"/>
+                <a:ext cx="6094520" cy="877100"/>
+              </a:xfrm>
+              <a:prstGeom prst="rect">
+                <a:avLst/>
+              </a:prstGeom>
+              <a:noFill/>
+            </p:spPr>
+            <p:txBody>
+              <a:bodyPr wrap="square">
+                <a:spAutoFit/>
+              </a:bodyPr>
+              <a:lstStyle/>
+              <a:p>
+                <a:pPr/>
+                <a14:m>
+                  <m:oMathPara xmlns:m="http://schemas.openxmlformats.org/officeDocument/2006/math">
+                    <m:oMathParaPr>
+                      <m:jc m:val="centerGroup"/>
+                    </m:oMathParaPr>
+                    <m:oMath xmlns:m="http://schemas.openxmlformats.org/officeDocument/2006/math">
+                      <m:nary>
+                        <m:naryPr>
+                          <m:chr m:val="∑"/>
+                          <m:limLoc m:val="undOvr"/>
+                          <m:ctrlPr>
+                            <a:rPr lang="hu-HU" i="1" smtClean="0">
+                              <a:latin typeface="Cambria Math" panose="02040503050406030204" pitchFamily="18" charset="0"/>
+                            </a:rPr>
+                          </m:ctrlPr>
+                        </m:naryPr>
+                        <m:sub>
+                          <m:r>
+                            <a:rPr lang="hu-HU" i="1">
+                              <a:latin typeface="Cambria Math" panose="02040503050406030204" pitchFamily="18" charset="0"/>
+                            </a:rPr>
+                            <m:t>𝑖</m:t>
+                          </m:r>
+                          <m:r>
+                            <a:rPr lang="hu-HU" i="0">
+                              <a:latin typeface="Cambria Math" panose="02040503050406030204" pitchFamily="18" charset="0"/>
+                            </a:rPr>
+                            <m:t>=0</m:t>
+                          </m:r>
+                        </m:sub>
+                        <m:sup>
+                          <m:r>
+                            <a:rPr lang="hu-HU" i="1">
+                              <a:latin typeface="Cambria Math" panose="02040503050406030204" pitchFamily="18" charset="0"/>
+                            </a:rPr>
+                            <m:t>𝑝𝑒𝑜𝑝𝑙𝑒𝑁𝑢𝑚</m:t>
+                          </m:r>
+                        </m:sup>
+                        <m:e>
+                          <m:sSub>
+                            <m:sSubPr>
+                              <m:ctrlPr>
+                                <a:rPr lang="hu-HU" i="1">
+                                  <a:solidFill>
+                                    <a:srgbClr val="836967"/>
+                                  </a:solidFill>
+                                  <a:latin typeface="Cambria Math" panose="02040503050406030204" pitchFamily="18" charset="0"/>
+                                </a:rPr>
+                              </m:ctrlPr>
+                            </m:sSubPr>
+                            <m:e>
+                              <m:sSub>
+                                <m:sSubPr>
+                                  <m:ctrlPr>
+                                    <a:rPr lang="hu-HU" i="1">
+                                      <a:solidFill>
+                                        <a:srgbClr val="836967"/>
+                                      </a:solidFill>
+                                      <a:latin typeface="Cambria Math" panose="02040503050406030204" pitchFamily="18" charset="0"/>
+                                    </a:rPr>
+                                  </m:ctrlPr>
+                                </m:sSubPr>
+                                <m:e>
+                                  <m:r>
+                                    <a:rPr lang="hu-HU" i="1">
+                                      <a:latin typeface="Cambria Math" panose="02040503050406030204" pitchFamily="18" charset="0"/>
+                                    </a:rPr>
+                                    <m:t>𝐶</m:t>
+                                  </m:r>
+                                </m:e>
+                                <m:sub>
+                                  <m:r>
+                                    <a:rPr lang="hu-HU" i="1">
+                                      <a:latin typeface="Cambria Math" panose="02040503050406030204" pitchFamily="18" charset="0"/>
+                                    </a:rPr>
+                                    <m:t>𝑖</m:t>
+                                  </m:r>
+                                </m:sub>
+                              </m:sSub>
+                              <m:r>
+                                <a:rPr lang="hu-HU" i="0">
+                                  <a:latin typeface="Cambria Math" panose="02040503050406030204" pitchFamily="18" charset="0"/>
+                                </a:rPr>
+                                <m:t>∗ </m:t>
+                              </m:r>
+                              <m:r>
+                                <a:rPr lang="hu-HU" i="1">
+                                  <a:latin typeface="Cambria Math" panose="02040503050406030204" pitchFamily="18" charset="0"/>
+                                </a:rPr>
+                                <m:t>𝑥</m:t>
+                              </m:r>
+                            </m:e>
+                            <m:sub>
+                              <m:r>
+                                <a:rPr lang="hu-HU" i="1">
+                                  <a:latin typeface="Cambria Math" panose="02040503050406030204" pitchFamily="18" charset="0"/>
+                                </a:rPr>
+                                <m:t>𝑖</m:t>
+                              </m:r>
+                              <m:r>
+                                <a:rPr lang="hu-HU" i="0">
+                                  <a:latin typeface="Cambria Math" panose="02040503050406030204" pitchFamily="18" charset="0"/>
+                                </a:rPr>
+                                <m:t>0</m:t>
+                              </m:r>
+                            </m:sub>
+                          </m:sSub>
+                          <m:r>
+                            <a:rPr lang="hu-HU" i="0">
+                              <a:latin typeface="Cambria Math" panose="02040503050406030204" pitchFamily="18" charset="0"/>
+                            </a:rPr>
+                            <m:t> + </m:t>
+                          </m:r>
+                          <m:nary>
+                            <m:naryPr>
+                              <m:chr m:val="∑"/>
+                              <m:limLoc m:val="undOvr"/>
+                              <m:ctrlPr>
+                                <a:rPr lang="hu-HU" i="1">
+                                  <a:latin typeface="Cambria Math" panose="02040503050406030204" pitchFamily="18" charset="0"/>
+                                </a:rPr>
+                              </m:ctrlPr>
+                            </m:naryPr>
+                            <m:sub>
+                              <m:r>
+                                <a:rPr lang="hu-HU" i="1">
+                                  <a:latin typeface="Cambria Math" panose="02040503050406030204" pitchFamily="18" charset="0"/>
+                                </a:rPr>
+                                <m:t>𝑖</m:t>
+                              </m:r>
+                              <m:r>
+                                <a:rPr lang="hu-HU" i="0">
+                                  <a:latin typeface="Cambria Math" panose="02040503050406030204" pitchFamily="18" charset="0"/>
+                                </a:rPr>
+                                <m:t>=0</m:t>
+                              </m:r>
+                            </m:sub>
+                            <m:sup>
+                              <m:r>
+                                <a:rPr lang="hu-HU" i="1">
+                                  <a:latin typeface="Cambria Math" panose="02040503050406030204" pitchFamily="18" charset="0"/>
+                                </a:rPr>
+                                <m:t>𝑝𝑒𝑜𝑝𝑙𝑒𝑁𝑢𝑚</m:t>
+                              </m:r>
+                            </m:sup>
+                            <m:e>
+                              <m:sSub>
+                                <m:sSubPr>
+                                  <m:ctrlPr>
+                                    <a:rPr lang="hu-HU" i="1">
+                                      <a:solidFill>
+                                        <a:srgbClr val="836967"/>
+                                      </a:solidFill>
+                                      <a:latin typeface="Cambria Math" panose="02040503050406030204" pitchFamily="18" charset="0"/>
+                                    </a:rPr>
+                                  </m:ctrlPr>
+                                </m:sSubPr>
+                                <m:e>
+                                  <m:r>
+                                    <a:rPr lang="hu-HU" i="1">
+                                      <a:latin typeface="Cambria Math" panose="02040503050406030204" pitchFamily="18" charset="0"/>
+                                    </a:rPr>
+                                    <m:t>𝑥</m:t>
+                                  </m:r>
+                                </m:e>
+                                <m:sub>
+                                  <m:r>
+                                    <a:rPr lang="hu-HU" i="1">
+                                      <a:latin typeface="Cambria Math" panose="02040503050406030204" pitchFamily="18" charset="0"/>
+                                    </a:rPr>
+                                    <m:t>𝑖</m:t>
+                                  </m:r>
+                                  <m:r>
+                                    <a:rPr lang="hu-HU" i="0">
+                                      <a:latin typeface="Cambria Math" panose="02040503050406030204" pitchFamily="18" charset="0"/>
+                                    </a:rPr>
+                                    <m:t>0</m:t>
+                                  </m:r>
+                                </m:sub>
+                              </m:sSub>
+                            </m:e>
+                          </m:nary>
+                          <m:r>
+                            <a:rPr lang="hu-HU" i="0">
+                              <a:latin typeface="Cambria Math" panose="02040503050406030204" pitchFamily="18" charset="0"/>
+                            </a:rPr>
+                            <m:t>  − 1  ≤ </m:t>
+                          </m:r>
+                          <m:sSub>
+                            <m:sSubPr>
+                              <m:ctrlPr>
+                                <a:rPr lang="hu-HU" i="1">
+                                  <a:solidFill>
+                                    <a:srgbClr val="836967"/>
+                                  </a:solidFill>
+                                  <a:latin typeface="Cambria Math" panose="02040503050406030204" pitchFamily="18" charset="0"/>
+                                </a:rPr>
+                              </m:ctrlPr>
+                            </m:sSubPr>
+                            <m:e>
+                              <m:r>
+                                <a:rPr lang="hu-HU" i="1">
+                                  <a:latin typeface="Cambria Math" panose="02040503050406030204" pitchFamily="18" charset="0"/>
+                                </a:rPr>
+                                <m:t>𝑝𝑙𝑎𝑐𝑒𝑠</m:t>
+                              </m:r>
+                            </m:e>
+                            <m:sub>
+                              <m:r>
+                                <a:rPr lang="hu-HU" i="0">
+                                  <a:latin typeface="Cambria Math" panose="02040503050406030204" pitchFamily="18" charset="0"/>
+                                </a:rPr>
+                                <m:t>0</m:t>
+                              </m:r>
+                            </m:sub>
+                          </m:sSub>
+                          <m:r>
+                            <a:rPr lang="hu-HU" i="0">
+                              <a:latin typeface="Cambria Math" panose="02040503050406030204" pitchFamily="18" charset="0"/>
+                            </a:rPr>
+                            <m:t> </m:t>
+                          </m:r>
+                        </m:e>
+                      </m:nary>
+                    </m:oMath>
+                  </m:oMathPara>
+                </a14:m>
+                <a:endParaRPr lang="hu-HU" dirty="0"/>
+              </a:p>
+            </p:txBody>
+          </p:sp>
+        </mc:Choice>
+        <mc:Fallback>
+          <p:sp>
+            <p:nvSpPr>
+              <p:cNvPr id="14" name="Szövegdoboz 13">
+                <a:extLst>
+                  <a:ext uri="{FF2B5EF4-FFF2-40B4-BE49-F238E27FC236}">
+                    <a16:creationId xmlns:a16="http://schemas.microsoft.com/office/drawing/2014/main" id="{12F7C09F-DF37-471E-B25B-219F47266182}"/>
+                  </a:ext>
+                </a:extLst>
+              </p:cNvPr>
+              <p:cNvSpPr txBox="1">
+                <a:spLocks noRot="1" noChangeAspect="1" noMove="1" noResize="1" noEditPoints="1" noAdjustHandles="1" noChangeArrowheads="1" noChangeShapeType="1" noTextEdit="1"/>
+              </p:cNvSpPr>
+              <p:nvPr/>
+            </p:nvSpPr>
+            <p:spPr>
+              <a:xfrm>
+                <a:off x="108750" y="4363242"/>
+                <a:ext cx="6094520" cy="877100"/>
+              </a:xfrm>
+              <a:prstGeom prst="rect">
+                <a:avLst/>
+              </a:prstGeom>
+              <a:blipFill>
+                <a:blip r:embed="rId6"/>
+                <a:stretch>
+                  <a:fillRect/>
+                </a:stretch>
+              </a:blipFill>
+            </p:spPr>
+            <p:txBody>
+              <a:bodyPr/>
+              <a:lstStyle/>
+              <a:p>
+                <a:r>
+                  <a:rPr lang="hu-HU">
+                    <a:noFill/>
+                  </a:rPr>
+                  <a:t> </a:t>
+                </a:r>
+              </a:p>
+            </p:txBody>
+          </p:sp>
+        </mc:Fallback>
+      </mc:AlternateContent>
+      <mc:AlternateContent xmlns:mc="http://schemas.openxmlformats.org/markup-compatibility/2006">
+        <mc:Choice xmlns:a14="http://schemas.microsoft.com/office/drawing/2010/main" Requires="a14">
+          <p:sp>
+            <p:nvSpPr>
+              <p:cNvPr id="16" name="Szövegdoboz 15">
+                <a:extLst>
+                  <a:ext uri="{FF2B5EF4-FFF2-40B4-BE49-F238E27FC236}">
+                    <a16:creationId xmlns:a16="http://schemas.microsoft.com/office/drawing/2014/main" id="{A0FCBD5C-A34E-4218-8198-8F9018A3F6CE}"/>
+                  </a:ext>
+                </a:extLst>
+              </p:cNvPr>
+              <p:cNvSpPr txBox="1"/>
+              <p:nvPr/>
+            </p:nvSpPr>
+            <p:spPr>
+              <a:xfrm>
+                <a:off x="419470" y="5371300"/>
+                <a:ext cx="6094520" cy="877100"/>
+              </a:xfrm>
+              <a:prstGeom prst="rect">
+                <a:avLst/>
+              </a:prstGeom>
+              <a:noFill/>
+            </p:spPr>
+            <p:txBody>
+              <a:bodyPr wrap="square">
+                <a:spAutoFit/>
+              </a:bodyPr>
+              <a:lstStyle/>
+              <a:p>
+                <a:pPr/>
+                <a14:m>
+                  <m:oMathPara xmlns:m="http://schemas.openxmlformats.org/officeDocument/2006/math">
+                    <m:oMathParaPr>
+                      <m:jc m:val="centerGroup"/>
+                    </m:oMathParaPr>
+                    <m:oMath xmlns:m="http://schemas.openxmlformats.org/officeDocument/2006/math">
+                      <m:nary>
+                        <m:naryPr>
+                          <m:chr m:val="∑"/>
+                          <m:limLoc m:val="undOvr"/>
+                          <m:ctrlPr>
+                            <a:rPr lang="hu-HU" i="1" smtClean="0">
+                              <a:latin typeface="Cambria Math" panose="02040503050406030204" pitchFamily="18" charset="0"/>
+                            </a:rPr>
+                          </m:ctrlPr>
+                        </m:naryPr>
+                        <m:sub>
+                          <m:r>
+                            <a:rPr lang="hu-HU" i="1">
+                              <a:latin typeface="Cambria Math" panose="02040503050406030204" pitchFamily="18" charset="0"/>
+                            </a:rPr>
+                            <m:t>𝑖</m:t>
+                          </m:r>
+                          <m:r>
+                            <a:rPr lang="hu-HU" i="0">
+                              <a:latin typeface="Cambria Math" panose="02040503050406030204" pitchFamily="18" charset="0"/>
+                            </a:rPr>
+                            <m:t>=0</m:t>
+                          </m:r>
+                        </m:sub>
+                        <m:sup>
+                          <m:r>
+                            <a:rPr lang="hu-HU" i="1">
+                              <a:latin typeface="Cambria Math" panose="02040503050406030204" pitchFamily="18" charset="0"/>
+                            </a:rPr>
+                            <m:t>𝑝𝑒𝑜𝑝𝑙𝑒𝑁𝑢𝑚</m:t>
+                          </m:r>
+                        </m:sup>
+                        <m:e>
+                          <m:sSub>
+                            <m:sSubPr>
+                              <m:ctrlPr>
+                                <a:rPr lang="hu-HU" i="1">
+                                  <a:solidFill>
+                                    <a:srgbClr val="836967"/>
+                                  </a:solidFill>
+                                  <a:latin typeface="Cambria Math" panose="02040503050406030204" pitchFamily="18" charset="0"/>
+                                </a:rPr>
+                              </m:ctrlPr>
+                            </m:sSubPr>
+                            <m:e>
+                              <m:sSub>
+                                <m:sSubPr>
+                                  <m:ctrlPr>
+                                    <a:rPr lang="hu-HU" i="1">
+                                      <a:solidFill>
+                                        <a:srgbClr val="836967"/>
+                                      </a:solidFill>
+                                      <a:latin typeface="Cambria Math" panose="02040503050406030204" pitchFamily="18" charset="0"/>
+                                    </a:rPr>
+                                  </m:ctrlPr>
+                                </m:sSubPr>
+                                <m:e>
+                                  <m:r>
+                                    <a:rPr lang="hu-HU" i="1">
+                                      <a:latin typeface="Cambria Math" panose="02040503050406030204" pitchFamily="18" charset="0"/>
+                                    </a:rPr>
+                                    <m:t>𝐶</m:t>
+                                  </m:r>
+                                </m:e>
+                                <m:sub>
+                                  <m:r>
+                                    <a:rPr lang="hu-HU" i="1">
+                                      <a:latin typeface="Cambria Math" panose="02040503050406030204" pitchFamily="18" charset="0"/>
+                                    </a:rPr>
+                                    <m:t>𝑖</m:t>
+                                  </m:r>
+                                </m:sub>
+                              </m:sSub>
+                              <m:r>
+                                <a:rPr lang="hu-HU" i="0">
+                                  <a:latin typeface="Cambria Math" panose="02040503050406030204" pitchFamily="18" charset="0"/>
+                                </a:rPr>
+                                <m:t>∗ </m:t>
+                              </m:r>
+                              <m:r>
+                                <a:rPr lang="hu-HU" i="1">
+                                  <a:latin typeface="Cambria Math" panose="02040503050406030204" pitchFamily="18" charset="0"/>
+                                </a:rPr>
+                                <m:t>𝑥</m:t>
+                              </m:r>
+                            </m:e>
+                            <m:sub>
+                              <m:r>
+                                <a:rPr lang="hu-HU" i="1">
+                                  <a:latin typeface="Cambria Math" panose="02040503050406030204" pitchFamily="18" charset="0"/>
+                                </a:rPr>
+                                <m:t>𝑖</m:t>
+                              </m:r>
+                              <m:d>
+                                <m:dPr>
+                                  <m:ctrlPr>
+                                    <a:rPr lang="hu-HU" i="1">
+                                      <a:latin typeface="Cambria Math" panose="02040503050406030204" pitchFamily="18" charset="0"/>
+                                    </a:rPr>
+                                  </m:ctrlPr>
+                                </m:dPr>
+                                <m:e>
+                                  <m:r>
+                                    <a:rPr lang="hu-HU" i="1">
+                                      <a:latin typeface="Cambria Math" panose="02040503050406030204" pitchFamily="18" charset="0"/>
+                                    </a:rPr>
+                                    <m:t>𝑝𝑙𝑎𝑐𝑒𝑠𝑁𝑢𝑚</m:t>
+                                  </m:r>
+                                </m:e>
+                              </m:d>
+                            </m:sub>
+                          </m:sSub>
+                          <m:r>
+                            <a:rPr lang="hu-HU" i="0">
+                              <a:latin typeface="Cambria Math" panose="02040503050406030204" pitchFamily="18" charset="0"/>
+                            </a:rPr>
+                            <m:t> + </m:t>
+                          </m:r>
+                          <m:nary>
+                            <m:naryPr>
+                              <m:chr m:val="∑"/>
+                              <m:limLoc m:val="undOvr"/>
+                              <m:ctrlPr>
+                                <a:rPr lang="hu-HU" i="1">
+                                  <a:latin typeface="Cambria Math" panose="02040503050406030204" pitchFamily="18" charset="0"/>
+                                </a:rPr>
+                              </m:ctrlPr>
+                            </m:naryPr>
+                            <m:sub>
+                              <m:r>
+                                <a:rPr lang="hu-HU" i="1">
+                                  <a:latin typeface="Cambria Math" panose="02040503050406030204" pitchFamily="18" charset="0"/>
+                                </a:rPr>
+                                <m:t>𝑖</m:t>
+                              </m:r>
+                              <m:r>
+                                <a:rPr lang="hu-HU" i="0">
+                                  <a:latin typeface="Cambria Math" panose="02040503050406030204" pitchFamily="18" charset="0"/>
+                                </a:rPr>
+                                <m:t>=0</m:t>
+                              </m:r>
+                            </m:sub>
+                            <m:sup>
+                              <m:r>
+                                <a:rPr lang="hu-HU" i="1">
+                                  <a:latin typeface="Cambria Math" panose="02040503050406030204" pitchFamily="18" charset="0"/>
+                                </a:rPr>
+                                <m:t>𝑝𝑒𝑜𝑝𝑙𝑒𝑁𝑢𝑚</m:t>
+                              </m:r>
+                            </m:sup>
+                            <m:e>
+                              <m:sSub>
+                                <m:sSubPr>
+                                  <m:ctrlPr>
+                                    <a:rPr lang="hu-HU" i="1">
+                                      <a:solidFill>
+                                        <a:srgbClr val="836967"/>
+                                      </a:solidFill>
+                                      <a:latin typeface="Cambria Math" panose="02040503050406030204" pitchFamily="18" charset="0"/>
+                                    </a:rPr>
+                                  </m:ctrlPr>
+                                </m:sSubPr>
+                                <m:e>
+                                  <m:r>
+                                    <a:rPr lang="hu-HU" i="1">
+                                      <a:latin typeface="Cambria Math" panose="02040503050406030204" pitchFamily="18" charset="0"/>
+                                    </a:rPr>
+                                    <m:t>𝑥</m:t>
+                                  </m:r>
+                                </m:e>
+                                <m:sub>
+                                  <m:r>
+                                    <a:rPr lang="hu-HU" i="1">
+                                      <a:latin typeface="Cambria Math" panose="02040503050406030204" pitchFamily="18" charset="0"/>
+                                    </a:rPr>
+                                    <m:t>𝑖</m:t>
+                                  </m:r>
+                                  <m:d>
+                                    <m:dPr>
+                                      <m:ctrlPr>
+                                        <a:rPr lang="hu-HU" i="1">
+                                          <a:latin typeface="Cambria Math" panose="02040503050406030204" pitchFamily="18" charset="0"/>
+                                        </a:rPr>
+                                      </m:ctrlPr>
+                                    </m:dPr>
+                                    <m:e>
+                                      <m:r>
+                                        <a:rPr lang="hu-HU" i="1">
+                                          <a:latin typeface="Cambria Math" panose="02040503050406030204" pitchFamily="18" charset="0"/>
+                                        </a:rPr>
+                                        <m:t>𝑝𝑙𝑎𝑐𝑒𝑠𝑁𝑢𝑚</m:t>
+                                      </m:r>
+                                    </m:e>
+                                  </m:d>
+                                </m:sub>
+                              </m:sSub>
+                            </m:e>
+                          </m:nary>
+                          <m:r>
+                            <a:rPr lang="hu-HU" i="0">
+                              <a:latin typeface="Cambria Math" panose="02040503050406030204" pitchFamily="18" charset="0"/>
+                            </a:rPr>
+                            <m:t>  − 1  ≤ </m:t>
+                          </m:r>
+                          <m:sSub>
+                            <m:sSubPr>
+                              <m:ctrlPr>
+                                <a:rPr lang="hu-HU" i="1">
+                                  <a:solidFill>
+                                    <a:srgbClr val="836967"/>
+                                  </a:solidFill>
+                                  <a:latin typeface="Cambria Math" panose="02040503050406030204" pitchFamily="18" charset="0"/>
+                                </a:rPr>
+                              </m:ctrlPr>
+                            </m:sSubPr>
+                            <m:e>
+                              <m:r>
+                                <a:rPr lang="hu-HU" i="1">
+                                  <a:latin typeface="Cambria Math" panose="02040503050406030204" pitchFamily="18" charset="0"/>
+                                </a:rPr>
+                                <m:t>𝑝𝑙𝑎𝑐𝑒𝑠</m:t>
+                              </m:r>
+                            </m:e>
+                            <m:sub>
+                              <m:d>
+                                <m:dPr>
+                                  <m:ctrlPr>
+                                    <a:rPr lang="hu-HU" i="1">
+                                      <a:latin typeface="Cambria Math" panose="02040503050406030204" pitchFamily="18" charset="0"/>
+                                    </a:rPr>
+                                  </m:ctrlPr>
+                                </m:dPr>
+                                <m:e>
+                                  <m:r>
+                                    <a:rPr lang="hu-HU" i="1">
+                                      <a:latin typeface="Cambria Math" panose="02040503050406030204" pitchFamily="18" charset="0"/>
+                                    </a:rPr>
+                                    <m:t>𝑝𝑙𝑎𝑐𝑒𝑠𝑁𝑢𝑚</m:t>
+                                  </m:r>
+                                </m:e>
+                              </m:d>
+                            </m:sub>
+                          </m:sSub>
+                          <m:r>
+                            <a:rPr lang="hu-HU" i="0">
+                              <a:latin typeface="Cambria Math" panose="02040503050406030204" pitchFamily="18" charset="0"/>
+                            </a:rPr>
+                            <m:t> </m:t>
+                          </m:r>
+                        </m:e>
+                      </m:nary>
+                    </m:oMath>
+                  </m:oMathPara>
+                </a14:m>
+                <a:endParaRPr lang="hu-HU" dirty="0"/>
+              </a:p>
+            </p:txBody>
+          </p:sp>
+        </mc:Choice>
+        <mc:Fallback>
+          <p:sp>
+            <p:nvSpPr>
+              <p:cNvPr id="16" name="Szövegdoboz 15">
+                <a:extLst>
+                  <a:ext uri="{FF2B5EF4-FFF2-40B4-BE49-F238E27FC236}">
+                    <a16:creationId xmlns:a16="http://schemas.microsoft.com/office/drawing/2014/main" id="{A0FCBD5C-A34E-4218-8198-8F9018A3F6CE}"/>
+                  </a:ext>
+                </a:extLst>
+              </p:cNvPr>
+              <p:cNvSpPr txBox="1">
+                <a:spLocks noRot="1" noChangeAspect="1" noMove="1" noResize="1" noEditPoints="1" noAdjustHandles="1" noChangeArrowheads="1" noChangeShapeType="1" noTextEdit="1"/>
+              </p:cNvSpPr>
+              <p:nvPr/>
+            </p:nvSpPr>
+            <p:spPr>
+              <a:xfrm>
+                <a:off x="419470" y="5371300"/>
+                <a:ext cx="6094520" cy="877100"/>
+              </a:xfrm>
+              <a:prstGeom prst="rect">
+                <a:avLst/>
+              </a:prstGeom>
+              <a:blipFill>
+                <a:blip r:embed="rId7"/>
+                <a:stretch>
+                  <a:fillRect r="-32500"/>
+                </a:stretch>
+              </a:blipFill>
+            </p:spPr>
+            <p:txBody>
+              <a:bodyPr/>
+              <a:lstStyle/>
+              <a:p>
+                <a:r>
+                  <a:rPr lang="hu-HU">
+                    <a:noFill/>
+                  </a:rPr>
+                  <a:t> </a:t>
+                </a:r>
+              </a:p>
+            </p:txBody>
+          </p:sp>
+        </mc:Fallback>
+      </mc:AlternateContent>
+      <p:sp>
+        <p:nvSpPr>
+          <p:cNvPr id="17" name="Szövegdoboz 16">
+            <a:extLst>
+              <a:ext uri="{FF2B5EF4-FFF2-40B4-BE49-F238E27FC236}">
+                <a16:creationId xmlns:a16="http://schemas.microsoft.com/office/drawing/2014/main" id="{B8205592-4CEA-4836-BDF3-B12129392071}"/>
+              </a:ext>
+            </a:extLst>
+          </p:cNvPr>
+          <p:cNvSpPr txBox="1"/>
+          <p:nvPr/>
+        </p:nvSpPr>
+        <p:spPr>
+          <a:xfrm>
+            <a:off x="257453" y="3942249"/>
+            <a:ext cx="2626104" cy="369332"/>
+          </a:xfrm>
+          <a:prstGeom prst="rect">
+            <a:avLst/>
+          </a:prstGeom>
+          <a:noFill/>
+        </p:spPr>
+        <p:txBody>
+          <a:bodyPr wrap="none" rtlCol="0">
+            <a:spAutoFit/>
+          </a:bodyPr>
+          <a:lstStyle/>
+          <a:p>
+            <a:r>
+              <a:rPr lang="hu-HU" dirty="0"/>
+              <a:t>Szék csoport megkötések</a:t>
+            </a:r>
+          </a:p>
+        </p:txBody>
+      </p:sp>
+      <p:cxnSp>
+        <p:nvCxnSpPr>
+          <p:cNvPr id="19" name="Egyenes összekötő 18">
+            <a:extLst>
+              <a:ext uri="{FF2B5EF4-FFF2-40B4-BE49-F238E27FC236}">
+                <a16:creationId xmlns:a16="http://schemas.microsoft.com/office/drawing/2014/main" id="{7CC5063D-CD42-477B-837F-5C84026F9B58}"/>
+              </a:ext>
+            </a:extLst>
+          </p:cNvPr>
+          <p:cNvCxnSpPr/>
+          <p:nvPr/>
+        </p:nvCxnSpPr>
+        <p:spPr>
+          <a:xfrm>
+            <a:off x="345623" y="4222700"/>
+            <a:ext cx="3204839" cy="0"/>
+          </a:xfrm>
+          <a:prstGeom prst="line">
+            <a:avLst/>
+          </a:prstGeom>
+          <a:ln>
+            <a:solidFill>
+              <a:schemeClr val="tx1"/>
+            </a:solidFill>
+          </a:ln>
+        </p:spPr>
+        <p:style>
+          <a:lnRef idx="1">
+            <a:schemeClr val="accent1"/>
+          </a:lnRef>
+          <a:fillRef idx="0">
+            <a:schemeClr val="accent1"/>
+          </a:fillRef>
+          <a:effectRef idx="0">
+            <a:schemeClr val="accent1"/>
+          </a:effectRef>
+          <a:fontRef idx="minor">
+            <a:schemeClr val="tx1"/>
+          </a:fontRef>
+        </p:style>
+      </p:cxnSp>
+      <p:sp>
+        <p:nvSpPr>
+          <p:cNvPr id="20" name="Szövegdoboz 19">
+            <a:extLst>
+              <a:ext uri="{FF2B5EF4-FFF2-40B4-BE49-F238E27FC236}">
+                <a16:creationId xmlns:a16="http://schemas.microsoft.com/office/drawing/2014/main" id="{456C98A4-BCE1-4F44-93FC-893781B06114}"/>
+              </a:ext>
+            </a:extLst>
+          </p:cNvPr>
+          <p:cNvSpPr txBox="1"/>
+          <p:nvPr/>
+        </p:nvSpPr>
+        <p:spPr>
+          <a:xfrm>
+            <a:off x="8080159" y="1518950"/>
+            <a:ext cx="1912703" cy="369332"/>
+          </a:xfrm>
+          <a:prstGeom prst="rect">
+            <a:avLst/>
+          </a:prstGeom>
+          <a:noFill/>
+        </p:spPr>
+        <p:txBody>
+          <a:bodyPr wrap="none" rtlCol="0">
+            <a:spAutoFit/>
+          </a:bodyPr>
+          <a:lstStyle/>
+          <a:p>
+            <a:r>
+              <a:rPr lang="hu-HU" dirty="0"/>
+              <a:t>Néző megkötések</a:t>
+            </a:r>
+          </a:p>
+        </p:txBody>
+      </p:sp>
+      <p:cxnSp>
+        <p:nvCxnSpPr>
+          <p:cNvPr id="21" name="Egyenes összekötő 20">
+            <a:extLst>
+              <a:ext uri="{FF2B5EF4-FFF2-40B4-BE49-F238E27FC236}">
+                <a16:creationId xmlns:a16="http://schemas.microsoft.com/office/drawing/2014/main" id="{9A2FDA70-1C40-4511-A1CB-46D215BAA499}"/>
+              </a:ext>
+            </a:extLst>
+          </p:cNvPr>
+          <p:cNvCxnSpPr/>
+          <p:nvPr/>
+        </p:nvCxnSpPr>
+        <p:spPr>
+          <a:xfrm>
+            <a:off x="8168329" y="1799401"/>
+            <a:ext cx="3204839" cy="0"/>
+          </a:xfrm>
+          <a:prstGeom prst="line">
+            <a:avLst/>
+          </a:prstGeom>
+          <a:ln>
+            <a:solidFill>
+              <a:schemeClr val="tx1"/>
+            </a:solidFill>
+          </a:ln>
+        </p:spPr>
+        <p:style>
+          <a:lnRef idx="1">
+            <a:schemeClr val="accent1"/>
+          </a:lnRef>
+          <a:fillRef idx="0">
+            <a:schemeClr val="accent1"/>
+          </a:fillRef>
+          <a:effectRef idx="0">
+            <a:schemeClr val="accent1"/>
+          </a:effectRef>
+          <a:fontRef idx="minor">
+            <a:schemeClr val="tx1"/>
+          </a:fontRef>
+        </p:style>
+      </p:cxnSp>
+      <p:sp>
+        <p:nvSpPr>
+          <p:cNvPr id="22" name="Szövegdoboz 21">
+            <a:extLst>
+              <a:ext uri="{FF2B5EF4-FFF2-40B4-BE49-F238E27FC236}">
+                <a16:creationId xmlns:a16="http://schemas.microsoft.com/office/drawing/2014/main" id="{33FB5291-8EEF-4D63-8188-E8445E9AB6CD}"/>
+              </a:ext>
+            </a:extLst>
+          </p:cNvPr>
+          <p:cNvSpPr txBox="1"/>
+          <p:nvPr/>
+        </p:nvSpPr>
+        <p:spPr>
+          <a:xfrm>
+            <a:off x="257453" y="1562181"/>
+            <a:ext cx="1407758" cy="369332"/>
+          </a:xfrm>
+          <a:prstGeom prst="rect">
+            <a:avLst/>
+          </a:prstGeom>
+          <a:noFill/>
+        </p:spPr>
+        <p:txBody>
+          <a:bodyPr wrap="none" rtlCol="0">
+            <a:spAutoFit/>
+          </a:bodyPr>
+          <a:lstStyle/>
+          <a:p>
+            <a:r>
+              <a:rPr lang="hu-HU" dirty="0"/>
+              <a:t>Célfüggvény</a:t>
+            </a:r>
+          </a:p>
+        </p:txBody>
+      </p:sp>
+      <p:cxnSp>
+        <p:nvCxnSpPr>
+          <p:cNvPr id="23" name="Egyenes összekötő 22">
+            <a:extLst>
+              <a:ext uri="{FF2B5EF4-FFF2-40B4-BE49-F238E27FC236}">
+                <a16:creationId xmlns:a16="http://schemas.microsoft.com/office/drawing/2014/main" id="{27432BE1-A681-46A0-9165-7A5BF75E1661}"/>
+              </a:ext>
+            </a:extLst>
+          </p:cNvPr>
+          <p:cNvCxnSpPr/>
+          <p:nvPr/>
+        </p:nvCxnSpPr>
+        <p:spPr>
+          <a:xfrm>
+            <a:off x="345623" y="1842632"/>
+            <a:ext cx="3204839" cy="0"/>
+          </a:xfrm>
+          <a:prstGeom prst="line">
+            <a:avLst/>
+          </a:prstGeom>
+          <a:ln>
+            <a:solidFill>
+              <a:schemeClr val="tx1"/>
+            </a:solidFill>
+          </a:ln>
+        </p:spPr>
+        <p:style>
+          <a:lnRef idx="1">
+            <a:schemeClr val="accent1"/>
+          </a:lnRef>
+          <a:fillRef idx="0">
+            <a:schemeClr val="accent1"/>
+          </a:fillRef>
+          <a:effectRef idx="0">
+            <a:schemeClr val="accent1"/>
+          </a:effectRef>
+          <a:fontRef idx="minor">
+            <a:schemeClr val="tx1"/>
+          </a:fontRef>
+        </p:style>
+      </p:cxnSp>
     </p:spTree>
     <p:extLst>
       <p:ext uri="{BB962C8B-B14F-4D97-AF65-F5344CB8AC3E}">
-        <p14:creationId xmlns:p14="http://schemas.microsoft.com/office/powerpoint/2010/main" val="3102704677"/>
+        <p14:creationId xmlns:p14="http://schemas.microsoft.com/office/powerpoint/2010/main" val="3255740786"/>
       </p:ext>
     </p:extLst>
   </p:cSld>
@@ -8056,10 +12604,10 @@
       </p:grpSpPr>
       <p:sp>
         <p:nvSpPr>
-          <p:cNvPr id="2" name="Cím 1">
+          <p:cNvPr id="3" name="Tartalom helye 2">
             <a:extLst>
               <a:ext uri="{FF2B5EF4-FFF2-40B4-BE49-F238E27FC236}">
-                <a16:creationId xmlns:a16="http://schemas.microsoft.com/office/drawing/2014/main" id="{20B2DC86-3F3D-4CA3-82ED-2CDF18F5F586}"/>
+                <a16:creationId xmlns:a16="http://schemas.microsoft.com/office/drawing/2014/main" id="{6C448583-FC5E-4CA4-893B-0B863384A51E}"/>
               </a:ext>
             </a:extLst>
           </p:cNvPr>
@@ -8067,37 +12615,7 @@
             <a:spLocks noGrp="1"/>
           </p:cNvSpPr>
           <p:nvPr>
-            <p:ph type="title"/>
-          </p:nvPr>
-        </p:nvSpPr>
-        <p:spPr/>
-        <p:txBody>
-          <a:bodyPr>
-            <a:normAutofit/>
-          </a:bodyPr>
-          <a:lstStyle/>
-          <a:p>
-            <a:r>
-              <a:rPr lang="hu-HU" dirty="0"/>
-              <a:t>Összefoglalás</a:t>
-            </a:r>
-          </a:p>
-        </p:txBody>
-      </p:sp>
-      <p:sp>
-        <p:nvSpPr>
-          <p:cNvPr id="4" name="Szöveg helye 3">
-            <a:extLst>
-              <a:ext uri="{FF2B5EF4-FFF2-40B4-BE49-F238E27FC236}">
-                <a16:creationId xmlns:a16="http://schemas.microsoft.com/office/drawing/2014/main" id="{71C8CD52-6A56-4732-BEBA-7111FFE8FFE9}"/>
-              </a:ext>
-            </a:extLst>
-          </p:cNvPr>
-          <p:cNvSpPr>
-            <a:spLocks noGrp="1"/>
-          </p:cNvSpPr>
-          <p:nvPr>
-            <p:ph type="body" idx="1"/>
+            <p:ph idx="1"/>
           </p:nvPr>
         </p:nvSpPr>
         <p:spPr/>
@@ -8107,203 +12625,17 @@
           <a:p>
             <a:r>
               <a:rPr lang="hu-HU" dirty="0"/>
-              <a:t>Megvalósított feladatok</a:t>
+              <a:t>Az algoritmus megoldása optimális.</a:t>
             </a:r>
           </a:p>
         </p:txBody>
       </p:sp>
       <p:sp>
         <p:nvSpPr>
-          <p:cNvPr id="3" name="Tartalom helye 2">
+          <p:cNvPr id="4" name="Dia számának helye 3">
             <a:extLst>
               <a:ext uri="{FF2B5EF4-FFF2-40B4-BE49-F238E27FC236}">
-                <a16:creationId xmlns:a16="http://schemas.microsoft.com/office/drawing/2014/main" id="{25B0A39B-1514-424C-B373-69AE34C75AC2}"/>
-              </a:ext>
-            </a:extLst>
-          </p:cNvPr>
-          <p:cNvSpPr>
-            <a:spLocks noGrp="1"/>
-          </p:cNvSpPr>
-          <p:nvPr>
-            <p:ph sz="half" idx="2"/>
-          </p:nvPr>
-        </p:nvSpPr>
-        <p:spPr>
-          <a:xfrm>
-            <a:off x="1005872" y="2534194"/>
-            <a:ext cx="4876344" cy="3257006"/>
-          </a:xfrm>
-        </p:spPr>
-        <p:txBody>
-          <a:bodyPr>
-            <a:normAutofit/>
-          </a:bodyPr>
-          <a:lstStyle/>
-          <a:p>
-            <a:r>
-              <a:rPr lang="hu-HU" dirty="0"/>
-              <a:t>Felhasználói felület elkészítése</a:t>
-            </a:r>
-          </a:p>
-          <a:p>
-            <a:r>
-              <a:rPr lang="hu-HU" dirty="0"/>
-              <a:t>Adatok kezelése és tárolása</a:t>
-            </a:r>
-          </a:p>
-          <a:p>
-            <a:r>
-              <a:rPr lang="hu-HU" dirty="0"/>
-              <a:t>Dinamikus terem készítés</a:t>
-            </a:r>
-          </a:p>
-          <a:p>
-            <a:r>
-              <a:rPr lang="hu-HU" dirty="0"/>
-              <a:t>Egészségügyi szabályoknak megfelelő kritériumok implementálása</a:t>
-            </a:r>
-          </a:p>
-          <a:p>
-            <a:r>
-              <a:rPr lang="hu-HU" dirty="0"/>
-              <a:t>Felhasználói interakciók elkészítése</a:t>
-            </a:r>
-          </a:p>
-          <a:p>
-            <a:r>
-              <a:rPr lang="hu-HU" dirty="0"/>
-              <a:t>Gépi megoldók elkészítése</a:t>
-            </a:r>
-          </a:p>
-          <a:p>
-            <a:r>
-              <a:rPr lang="hu-HU" dirty="0"/>
-              <a:t>Dokumentáció elkészítése</a:t>
-            </a:r>
-          </a:p>
-          <a:p>
-            <a:pPr lvl="1"/>
-            <a:endParaRPr lang="hu-HU" dirty="0"/>
-          </a:p>
-        </p:txBody>
-      </p:sp>
-      <p:sp>
-        <p:nvSpPr>
-          <p:cNvPr id="5" name="Szöveg helye 4">
-            <a:extLst>
-              <a:ext uri="{FF2B5EF4-FFF2-40B4-BE49-F238E27FC236}">
-                <a16:creationId xmlns:a16="http://schemas.microsoft.com/office/drawing/2014/main" id="{DEC0F4A2-5A62-4012-86AE-B438ECBE63D5}"/>
-              </a:ext>
-            </a:extLst>
-          </p:cNvPr>
-          <p:cNvSpPr>
-            <a:spLocks noGrp="1"/>
-          </p:cNvSpPr>
-          <p:nvPr>
-            <p:ph type="body" sz="quarter" idx="3"/>
-          </p:nvPr>
-        </p:nvSpPr>
-        <p:spPr/>
-        <p:txBody>
-          <a:bodyPr/>
-          <a:lstStyle/>
-          <a:p>
-            <a:r>
-              <a:rPr lang="hu-HU" dirty="0"/>
-              <a:t>Gépi megoldók</a:t>
-            </a:r>
-          </a:p>
-        </p:txBody>
-      </p:sp>
-      <p:sp>
-        <p:nvSpPr>
-          <p:cNvPr id="6" name="Tartalom helye 5">
-            <a:extLst>
-              <a:ext uri="{FF2B5EF4-FFF2-40B4-BE49-F238E27FC236}">
-                <a16:creationId xmlns:a16="http://schemas.microsoft.com/office/drawing/2014/main" id="{A5BC0CE9-1602-4A20-987D-C72BD80E86E1}"/>
-              </a:ext>
-            </a:extLst>
-          </p:cNvPr>
-          <p:cNvSpPr>
-            <a:spLocks noGrp="1"/>
-          </p:cNvSpPr>
-          <p:nvPr>
-            <p:ph sz="quarter" idx="4"/>
-          </p:nvPr>
-        </p:nvSpPr>
-        <p:spPr>
-          <a:xfrm>
-            <a:off x="6294967" y="2534194"/>
-            <a:ext cx="4895330" cy="3257006"/>
-          </a:xfrm>
-        </p:spPr>
-        <p:txBody>
-          <a:bodyPr>
-            <a:normAutofit/>
-          </a:bodyPr>
-          <a:lstStyle/>
-          <a:p>
-            <a:r>
-              <a:rPr lang="hu-HU" dirty="0"/>
-              <a:t>Mohó algoritmus</a:t>
-            </a:r>
-          </a:p>
-          <a:p>
-            <a:r>
-              <a:rPr lang="hu-HU" dirty="0"/>
-              <a:t>Genetikus algoritmus</a:t>
-            </a:r>
-          </a:p>
-          <a:p>
-            <a:r>
-              <a:rPr lang="hu-HU" dirty="0"/>
-              <a:t>LP megoldó</a:t>
-            </a:r>
-          </a:p>
-        </p:txBody>
-      </p:sp>
-      <p:sp>
-        <p:nvSpPr>
-          <p:cNvPr id="7" name="Szövegdoboz 6">
-            <a:extLst>
-              <a:ext uri="{FF2B5EF4-FFF2-40B4-BE49-F238E27FC236}">
-                <a16:creationId xmlns:a16="http://schemas.microsoft.com/office/drawing/2014/main" id="{8710AFE4-5CCF-4751-B17C-98B3228BCF7B}"/>
-              </a:ext>
-            </a:extLst>
-          </p:cNvPr>
-          <p:cNvSpPr txBox="1"/>
-          <p:nvPr/>
-        </p:nvSpPr>
-        <p:spPr>
-          <a:xfrm>
-            <a:off x="2425337" y="5893005"/>
-            <a:ext cx="7341325" cy="584775"/>
-          </a:xfrm>
-          <a:prstGeom prst="rect">
-            <a:avLst/>
-          </a:prstGeom>
-          <a:noFill/>
-        </p:spPr>
-        <p:txBody>
-          <a:bodyPr wrap="square" rtlCol="0">
-            <a:spAutoFit/>
-          </a:bodyPr>
-          <a:lstStyle/>
-          <a:p>
-            <a:pPr algn="ctr"/>
-            <a:r>
-              <a:rPr lang="hu-HU" sz="3200" dirty="0"/>
-              <a:t>Köszönjük a figyelmet!</a:t>
-            </a:r>
-          </a:p>
-        </p:txBody>
-      </p:sp>
-      <p:sp>
-        <p:nvSpPr>
-          <p:cNvPr id="8" name="Dia számának helye 7">
-            <a:extLst>
-              <a:ext uri="{FF2B5EF4-FFF2-40B4-BE49-F238E27FC236}">
-                <a16:creationId xmlns:a16="http://schemas.microsoft.com/office/drawing/2014/main" id="{73A67A14-0323-4C8C-83E4-E42557D19DC0}"/>
+                <a16:creationId xmlns:a16="http://schemas.microsoft.com/office/drawing/2014/main" id="{788255FF-061C-465A-A277-7A07B269162C}"/>
               </a:ext>
             </a:extLst>
           </p:cNvPr>
@@ -8321,111 +12653,3856 @@
           <a:p>
             <a:fld id="{1BEE3749-361D-47A0-8538-EBB5B911DD9B}" type="slidenum">
               <a:rPr lang="hu-HU" smtClean="0"/>
+              <a:pPr/>
               <a:t>8</a:t>
             </a:fld>
+            <a:endParaRPr lang="hu-HU"/>
+          </a:p>
+        </p:txBody>
+      </p:sp>
+      <p:sp>
+        <p:nvSpPr>
+          <p:cNvPr id="5" name="Cím 1">
+            <a:extLst>
+              <a:ext uri="{FF2B5EF4-FFF2-40B4-BE49-F238E27FC236}">
+                <a16:creationId xmlns:a16="http://schemas.microsoft.com/office/drawing/2014/main" id="{13DEAD57-1C98-4276-B9C6-222A47D37D71}"/>
+              </a:ext>
+            </a:extLst>
+          </p:cNvPr>
+          <p:cNvSpPr>
+            <a:spLocks noGrp="1"/>
+          </p:cNvSpPr>
+          <p:nvPr>
+            <p:ph type="title"/>
+          </p:nvPr>
+        </p:nvSpPr>
+        <p:spPr>
+          <a:xfrm>
+            <a:off x="913795" y="609600"/>
+            <a:ext cx="10353762" cy="970450"/>
+          </a:xfrm>
+        </p:spPr>
+        <p:txBody>
+          <a:bodyPr/>
+          <a:lstStyle/>
+          <a:p>
             <a:r>
               <a:rPr lang="hu-HU" dirty="0"/>
-              <a:t>/10</a:t>
+              <a:t>LP megoldó</a:t>
             </a:r>
           </a:p>
         </p:txBody>
       </p:sp>
+      <p:sp>
+        <p:nvSpPr>
+          <p:cNvPr id="6" name="Szövegdoboz 5">
+            <a:extLst>
+              <a:ext uri="{FF2B5EF4-FFF2-40B4-BE49-F238E27FC236}">
+                <a16:creationId xmlns:a16="http://schemas.microsoft.com/office/drawing/2014/main" id="{423FBA2F-E10A-4EE8-8962-F3F9710D20B9}"/>
+              </a:ext>
+            </a:extLst>
+          </p:cNvPr>
+          <p:cNvSpPr txBox="1"/>
+          <p:nvPr/>
+        </p:nvSpPr>
+        <p:spPr>
+          <a:xfrm>
+            <a:off x="1273858" y="2335222"/>
+            <a:ext cx="1627818" cy="646331"/>
+          </a:xfrm>
+          <a:prstGeom prst="rect">
+            <a:avLst/>
+          </a:prstGeom>
+          <a:noFill/>
+        </p:spPr>
+        <p:txBody>
+          <a:bodyPr wrap="none" rtlCol="0">
+            <a:spAutoFit/>
+          </a:bodyPr>
+          <a:lstStyle/>
+          <a:p>
+            <a:r>
+              <a:rPr lang="en-US" dirty="0"/>
+              <a:t>Status: Optimal</a:t>
+            </a:r>
+          </a:p>
+          <a:p>
+            <a:r>
+              <a:rPr lang="en-US" dirty="0"/>
+              <a:t>Obj Value: 5</a:t>
+            </a:r>
+          </a:p>
+        </p:txBody>
+      </p:sp>
+      <p:grpSp>
+        <p:nvGrpSpPr>
+          <p:cNvPr id="7" name="Csoportba foglalás 6">
+            <a:extLst>
+              <a:ext uri="{FF2B5EF4-FFF2-40B4-BE49-F238E27FC236}">
+                <a16:creationId xmlns:a16="http://schemas.microsoft.com/office/drawing/2014/main" id="{55F695F1-B264-4100-8F53-BF08D20CF4BC}"/>
+              </a:ext>
+            </a:extLst>
+          </p:cNvPr>
+          <p:cNvGrpSpPr>
+            <a:grpSpLocks noChangeAspect="1"/>
+          </p:cNvGrpSpPr>
+          <p:nvPr/>
+        </p:nvGrpSpPr>
+        <p:grpSpPr>
+          <a:xfrm>
+            <a:off x="2004440" y="2724157"/>
+            <a:ext cx="5112492" cy="3519558"/>
+            <a:chOff x="1570072" y="1876262"/>
+            <a:chExt cx="5931559" cy="4083423"/>
+          </a:xfrm>
+        </p:grpSpPr>
+        <p:sp>
+          <p:nvSpPr>
+            <p:cNvPr id="8" name="Téglalap 7">
+              <a:extLst>
+                <a:ext uri="{FF2B5EF4-FFF2-40B4-BE49-F238E27FC236}">
+                  <a16:creationId xmlns:a16="http://schemas.microsoft.com/office/drawing/2014/main" id="{ED5C40DE-DFCB-4B2A-9A85-F4C2AD05A37E}"/>
+                </a:ext>
+              </a:extLst>
+            </p:cNvPr>
+            <p:cNvSpPr/>
+            <p:nvPr/>
+          </p:nvSpPr>
+          <p:spPr>
+            <a:xfrm>
+              <a:off x="2015231" y="3213159"/>
+              <a:ext cx="914400" cy="914400"/>
+            </a:xfrm>
+            <a:prstGeom prst="rect">
+              <a:avLst/>
+            </a:prstGeom>
+            <a:solidFill>
+              <a:srgbClr val="92D050"/>
+            </a:solidFill>
+            <a:ln>
+              <a:solidFill>
+                <a:schemeClr val="bg1"/>
+              </a:solidFill>
+            </a:ln>
+          </p:spPr>
+          <p:style>
+            <a:lnRef idx="2">
+              <a:schemeClr val="accent1">
+                <a:shade val="50000"/>
+              </a:schemeClr>
+            </a:lnRef>
+            <a:fillRef idx="1">
+              <a:schemeClr val="accent1"/>
+            </a:fillRef>
+            <a:effectRef idx="0">
+              <a:schemeClr val="accent1"/>
+            </a:effectRef>
+            <a:fontRef idx="minor">
+              <a:schemeClr val="lt1"/>
+            </a:fontRef>
+          </p:style>
+          <p:txBody>
+            <a:bodyPr rtlCol="0" anchor="ctr"/>
+            <a:lstStyle/>
+            <a:p>
+              <a:pPr algn="ctr"/>
+              <a:r>
+                <a:rPr lang="hu-HU" dirty="0"/>
+                <a:t>2</a:t>
+              </a:r>
+            </a:p>
+          </p:txBody>
+        </p:sp>
+        <p:sp>
+          <p:nvSpPr>
+            <p:cNvPr id="9" name="Téglalap 8">
+              <a:extLst>
+                <a:ext uri="{FF2B5EF4-FFF2-40B4-BE49-F238E27FC236}">
+                  <a16:creationId xmlns:a16="http://schemas.microsoft.com/office/drawing/2014/main" id="{4E5D4C35-35A5-4961-B3B0-C5345D38849A}"/>
+                </a:ext>
+              </a:extLst>
+            </p:cNvPr>
+            <p:cNvSpPr/>
+            <p:nvPr/>
+          </p:nvSpPr>
+          <p:spPr>
+            <a:xfrm>
+              <a:off x="2929631" y="3213159"/>
+              <a:ext cx="914400" cy="914400"/>
+            </a:xfrm>
+            <a:prstGeom prst="rect">
+              <a:avLst/>
+            </a:prstGeom>
+            <a:solidFill>
+              <a:schemeClr val="tx1"/>
+            </a:solidFill>
+            <a:ln>
+              <a:solidFill>
+                <a:schemeClr val="bg1"/>
+              </a:solidFill>
+            </a:ln>
+          </p:spPr>
+          <p:style>
+            <a:lnRef idx="2">
+              <a:schemeClr val="accent1">
+                <a:shade val="50000"/>
+              </a:schemeClr>
+            </a:lnRef>
+            <a:fillRef idx="1">
+              <a:schemeClr val="accent1"/>
+            </a:fillRef>
+            <a:effectRef idx="0">
+              <a:schemeClr val="accent1"/>
+            </a:effectRef>
+            <a:fontRef idx="minor">
+              <a:schemeClr val="lt1"/>
+            </a:fontRef>
+          </p:style>
+          <p:txBody>
+            <a:bodyPr rtlCol="0" anchor="ctr"/>
+            <a:lstStyle/>
+            <a:p>
+              <a:pPr algn="ctr"/>
+              <a:r>
+                <a:rPr lang="hu-HU" dirty="0">
+                  <a:solidFill>
+                    <a:schemeClr val="bg1"/>
+                  </a:solidFill>
+                </a:rPr>
+                <a:t>0</a:t>
+              </a:r>
+            </a:p>
+          </p:txBody>
+        </p:sp>
+        <p:sp>
+          <p:nvSpPr>
+            <p:cNvPr id="10" name="Téglalap 9">
+              <a:extLst>
+                <a:ext uri="{FF2B5EF4-FFF2-40B4-BE49-F238E27FC236}">
+                  <a16:creationId xmlns:a16="http://schemas.microsoft.com/office/drawing/2014/main" id="{59E5B2C6-9B16-4DB9-82D9-6D60BE0D84B2}"/>
+                </a:ext>
+              </a:extLst>
+            </p:cNvPr>
+            <p:cNvSpPr/>
+            <p:nvPr/>
+          </p:nvSpPr>
+          <p:spPr>
+            <a:xfrm>
+              <a:off x="3844031" y="3215936"/>
+              <a:ext cx="914400" cy="914400"/>
+            </a:xfrm>
+            <a:prstGeom prst="rect">
+              <a:avLst/>
+            </a:prstGeom>
+            <a:solidFill>
+              <a:schemeClr val="tx1"/>
+            </a:solidFill>
+            <a:ln>
+              <a:solidFill>
+                <a:schemeClr val="bg1"/>
+              </a:solidFill>
+            </a:ln>
+          </p:spPr>
+          <p:style>
+            <a:lnRef idx="2">
+              <a:schemeClr val="accent1">
+                <a:shade val="50000"/>
+              </a:schemeClr>
+            </a:lnRef>
+            <a:fillRef idx="1">
+              <a:schemeClr val="accent1"/>
+            </a:fillRef>
+            <a:effectRef idx="0">
+              <a:schemeClr val="accent1"/>
+            </a:effectRef>
+            <a:fontRef idx="minor">
+              <a:schemeClr val="lt1"/>
+            </a:fontRef>
+          </p:style>
+          <p:txBody>
+            <a:bodyPr rtlCol="0" anchor="ctr"/>
+            <a:lstStyle/>
+            <a:p>
+              <a:pPr algn="ctr"/>
+              <a:r>
+                <a:rPr lang="hu-HU" dirty="0">
+                  <a:solidFill>
+                    <a:schemeClr val="bg1"/>
+                  </a:solidFill>
+                </a:rPr>
+                <a:t>1</a:t>
+              </a:r>
+            </a:p>
+          </p:txBody>
+        </p:sp>
+        <p:sp>
+          <p:nvSpPr>
+            <p:cNvPr id="11" name="Téglalap 10">
+              <a:extLst>
+                <a:ext uri="{FF2B5EF4-FFF2-40B4-BE49-F238E27FC236}">
+                  <a16:creationId xmlns:a16="http://schemas.microsoft.com/office/drawing/2014/main" id="{C3174DBA-3EB2-40D8-810D-84834FBB1F8A}"/>
+                </a:ext>
+              </a:extLst>
+            </p:cNvPr>
+            <p:cNvSpPr/>
+            <p:nvPr/>
+          </p:nvSpPr>
+          <p:spPr>
+            <a:xfrm>
+              <a:off x="4758431" y="3215936"/>
+              <a:ext cx="914400" cy="914400"/>
+            </a:xfrm>
+            <a:prstGeom prst="rect">
+              <a:avLst/>
+            </a:prstGeom>
+            <a:solidFill>
+              <a:schemeClr val="tx1"/>
+            </a:solidFill>
+            <a:ln>
+              <a:solidFill>
+                <a:schemeClr val="bg1"/>
+              </a:solidFill>
+            </a:ln>
+          </p:spPr>
+          <p:style>
+            <a:lnRef idx="2">
+              <a:schemeClr val="accent1">
+                <a:shade val="50000"/>
+              </a:schemeClr>
+            </a:lnRef>
+            <a:fillRef idx="1">
+              <a:schemeClr val="accent1"/>
+            </a:fillRef>
+            <a:effectRef idx="0">
+              <a:schemeClr val="accent1"/>
+            </a:effectRef>
+            <a:fontRef idx="minor">
+              <a:schemeClr val="lt1"/>
+            </a:fontRef>
+          </p:style>
+          <p:txBody>
+            <a:bodyPr rtlCol="0" anchor="ctr"/>
+            <a:lstStyle/>
+            <a:p>
+              <a:pPr algn="ctr"/>
+              <a:r>
+                <a:rPr lang="hu-HU" dirty="0">
+                  <a:solidFill>
+                    <a:schemeClr val="bg1"/>
+                  </a:solidFill>
+                </a:rPr>
+                <a:t>0</a:t>
+              </a:r>
+            </a:p>
+          </p:txBody>
+        </p:sp>
+        <p:sp>
+          <p:nvSpPr>
+            <p:cNvPr id="12" name="Téglalap 11">
+              <a:extLst>
+                <a:ext uri="{FF2B5EF4-FFF2-40B4-BE49-F238E27FC236}">
+                  <a16:creationId xmlns:a16="http://schemas.microsoft.com/office/drawing/2014/main" id="{02DB7BC0-E552-4257-9B2B-6A01B616962A}"/>
+                </a:ext>
+              </a:extLst>
+            </p:cNvPr>
+            <p:cNvSpPr/>
+            <p:nvPr/>
+          </p:nvSpPr>
+          <p:spPr>
+            <a:xfrm>
+              <a:off x="5672831" y="3213159"/>
+              <a:ext cx="914400" cy="914400"/>
+            </a:xfrm>
+            <a:prstGeom prst="rect">
+              <a:avLst/>
+            </a:prstGeom>
+            <a:solidFill>
+              <a:schemeClr val="tx1"/>
+            </a:solidFill>
+            <a:ln>
+              <a:solidFill>
+                <a:schemeClr val="bg1"/>
+              </a:solidFill>
+            </a:ln>
+          </p:spPr>
+          <p:style>
+            <a:lnRef idx="2">
+              <a:schemeClr val="accent1">
+                <a:shade val="50000"/>
+              </a:schemeClr>
+            </a:lnRef>
+            <a:fillRef idx="1">
+              <a:schemeClr val="accent1"/>
+            </a:fillRef>
+            <a:effectRef idx="0">
+              <a:schemeClr val="accent1"/>
+            </a:effectRef>
+            <a:fontRef idx="minor">
+              <a:schemeClr val="lt1"/>
+            </a:fontRef>
+          </p:style>
+          <p:txBody>
+            <a:bodyPr rtlCol="0" anchor="ctr"/>
+            <a:lstStyle/>
+            <a:p>
+              <a:pPr algn="ctr"/>
+              <a:r>
+                <a:rPr lang="hu-HU" dirty="0">
+                  <a:solidFill>
+                    <a:schemeClr val="bg1"/>
+                  </a:solidFill>
+                </a:rPr>
+                <a:t>0</a:t>
+              </a:r>
+            </a:p>
+          </p:txBody>
+        </p:sp>
+        <p:sp>
+          <p:nvSpPr>
+            <p:cNvPr id="13" name="Téglalap 12">
+              <a:extLst>
+                <a:ext uri="{FF2B5EF4-FFF2-40B4-BE49-F238E27FC236}">
+                  <a16:creationId xmlns:a16="http://schemas.microsoft.com/office/drawing/2014/main" id="{CC5210FB-2CF7-45D3-AF75-F5CAD5CC9BFC}"/>
+                </a:ext>
+              </a:extLst>
+            </p:cNvPr>
+            <p:cNvSpPr/>
+            <p:nvPr/>
+          </p:nvSpPr>
+          <p:spPr>
+            <a:xfrm>
+              <a:off x="6587231" y="3213159"/>
+              <a:ext cx="914400" cy="914400"/>
+            </a:xfrm>
+            <a:prstGeom prst="rect">
+              <a:avLst/>
+            </a:prstGeom>
+            <a:solidFill>
+              <a:schemeClr val="tx1"/>
+            </a:solidFill>
+            <a:ln>
+              <a:solidFill>
+                <a:schemeClr val="bg1"/>
+              </a:solidFill>
+            </a:ln>
+          </p:spPr>
+          <p:style>
+            <a:lnRef idx="2">
+              <a:schemeClr val="accent1">
+                <a:shade val="50000"/>
+              </a:schemeClr>
+            </a:lnRef>
+            <a:fillRef idx="1">
+              <a:schemeClr val="accent1"/>
+            </a:fillRef>
+            <a:effectRef idx="0">
+              <a:schemeClr val="accent1"/>
+            </a:effectRef>
+            <a:fontRef idx="minor">
+              <a:schemeClr val="lt1"/>
+            </a:fontRef>
+          </p:style>
+          <p:txBody>
+            <a:bodyPr rtlCol="0" anchor="ctr"/>
+            <a:lstStyle/>
+            <a:p>
+              <a:pPr algn="ctr"/>
+              <a:r>
+                <a:rPr lang="hu-HU" dirty="0">
+                  <a:solidFill>
+                    <a:schemeClr val="bg1"/>
+                  </a:solidFill>
+                </a:rPr>
+                <a:t>0</a:t>
+              </a:r>
+            </a:p>
+          </p:txBody>
+        </p:sp>
+        <p:sp>
+          <p:nvSpPr>
+            <p:cNvPr id="14" name="Téglalap 13">
+              <a:extLst>
+                <a:ext uri="{FF2B5EF4-FFF2-40B4-BE49-F238E27FC236}">
+                  <a16:creationId xmlns:a16="http://schemas.microsoft.com/office/drawing/2014/main" id="{7F3CC8B9-2409-4EB6-BF3B-36896AB3F21A}"/>
+                </a:ext>
+              </a:extLst>
+            </p:cNvPr>
+            <p:cNvSpPr/>
+            <p:nvPr/>
+          </p:nvSpPr>
+          <p:spPr>
+            <a:xfrm>
+              <a:off x="2015231" y="4126445"/>
+              <a:ext cx="914400" cy="914400"/>
+            </a:xfrm>
+            <a:prstGeom prst="rect">
+              <a:avLst/>
+            </a:prstGeom>
+            <a:solidFill>
+              <a:srgbClr val="92D050"/>
+            </a:solidFill>
+            <a:ln>
+              <a:solidFill>
+                <a:schemeClr val="bg1"/>
+              </a:solidFill>
+            </a:ln>
+          </p:spPr>
+          <p:style>
+            <a:lnRef idx="2">
+              <a:schemeClr val="accent1">
+                <a:shade val="50000"/>
+              </a:schemeClr>
+            </a:lnRef>
+            <a:fillRef idx="1">
+              <a:schemeClr val="accent1"/>
+            </a:fillRef>
+            <a:effectRef idx="0">
+              <a:schemeClr val="accent1"/>
+            </a:effectRef>
+            <a:fontRef idx="minor">
+              <a:schemeClr val="lt1"/>
+            </a:fontRef>
+          </p:style>
+          <p:txBody>
+            <a:bodyPr rtlCol="0" anchor="ctr"/>
+            <a:lstStyle/>
+            <a:p>
+              <a:pPr algn="ctr"/>
+              <a:r>
+                <a:rPr lang="hu-HU" dirty="0"/>
+                <a:t>3</a:t>
+              </a:r>
+            </a:p>
+          </p:txBody>
+        </p:sp>
+        <p:sp>
+          <p:nvSpPr>
+            <p:cNvPr id="15" name="Téglalap 14">
+              <a:extLst>
+                <a:ext uri="{FF2B5EF4-FFF2-40B4-BE49-F238E27FC236}">
+                  <a16:creationId xmlns:a16="http://schemas.microsoft.com/office/drawing/2014/main" id="{A60B63B9-16EC-4D7A-9E2C-03BF9767ABC8}"/>
+                </a:ext>
+              </a:extLst>
+            </p:cNvPr>
+            <p:cNvSpPr/>
+            <p:nvPr/>
+          </p:nvSpPr>
+          <p:spPr>
+            <a:xfrm>
+              <a:off x="2929631" y="4126445"/>
+              <a:ext cx="914400" cy="914400"/>
+            </a:xfrm>
+            <a:prstGeom prst="rect">
+              <a:avLst/>
+            </a:prstGeom>
+            <a:solidFill>
+              <a:schemeClr val="tx1"/>
+            </a:solidFill>
+            <a:ln>
+              <a:solidFill>
+                <a:schemeClr val="bg1"/>
+              </a:solidFill>
+            </a:ln>
+          </p:spPr>
+          <p:style>
+            <a:lnRef idx="2">
+              <a:schemeClr val="accent1">
+                <a:shade val="50000"/>
+              </a:schemeClr>
+            </a:lnRef>
+            <a:fillRef idx="1">
+              <a:schemeClr val="accent1"/>
+            </a:fillRef>
+            <a:effectRef idx="0">
+              <a:schemeClr val="accent1"/>
+            </a:effectRef>
+            <a:fontRef idx="minor">
+              <a:schemeClr val="lt1"/>
+            </a:fontRef>
+          </p:style>
+          <p:txBody>
+            <a:bodyPr rtlCol="0" anchor="ctr"/>
+            <a:lstStyle/>
+            <a:p>
+              <a:pPr algn="ctr"/>
+              <a:r>
+                <a:rPr lang="hu-HU" dirty="0">
+                  <a:solidFill>
+                    <a:schemeClr val="bg1"/>
+                  </a:solidFill>
+                </a:rPr>
+                <a:t>0</a:t>
+              </a:r>
+            </a:p>
+          </p:txBody>
+        </p:sp>
+        <p:sp>
+          <p:nvSpPr>
+            <p:cNvPr id="16" name="Téglalap 15">
+              <a:extLst>
+                <a:ext uri="{FF2B5EF4-FFF2-40B4-BE49-F238E27FC236}">
+                  <a16:creationId xmlns:a16="http://schemas.microsoft.com/office/drawing/2014/main" id="{286AAF54-3942-4E8B-A679-6B5C10FC8706}"/>
+                </a:ext>
+              </a:extLst>
+            </p:cNvPr>
+            <p:cNvSpPr/>
+            <p:nvPr/>
+          </p:nvSpPr>
+          <p:spPr>
+            <a:xfrm>
+              <a:off x="3844031" y="4129222"/>
+              <a:ext cx="914400" cy="914400"/>
+            </a:xfrm>
+            <a:prstGeom prst="rect">
+              <a:avLst/>
+            </a:prstGeom>
+            <a:solidFill>
+              <a:schemeClr val="tx1"/>
+            </a:solidFill>
+            <a:ln>
+              <a:solidFill>
+                <a:schemeClr val="bg1"/>
+              </a:solidFill>
+            </a:ln>
+          </p:spPr>
+          <p:style>
+            <a:lnRef idx="2">
+              <a:schemeClr val="accent1">
+                <a:shade val="50000"/>
+              </a:schemeClr>
+            </a:lnRef>
+            <a:fillRef idx="1">
+              <a:schemeClr val="accent1"/>
+            </a:fillRef>
+            <a:effectRef idx="0">
+              <a:schemeClr val="accent1"/>
+            </a:effectRef>
+            <a:fontRef idx="minor">
+              <a:schemeClr val="lt1"/>
+            </a:fontRef>
+          </p:style>
+          <p:txBody>
+            <a:bodyPr rtlCol="0" anchor="ctr"/>
+            <a:lstStyle/>
+            <a:p>
+              <a:pPr algn="ctr"/>
+              <a:r>
+                <a:rPr lang="hu-HU" dirty="0">
+                  <a:solidFill>
+                    <a:schemeClr val="bg1"/>
+                  </a:solidFill>
+                </a:rPr>
+                <a:t>0</a:t>
+              </a:r>
+            </a:p>
+          </p:txBody>
+        </p:sp>
+        <p:sp>
+          <p:nvSpPr>
+            <p:cNvPr id="17" name="Téglalap 16">
+              <a:extLst>
+                <a:ext uri="{FF2B5EF4-FFF2-40B4-BE49-F238E27FC236}">
+                  <a16:creationId xmlns:a16="http://schemas.microsoft.com/office/drawing/2014/main" id="{00F2A90E-46EA-4FE3-BE76-85F21FA2C3FA}"/>
+                </a:ext>
+              </a:extLst>
+            </p:cNvPr>
+            <p:cNvSpPr/>
+            <p:nvPr/>
+          </p:nvSpPr>
+          <p:spPr>
+            <a:xfrm>
+              <a:off x="4758431" y="4129222"/>
+              <a:ext cx="914400" cy="914400"/>
+            </a:xfrm>
+            <a:prstGeom prst="rect">
+              <a:avLst/>
+            </a:prstGeom>
+            <a:solidFill>
+              <a:schemeClr val="tx1"/>
+            </a:solidFill>
+            <a:ln>
+              <a:solidFill>
+                <a:schemeClr val="bg1"/>
+              </a:solidFill>
+            </a:ln>
+          </p:spPr>
+          <p:style>
+            <a:lnRef idx="2">
+              <a:schemeClr val="accent1">
+                <a:shade val="50000"/>
+              </a:schemeClr>
+            </a:lnRef>
+            <a:fillRef idx="1">
+              <a:schemeClr val="accent1"/>
+            </a:fillRef>
+            <a:effectRef idx="0">
+              <a:schemeClr val="accent1"/>
+            </a:effectRef>
+            <a:fontRef idx="minor">
+              <a:schemeClr val="lt1"/>
+            </a:fontRef>
+          </p:style>
+          <p:txBody>
+            <a:bodyPr rtlCol="0" anchor="ctr"/>
+            <a:lstStyle/>
+            <a:p>
+              <a:pPr algn="ctr"/>
+              <a:r>
+                <a:rPr lang="hu-HU" dirty="0">
+                  <a:solidFill>
+                    <a:schemeClr val="bg1"/>
+                  </a:solidFill>
+                </a:rPr>
+                <a:t>0</a:t>
+              </a:r>
+            </a:p>
+          </p:txBody>
+        </p:sp>
+        <p:sp>
+          <p:nvSpPr>
+            <p:cNvPr id="18" name="Téglalap 17">
+              <a:extLst>
+                <a:ext uri="{FF2B5EF4-FFF2-40B4-BE49-F238E27FC236}">
+                  <a16:creationId xmlns:a16="http://schemas.microsoft.com/office/drawing/2014/main" id="{5333C7D4-CB8F-45EF-BAB3-47D00FE1E853}"/>
+                </a:ext>
+              </a:extLst>
+            </p:cNvPr>
+            <p:cNvSpPr/>
+            <p:nvPr/>
+          </p:nvSpPr>
+          <p:spPr>
+            <a:xfrm>
+              <a:off x="5672831" y="4126445"/>
+              <a:ext cx="914400" cy="914400"/>
+            </a:xfrm>
+            <a:prstGeom prst="rect">
+              <a:avLst/>
+            </a:prstGeom>
+            <a:solidFill>
+              <a:schemeClr val="tx1"/>
+            </a:solidFill>
+            <a:ln>
+              <a:solidFill>
+                <a:schemeClr val="bg1"/>
+              </a:solidFill>
+            </a:ln>
+          </p:spPr>
+          <p:style>
+            <a:lnRef idx="2">
+              <a:schemeClr val="accent1">
+                <a:shade val="50000"/>
+              </a:schemeClr>
+            </a:lnRef>
+            <a:fillRef idx="1">
+              <a:schemeClr val="accent1"/>
+            </a:fillRef>
+            <a:effectRef idx="0">
+              <a:schemeClr val="accent1"/>
+            </a:effectRef>
+            <a:fontRef idx="minor">
+              <a:schemeClr val="lt1"/>
+            </a:fontRef>
+          </p:style>
+          <p:txBody>
+            <a:bodyPr rtlCol="0" anchor="ctr"/>
+            <a:lstStyle/>
+            <a:p>
+              <a:pPr algn="ctr"/>
+              <a:r>
+                <a:rPr lang="hu-HU" dirty="0">
+                  <a:solidFill>
+                    <a:schemeClr val="bg1"/>
+                  </a:solidFill>
+                </a:rPr>
+                <a:t>1</a:t>
+              </a:r>
+            </a:p>
+          </p:txBody>
+        </p:sp>
+        <p:sp>
+          <p:nvSpPr>
+            <p:cNvPr id="19" name="Téglalap 18">
+              <a:extLst>
+                <a:ext uri="{FF2B5EF4-FFF2-40B4-BE49-F238E27FC236}">
+                  <a16:creationId xmlns:a16="http://schemas.microsoft.com/office/drawing/2014/main" id="{EE275679-E48F-4FA1-90B0-40BDB87BD1BB}"/>
+                </a:ext>
+              </a:extLst>
+            </p:cNvPr>
+            <p:cNvSpPr/>
+            <p:nvPr/>
+          </p:nvSpPr>
+          <p:spPr>
+            <a:xfrm>
+              <a:off x="6587231" y="4126445"/>
+              <a:ext cx="914400" cy="914400"/>
+            </a:xfrm>
+            <a:prstGeom prst="rect">
+              <a:avLst/>
+            </a:prstGeom>
+            <a:solidFill>
+              <a:schemeClr val="tx1"/>
+            </a:solidFill>
+            <a:ln>
+              <a:solidFill>
+                <a:schemeClr val="bg1"/>
+              </a:solidFill>
+            </a:ln>
+          </p:spPr>
+          <p:style>
+            <a:lnRef idx="2">
+              <a:schemeClr val="accent1">
+                <a:shade val="50000"/>
+              </a:schemeClr>
+            </a:lnRef>
+            <a:fillRef idx="1">
+              <a:schemeClr val="accent1"/>
+            </a:fillRef>
+            <a:effectRef idx="0">
+              <a:schemeClr val="accent1"/>
+            </a:effectRef>
+            <a:fontRef idx="minor">
+              <a:schemeClr val="lt1"/>
+            </a:fontRef>
+          </p:style>
+          <p:txBody>
+            <a:bodyPr rtlCol="0" anchor="ctr"/>
+            <a:lstStyle/>
+            <a:p>
+              <a:pPr algn="ctr"/>
+              <a:r>
+                <a:rPr lang="hu-HU" dirty="0">
+                  <a:solidFill>
+                    <a:schemeClr val="bg1"/>
+                  </a:solidFill>
+                </a:rPr>
+                <a:t>1</a:t>
+              </a:r>
+            </a:p>
+          </p:txBody>
+        </p:sp>
+        <p:sp>
+          <p:nvSpPr>
+            <p:cNvPr id="20" name="Téglalap 19">
+              <a:extLst>
+                <a:ext uri="{FF2B5EF4-FFF2-40B4-BE49-F238E27FC236}">
+                  <a16:creationId xmlns:a16="http://schemas.microsoft.com/office/drawing/2014/main" id="{CBDDE97B-1B5E-4713-93FA-924A457AE4B9}"/>
+                </a:ext>
+              </a:extLst>
+            </p:cNvPr>
+            <p:cNvSpPr/>
+            <p:nvPr/>
+          </p:nvSpPr>
+          <p:spPr>
+            <a:xfrm>
+              <a:off x="2015231" y="5045285"/>
+              <a:ext cx="914400" cy="914400"/>
+            </a:xfrm>
+            <a:prstGeom prst="rect">
+              <a:avLst/>
+            </a:prstGeom>
+            <a:solidFill>
+              <a:srgbClr val="92D050"/>
+            </a:solidFill>
+            <a:ln>
+              <a:solidFill>
+                <a:schemeClr val="bg1"/>
+              </a:solidFill>
+            </a:ln>
+          </p:spPr>
+          <p:style>
+            <a:lnRef idx="2">
+              <a:schemeClr val="accent1">
+                <a:shade val="50000"/>
+              </a:schemeClr>
+            </a:lnRef>
+            <a:fillRef idx="1">
+              <a:schemeClr val="accent1"/>
+            </a:fillRef>
+            <a:effectRef idx="0">
+              <a:schemeClr val="accent1"/>
+            </a:effectRef>
+            <a:fontRef idx="minor">
+              <a:schemeClr val="lt1"/>
+            </a:fontRef>
+          </p:style>
+          <p:txBody>
+            <a:bodyPr rtlCol="0" anchor="ctr"/>
+            <a:lstStyle/>
+            <a:p>
+              <a:pPr algn="ctr"/>
+              <a:r>
+                <a:rPr lang="hu-HU" dirty="0"/>
+                <a:t>6</a:t>
+              </a:r>
+            </a:p>
+          </p:txBody>
+        </p:sp>
+        <p:sp>
+          <p:nvSpPr>
+            <p:cNvPr id="21" name="Téglalap 20">
+              <a:extLst>
+                <a:ext uri="{FF2B5EF4-FFF2-40B4-BE49-F238E27FC236}">
+                  <a16:creationId xmlns:a16="http://schemas.microsoft.com/office/drawing/2014/main" id="{8471FDAB-F463-46BE-9C56-1CB49716C300}"/>
+                </a:ext>
+              </a:extLst>
+            </p:cNvPr>
+            <p:cNvSpPr/>
+            <p:nvPr/>
+          </p:nvSpPr>
+          <p:spPr>
+            <a:xfrm>
+              <a:off x="2929631" y="5045285"/>
+              <a:ext cx="914400" cy="914400"/>
+            </a:xfrm>
+            <a:prstGeom prst="rect">
+              <a:avLst/>
+            </a:prstGeom>
+            <a:solidFill>
+              <a:schemeClr val="tx1"/>
+            </a:solidFill>
+            <a:ln>
+              <a:solidFill>
+                <a:schemeClr val="bg1"/>
+              </a:solidFill>
+            </a:ln>
+          </p:spPr>
+          <p:style>
+            <a:lnRef idx="2">
+              <a:schemeClr val="accent1">
+                <a:shade val="50000"/>
+              </a:schemeClr>
+            </a:lnRef>
+            <a:fillRef idx="1">
+              <a:schemeClr val="accent1"/>
+            </a:fillRef>
+            <a:effectRef idx="0">
+              <a:schemeClr val="accent1"/>
+            </a:effectRef>
+            <a:fontRef idx="minor">
+              <a:schemeClr val="lt1"/>
+            </a:fontRef>
+          </p:style>
+          <p:txBody>
+            <a:bodyPr rtlCol="0" anchor="ctr"/>
+            <a:lstStyle/>
+            <a:p>
+              <a:pPr algn="ctr"/>
+              <a:r>
+                <a:rPr lang="hu-HU" dirty="0">
+                  <a:solidFill>
+                    <a:schemeClr val="bg1"/>
+                  </a:solidFill>
+                </a:rPr>
+                <a:t>1</a:t>
+              </a:r>
+            </a:p>
+          </p:txBody>
+        </p:sp>
+        <p:sp>
+          <p:nvSpPr>
+            <p:cNvPr id="22" name="Téglalap 21">
+              <a:extLst>
+                <a:ext uri="{FF2B5EF4-FFF2-40B4-BE49-F238E27FC236}">
+                  <a16:creationId xmlns:a16="http://schemas.microsoft.com/office/drawing/2014/main" id="{0B533C3A-D3FA-46A6-8C06-88992F7FC7E9}"/>
+                </a:ext>
+              </a:extLst>
+            </p:cNvPr>
+            <p:cNvSpPr/>
+            <p:nvPr/>
+          </p:nvSpPr>
+          <p:spPr>
+            <a:xfrm>
+              <a:off x="5672831" y="5045285"/>
+              <a:ext cx="914400" cy="914400"/>
+            </a:xfrm>
+            <a:prstGeom prst="rect">
+              <a:avLst/>
+            </a:prstGeom>
+            <a:solidFill>
+              <a:schemeClr val="tx1"/>
+            </a:solidFill>
+            <a:ln>
+              <a:solidFill>
+                <a:schemeClr val="bg1"/>
+              </a:solidFill>
+            </a:ln>
+          </p:spPr>
+          <p:style>
+            <a:lnRef idx="2">
+              <a:schemeClr val="accent1">
+                <a:shade val="50000"/>
+              </a:schemeClr>
+            </a:lnRef>
+            <a:fillRef idx="1">
+              <a:schemeClr val="accent1"/>
+            </a:fillRef>
+            <a:effectRef idx="0">
+              <a:schemeClr val="accent1"/>
+            </a:effectRef>
+            <a:fontRef idx="minor">
+              <a:schemeClr val="lt1"/>
+            </a:fontRef>
+          </p:style>
+          <p:txBody>
+            <a:bodyPr rtlCol="0" anchor="ctr"/>
+            <a:lstStyle/>
+            <a:p>
+              <a:pPr algn="ctr"/>
+              <a:r>
+                <a:rPr lang="hu-HU" dirty="0">
+                  <a:solidFill>
+                    <a:schemeClr val="bg1"/>
+                  </a:solidFill>
+                </a:rPr>
+                <a:t>0</a:t>
+              </a:r>
+            </a:p>
+          </p:txBody>
+        </p:sp>
+        <p:sp>
+          <p:nvSpPr>
+            <p:cNvPr id="23" name="Téglalap 22">
+              <a:extLst>
+                <a:ext uri="{FF2B5EF4-FFF2-40B4-BE49-F238E27FC236}">
+                  <a16:creationId xmlns:a16="http://schemas.microsoft.com/office/drawing/2014/main" id="{062867AC-25F5-479A-B004-E9CA86FCD3A4}"/>
+                </a:ext>
+              </a:extLst>
+            </p:cNvPr>
+            <p:cNvSpPr/>
+            <p:nvPr/>
+          </p:nvSpPr>
+          <p:spPr>
+            <a:xfrm>
+              <a:off x="3844031" y="5045285"/>
+              <a:ext cx="914400" cy="914400"/>
+            </a:xfrm>
+            <a:prstGeom prst="rect">
+              <a:avLst/>
+            </a:prstGeom>
+            <a:solidFill>
+              <a:schemeClr val="tx1"/>
+            </a:solidFill>
+            <a:ln>
+              <a:solidFill>
+                <a:schemeClr val="bg1"/>
+              </a:solidFill>
+            </a:ln>
+          </p:spPr>
+          <p:style>
+            <a:lnRef idx="2">
+              <a:schemeClr val="accent1">
+                <a:shade val="50000"/>
+              </a:schemeClr>
+            </a:lnRef>
+            <a:fillRef idx="1">
+              <a:schemeClr val="accent1"/>
+            </a:fillRef>
+            <a:effectRef idx="0">
+              <a:schemeClr val="accent1"/>
+            </a:effectRef>
+            <a:fontRef idx="minor">
+              <a:schemeClr val="lt1"/>
+            </a:fontRef>
+          </p:style>
+          <p:txBody>
+            <a:bodyPr rtlCol="0" anchor="ctr"/>
+            <a:lstStyle/>
+            <a:p>
+              <a:pPr algn="ctr"/>
+              <a:r>
+                <a:rPr lang="hu-HU" dirty="0">
+                  <a:solidFill>
+                    <a:schemeClr val="bg1"/>
+                  </a:solidFill>
+                </a:rPr>
+                <a:t>0</a:t>
+              </a:r>
+            </a:p>
+          </p:txBody>
+        </p:sp>
+        <p:sp>
+          <p:nvSpPr>
+            <p:cNvPr id="24" name="Téglalap 23">
+              <a:extLst>
+                <a:ext uri="{FF2B5EF4-FFF2-40B4-BE49-F238E27FC236}">
+                  <a16:creationId xmlns:a16="http://schemas.microsoft.com/office/drawing/2014/main" id="{6A090509-C461-4706-9DEE-10C1D3268786}"/>
+                </a:ext>
+              </a:extLst>
+            </p:cNvPr>
+            <p:cNvSpPr/>
+            <p:nvPr/>
+          </p:nvSpPr>
+          <p:spPr>
+            <a:xfrm>
+              <a:off x="4758431" y="5045285"/>
+              <a:ext cx="914400" cy="914400"/>
+            </a:xfrm>
+            <a:prstGeom prst="rect">
+              <a:avLst/>
+            </a:prstGeom>
+            <a:solidFill>
+              <a:schemeClr val="tx1"/>
+            </a:solidFill>
+            <a:ln>
+              <a:solidFill>
+                <a:schemeClr val="bg1"/>
+              </a:solidFill>
+            </a:ln>
+          </p:spPr>
+          <p:style>
+            <a:lnRef idx="2">
+              <a:schemeClr val="accent1">
+                <a:shade val="50000"/>
+              </a:schemeClr>
+            </a:lnRef>
+            <a:fillRef idx="1">
+              <a:schemeClr val="accent1"/>
+            </a:fillRef>
+            <a:effectRef idx="0">
+              <a:schemeClr val="accent1"/>
+            </a:effectRef>
+            <a:fontRef idx="minor">
+              <a:schemeClr val="lt1"/>
+            </a:fontRef>
+          </p:style>
+          <p:txBody>
+            <a:bodyPr rtlCol="0" anchor="ctr"/>
+            <a:lstStyle/>
+            <a:p>
+              <a:pPr algn="ctr"/>
+              <a:r>
+                <a:rPr lang="hu-HU" dirty="0">
+                  <a:solidFill>
+                    <a:schemeClr val="bg1"/>
+                  </a:solidFill>
+                </a:rPr>
+                <a:t>1</a:t>
+              </a:r>
+            </a:p>
+          </p:txBody>
+        </p:sp>
+        <p:sp>
+          <p:nvSpPr>
+            <p:cNvPr id="25" name="Téglalap 24">
+              <a:extLst>
+                <a:ext uri="{FF2B5EF4-FFF2-40B4-BE49-F238E27FC236}">
+                  <a16:creationId xmlns:a16="http://schemas.microsoft.com/office/drawing/2014/main" id="{40652783-190F-44F6-9994-FF02F5B54317}"/>
+                </a:ext>
+              </a:extLst>
+            </p:cNvPr>
+            <p:cNvSpPr/>
+            <p:nvPr/>
+          </p:nvSpPr>
+          <p:spPr>
+            <a:xfrm>
+              <a:off x="6587231" y="5045285"/>
+              <a:ext cx="914400" cy="914400"/>
+            </a:xfrm>
+            <a:prstGeom prst="rect">
+              <a:avLst/>
+            </a:prstGeom>
+            <a:solidFill>
+              <a:schemeClr val="tx1"/>
+            </a:solidFill>
+            <a:ln>
+              <a:solidFill>
+                <a:schemeClr val="bg1"/>
+              </a:solidFill>
+            </a:ln>
+          </p:spPr>
+          <p:style>
+            <a:lnRef idx="2">
+              <a:schemeClr val="accent1">
+                <a:shade val="50000"/>
+              </a:schemeClr>
+            </a:lnRef>
+            <a:fillRef idx="1">
+              <a:schemeClr val="accent1"/>
+            </a:fillRef>
+            <a:effectRef idx="0">
+              <a:schemeClr val="accent1"/>
+            </a:effectRef>
+            <a:fontRef idx="minor">
+              <a:schemeClr val="lt1"/>
+            </a:fontRef>
+          </p:style>
+          <p:txBody>
+            <a:bodyPr rtlCol="0" anchor="ctr"/>
+            <a:lstStyle/>
+            <a:p>
+              <a:pPr algn="ctr"/>
+              <a:r>
+                <a:rPr lang="hu-HU" dirty="0">
+                  <a:solidFill>
+                    <a:schemeClr val="bg1"/>
+                  </a:solidFill>
+                </a:rPr>
+                <a:t>0</a:t>
+              </a:r>
+            </a:p>
+          </p:txBody>
+        </p:sp>
+        <p:sp>
+          <p:nvSpPr>
+            <p:cNvPr id="26" name="Téglalap 25">
+              <a:extLst>
+                <a:ext uri="{FF2B5EF4-FFF2-40B4-BE49-F238E27FC236}">
+                  <a16:creationId xmlns:a16="http://schemas.microsoft.com/office/drawing/2014/main" id="{6126A646-9AEC-43CA-BD29-2280784913AE}"/>
+                </a:ext>
+              </a:extLst>
+            </p:cNvPr>
+            <p:cNvSpPr/>
+            <p:nvPr/>
+          </p:nvSpPr>
+          <p:spPr>
+            <a:xfrm>
+              <a:off x="2929631" y="2297928"/>
+              <a:ext cx="914400" cy="914400"/>
+            </a:xfrm>
+            <a:prstGeom prst="rect">
+              <a:avLst/>
+            </a:prstGeom>
+            <a:solidFill>
+              <a:srgbClr val="92D050"/>
+            </a:solidFill>
+            <a:ln>
+              <a:solidFill>
+                <a:schemeClr val="bg1"/>
+              </a:solidFill>
+            </a:ln>
+          </p:spPr>
+          <p:style>
+            <a:lnRef idx="2">
+              <a:schemeClr val="accent1">
+                <a:shade val="50000"/>
+              </a:schemeClr>
+            </a:lnRef>
+            <a:fillRef idx="1">
+              <a:schemeClr val="accent1"/>
+            </a:fillRef>
+            <a:effectRef idx="0">
+              <a:schemeClr val="accent1"/>
+            </a:effectRef>
+            <a:fontRef idx="minor">
+              <a:schemeClr val="lt1"/>
+            </a:fontRef>
+          </p:style>
+          <p:txBody>
+            <a:bodyPr rtlCol="0" anchor="ctr"/>
+            <a:lstStyle/>
+            <a:p>
+              <a:pPr algn="ctr"/>
+              <a:r>
+                <a:rPr lang="hu-HU" dirty="0"/>
+                <a:t>4</a:t>
+              </a:r>
+            </a:p>
+          </p:txBody>
+        </p:sp>
+        <p:sp>
+          <p:nvSpPr>
+            <p:cNvPr id="27" name="Téglalap 26">
+              <a:extLst>
+                <a:ext uri="{FF2B5EF4-FFF2-40B4-BE49-F238E27FC236}">
+                  <a16:creationId xmlns:a16="http://schemas.microsoft.com/office/drawing/2014/main" id="{A48C5A52-CF93-4440-8426-9BB6E041C86A}"/>
+                </a:ext>
+              </a:extLst>
+            </p:cNvPr>
+            <p:cNvSpPr/>
+            <p:nvPr/>
+          </p:nvSpPr>
+          <p:spPr>
+            <a:xfrm>
+              <a:off x="3844031" y="2300705"/>
+              <a:ext cx="914400" cy="914400"/>
+            </a:xfrm>
+            <a:prstGeom prst="rect">
+              <a:avLst/>
+            </a:prstGeom>
+            <a:solidFill>
+              <a:srgbClr val="92D050"/>
+            </a:solidFill>
+            <a:ln>
+              <a:solidFill>
+                <a:schemeClr val="bg1"/>
+              </a:solidFill>
+            </a:ln>
+          </p:spPr>
+          <p:style>
+            <a:lnRef idx="2">
+              <a:schemeClr val="accent1">
+                <a:shade val="50000"/>
+              </a:schemeClr>
+            </a:lnRef>
+            <a:fillRef idx="1">
+              <a:schemeClr val="accent1"/>
+            </a:fillRef>
+            <a:effectRef idx="0">
+              <a:schemeClr val="accent1"/>
+            </a:effectRef>
+            <a:fontRef idx="minor">
+              <a:schemeClr val="lt1"/>
+            </a:fontRef>
+          </p:style>
+          <p:txBody>
+            <a:bodyPr rtlCol="0" anchor="ctr"/>
+            <a:lstStyle/>
+            <a:p>
+              <a:pPr algn="ctr"/>
+              <a:r>
+                <a:rPr lang="hu-HU" dirty="0"/>
+                <a:t>2</a:t>
+              </a:r>
+            </a:p>
+          </p:txBody>
+        </p:sp>
+        <p:sp>
+          <p:nvSpPr>
+            <p:cNvPr id="28" name="Téglalap 27">
+              <a:extLst>
+                <a:ext uri="{FF2B5EF4-FFF2-40B4-BE49-F238E27FC236}">
+                  <a16:creationId xmlns:a16="http://schemas.microsoft.com/office/drawing/2014/main" id="{A6B6F9BF-963D-4B19-B976-4DB38ED2FD2A}"/>
+                </a:ext>
+              </a:extLst>
+            </p:cNvPr>
+            <p:cNvSpPr/>
+            <p:nvPr/>
+          </p:nvSpPr>
+          <p:spPr>
+            <a:xfrm>
+              <a:off x="4758431" y="2300705"/>
+              <a:ext cx="914400" cy="914400"/>
+            </a:xfrm>
+            <a:prstGeom prst="rect">
+              <a:avLst/>
+            </a:prstGeom>
+            <a:solidFill>
+              <a:srgbClr val="92D050"/>
+            </a:solidFill>
+            <a:ln>
+              <a:solidFill>
+                <a:schemeClr val="bg1"/>
+              </a:solidFill>
+            </a:ln>
+          </p:spPr>
+          <p:style>
+            <a:lnRef idx="2">
+              <a:schemeClr val="accent1">
+                <a:shade val="50000"/>
+              </a:schemeClr>
+            </a:lnRef>
+            <a:fillRef idx="1">
+              <a:schemeClr val="accent1"/>
+            </a:fillRef>
+            <a:effectRef idx="0">
+              <a:schemeClr val="accent1"/>
+            </a:effectRef>
+            <a:fontRef idx="minor">
+              <a:schemeClr val="lt1"/>
+            </a:fontRef>
+          </p:style>
+          <p:txBody>
+            <a:bodyPr rtlCol="0" anchor="ctr"/>
+            <a:lstStyle/>
+            <a:p>
+              <a:pPr algn="ctr"/>
+              <a:r>
+                <a:rPr lang="hu-HU" dirty="0"/>
+                <a:t>1</a:t>
+              </a:r>
+            </a:p>
+          </p:txBody>
+        </p:sp>
+        <p:sp>
+          <p:nvSpPr>
+            <p:cNvPr id="29" name="Téglalap 28">
+              <a:extLst>
+                <a:ext uri="{FF2B5EF4-FFF2-40B4-BE49-F238E27FC236}">
+                  <a16:creationId xmlns:a16="http://schemas.microsoft.com/office/drawing/2014/main" id="{A8A54239-F3D6-4771-BADC-BAC8382152EC}"/>
+                </a:ext>
+              </a:extLst>
+            </p:cNvPr>
+            <p:cNvSpPr/>
+            <p:nvPr/>
+          </p:nvSpPr>
+          <p:spPr>
+            <a:xfrm>
+              <a:off x="5672831" y="2297928"/>
+              <a:ext cx="914400" cy="914400"/>
+            </a:xfrm>
+            <a:prstGeom prst="rect">
+              <a:avLst/>
+            </a:prstGeom>
+            <a:solidFill>
+              <a:srgbClr val="92D050"/>
+            </a:solidFill>
+            <a:ln>
+              <a:solidFill>
+                <a:schemeClr val="bg1"/>
+              </a:solidFill>
+            </a:ln>
+          </p:spPr>
+          <p:style>
+            <a:lnRef idx="2">
+              <a:schemeClr val="accent1">
+                <a:shade val="50000"/>
+              </a:schemeClr>
+            </a:lnRef>
+            <a:fillRef idx="1">
+              <a:schemeClr val="accent1"/>
+            </a:fillRef>
+            <a:effectRef idx="0">
+              <a:schemeClr val="accent1"/>
+            </a:effectRef>
+            <a:fontRef idx="minor">
+              <a:schemeClr val="lt1"/>
+            </a:fontRef>
+          </p:style>
+          <p:txBody>
+            <a:bodyPr rtlCol="0" anchor="ctr"/>
+            <a:lstStyle/>
+            <a:p>
+              <a:pPr algn="ctr"/>
+              <a:r>
+                <a:rPr lang="hu-HU" dirty="0"/>
+                <a:t>1</a:t>
+              </a:r>
+            </a:p>
+          </p:txBody>
+        </p:sp>
+        <p:sp>
+          <p:nvSpPr>
+            <p:cNvPr id="30" name="Téglalap 29">
+              <a:extLst>
+                <a:ext uri="{FF2B5EF4-FFF2-40B4-BE49-F238E27FC236}">
+                  <a16:creationId xmlns:a16="http://schemas.microsoft.com/office/drawing/2014/main" id="{F08C404B-10BB-4AA6-A4F3-8F2C1C940426}"/>
+                </a:ext>
+              </a:extLst>
+            </p:cNvPr>
+            <p:cNvSpPr/>
+            <p:nvPr/>
+          </p:nvSpPr>
+          <p:spPr>
+            <a:xfrm>
+              <a:off x="6587231" y="2297928"/>
+              <a:ext cx="914400" cy="914400"/>
+            </a:xfrm>
+            <a:prstGeom prst="rect">
+              <a:avLst/>
+            </a:prstGeom>
+            <a:solidFill>
+              <a:srgbClr val="92D050"/>
+            </a:solidFill>
+            <a:ln>
+              <a:solidFill>
+                <a:schemeClr val="bg1"/>
+              </a:solidFill>
+            </a:ln>
+          </p:spPr>
+          <p:style>
+            <a:lnRef idx="2">
+              <a:schemeClr val="accent1">
+                <a:shade val="50000"/>
+              </a:schemeClr>
+            </a:lnRef>
+            <a:fillRef idx="1">
+              <a:schemeClr val="accent1"/>
+            </a:fillRef>
+            <a:effectRef idx="0">
+              <a:schemeClr val="accent1"/>
+            </a:effectRef>
+            <a:fontRef idx="minor">
+              <a:schemeClr val="lt1"/>
+            </a:fontRef>
+          </p:style>
+          <p:txBody>
+            <a:bodyPr rtlCol="0" anchor="ctr"/>
+            <a:lstStyle/>
+            <a:p>
+              <a:pPr algn="ctr"/>
+              <a:r>
+                <a:rPr lang="hu-HU" dirty="0"/>
+                <a:t>1</a:t>
+              </a:r>
+            </a:p>
+          </p:txBody>
+        </p:sp>
+        <p:sp>
+          <p:nvSpPr>
+            <p:cNvPr id="31" name="Szövegdoboz 30">
+              <a:extLst>
+                <a:ext uri="{FF2B5EF4-FFF2-40B4-BE49-F238E27FC236}">
+                  <a16:creationId xmlns:a16="http://schemas.microsoft.com/office/drawing/2014/main" id="{A595234B-3226-4F4C-9094-BC96391DFF65}"/>
+                </a:ext>
+              </a:extLst>
+            </p:cNvPr>
+            <p:cNvSpPr txBox="1"/>
+            <p:nvPr/>
+          </p:nvSpPr>
+          <p:spPr>
+            <a:xfrm rot="16200000">
+              <a:off x="878889" y="4398979"/>
+              <a:ext cx="1751698" cy="369332"/>
+            </a:xfrm>
+            <a:prstGeom prst="rect">
+              <a:avLst/>
+            </a:prstGeom>
+            <a:noFill/>
+          </p:spPr>
+          <p:txBody>
+            <a:bodyPr wrap="none" rtlCol="0">
+              <a:spAutoFit/>
+            </a:bodyPr>
+            <a:lstStyle/>
+            <a:p>
+              <a:r>
+                <a:rPr lang="hu-HU" dirty="0"/>
+                <a:t>Ülőhelyek száma</a:t>
+              </a:r>
+            </a:p>
+          </p:txBody>
+        </p:sp>
+        <p:sp>
+          <p:nvSpPr>
+            <p:cNvPr id="32" name="Szövegdoboz 31">
+              <a:extLst>
+                <a:ext uri="{FF2B5EF4-FFF2-40B4-BE49-F238E27FC236}">
+                  <a16:creationId xmlns:a16="http://schemas.microsoft.com/office/drawing/2014/main" id="{10AC0AB1-FA4C-45BB-90BC-72949EE1F00A}"/>
+                </a:ext>
+              </a:extLst>
+            </p:cNvPr>
+            <p:cNvSpPr txBox="1"/>
+            <p:nvPr/>
+          </p:nvSpPr>
+          <p:spPr>
+            <a:xfrm>
+              <a:off x="4368251" y="1876262"/>
+              <a:ext cx="1694759" cy="369332"/>
+            </a:xfrm>
+            <a:prstGeom prst="rect">
+              <a:avLst/>
+            </a:prstGeom>
+            <a:noFill/>
+          </p:spPr>
+          <p:txBody>
+            <a:bodyPr wrap="none" rtlCol="0">
+              <a:spAutoFit/>
+            </a:bodyPr>
+            <a:lstStyle/>
+            <a:p>
+              <a:r>
+                <a:rPr lang="hu-HU" dirty="0"/>
+                <a:t>Néző csoportok</a:t>
+              </a:r>
+            </a:p>
+          </p:txBody>
+        </p:sp>
+      </p:grpSp>
+      <p:grpSp>
+        <p:nvGrpSpPr>
+          <p:cNvPr id="33" name="Csoportba foglalás 32">
+            <a:extLst>
+              <a:ext uri="{FF2B5EF4-FFF2-40B4-BE49-F238E27FC236}">
+                <a16:creationId xmlns:a16="http://schemas.microsoft.com/office/drawing/2014/main" id="{0D766393-4D7B-4B1A-983F-302598BC6DA4}"/>
+              </a:ext>
+            </a:extLst>
+          </p:cNvPr>
+          <p:cNvGrpSpPr>
+            <a:grpSpLocks noChangeAspect="1"/>
+          </p:cNvGrpSpPr>
+          <p:nvPr/>
+        </p:nvGrpSpPr>
+        <p:grpSpPr>
+          <a:xfrm>
+            <a:off x="8153874" y="1509149"/>
+            <a:ext cx="2265102" cy="4732627"/>
+            <a:chOff x="7670560" y="528223"/>
+            <a:chExt cx="2627992" cy="5490837"/>
+          </a:xfrm>
+        </p:grpSpPr>
+        <p:sp>
+          <p:nvSpPr>
+            <p:cNvPr id="34" name="Téglalap 33">
+              <a:extLst>
+                <a:ext uri="{FF2B5EF4-FFF2-40B4-BE49-F238E27FC236}">
+                  <a16:creationId xmlns:a16="http://schemas.microsoft.com/office/drawing/2014/main" id="{F2EC411D-1380-49B7-A30C-A1955CB5D377}"/>
+                </a:ext>
+              </a:extLst>
+            </p:cNvPr>
+            <p:cNvSpPr/>
+            <p:nvPr/>
+          </p:nvSpPr>
+          <p:spPr>
+            <a:xfrm>
+              <a:off x="8074679" y="528223"/>
+              <a:ext cx="914400" cy="914400"/>
+            </a:xfrm>
+            <a:prstGeom prst="rect">
+              <a:avLst/>
+            </a:prstGeom>
+            <a:solidFill>
+              <a:srgbClr val="92D050"/>
+            </a:solidFill>
+            <a:ln>
+              <a:solidFill>
+                <a:schemeClr val="bg1"/>
+              </a:solidFill>
+            </a:ln>
+          </p:spPr>
+          <p:style>
+            <a:lnRef idx="2">
+              <a:schemeClr val="accent1">
+                <a:shade val="50000"/>
+              </a:schemeClr>
+            </a:lnRef>
+            <a:fillRef idx="1">
+              <a:schemeClr val="accent1"/>
+            </a:fillRef>
+            <a:effectRef idx="0">
+              <a:schemeClr val="accent1"/>
+            </a:effectRef>
+            <a:fontRef idx="minor">
+              <a:schemeClr val="lt1"/>
+            </a:fontRef>
+          </p:style>
+          <p:txBody>
+            <a:bodyPr rtlCol="0" anchor="ctr"/>
+            <a:lstStyle/>
+            <a:p>
+              <a:pPr algn="ctr"/>
+              <a:r>
+                <a:rPr lang="hu-HU" dirty="0"/>
+                <a:t>Kulcs</a:t>
+              </a:r>
+            </a:p>
+          </p:txBody>
+        </p:sp>
+        <p:sp>
+          <p:nvSpPr>
+            <p:cNvPr id="35" name="Téglalap 34">
+              <a:extLst>
+                <a:ext uri="{FF2B5EF4-FFF2-40B4-BE49-F238E27FC236}">
+                  <a16:creationId xmlns:a16="http://schemas.microsoft.com/office/drawing/2014/main" id="{16C43E79-38F0-43A5-BB19-7637E3B98EF1}"/>
+                </a:ext>
+              </a:extLst>
+            </p:cNvPr>
+            <p:cNvSpPr/>
+            <p:nvPr/>
+          </p:nvSpPr>
+          <p:spPr>
+            <a:xfrm>
+              <a:off x="8989079" y="528223"/>
+              <a:ext cx="914400" cy="914400"/>
+            </a:xfrm>
+            <a:prstGeom prst="rect">
+              <a:avLst/>
+            </a:prstGeom>
+            <a:solidFill>
+              <a:srgbClr val="92D050"/>
+            </a:solidFill>
+            <a:ln>
+              <a:solidFill>
+                <a:schemeClr val="bg1"/>
+              </a:solidFill>
+            </a:ln>
+          </p:spPr>
+          <p:style>
+            <a:lnRef idx="2">
+              <a:schemeClr val="accent1">
+                <a:shade val="50000"/>
+              </a:schemeClr>
+            </a:lnRef>
+            <a:fillRef idx="1">
+              <a:schemeClr val="accent1"/>
+            </a:fillRef>
+            <a:effectRef idx="0">
+              <a:schemeClr val="accent1"/>
+            </a:effectRef>
+            <a:fontRef idx="minor">
+              <a:schemeClr val="lt1"/>
+            </a:fontRef>
+          </p:style>
+          <p:txBody>
+            <a:bodyPr rtlCol="0" anchor="ctr"/>
+            <a:lstStyle/>
+            <a:p>
+              <a:pPr algn="ctr"/>
+              <a:r>
+                <a:rPr lang="hu-HU" dirty="0"/>
+                <a:t>Érték</a:t>
+              </a:r>
+            </a:p>
+          </p:txBody>
+        </p:sp>
+        <p:sp>
+          <p:nvSpPr>
+            <p:cNvPr id="36" name="Téglalap 35">
+              <a:extLst>
+                <a:ext uri="{FF2B5EF4-FFF2-40B4-BE49-F238E27FC236}">
+                  <a16:creationId xmlns:a16="http://schemas.microsoft.com/office/drawing/2014/main" id="{DB5478C1-CD55-4546-B195-462B1B0A781C}"/>
+                </a:ext>
+              </a:extLst>
+            </p:cNvPr>
+            <p:cNvSpPr/>
+            <p:nvPr/>
+          </p:nvSpPr>
+          <p:spPr>
+            <a:xfrm>
+              <a:off x="8074679" y="1442623"/>
+              <a:ext cx="914400" cy="914400"/>
+            </a:xfrm>
+            <a:prstGeom prst="rect">
+              <a:avLst/>
+            </a:prstGeom>
+            <a:solidFill>
+              <a:schemeClr val="tx1"/>
+            </a:solidFill>
+            <a:ln>
+              <a:solidFill>
+                <a:schemeClr val="bg1"/>
+              </a:solidFill>
+            </a:ln>
+          </p:spPr>
+          <p:style>
+            <a:lnRef idx="2">
+              <a:schemeClr val="accent1">
+                <a:shade val="50000"/>
+              </a:schemeClr>
+            </a:lnRef>
+            <a:fillRef idx="1">
+              <a:schemeClr val="accent1"/>
+            </a:fillRef>
+            <a:effectRef idx="0">
+              <a:schemeClr val="accent1"/>
+            </a:effectRef>
+            <a:fontRef idx="minor">
+              <a:schemeClr val="lt1"/>
+            </a:fontRef>
+          </p:style>
+          <p:txBody>
+            <a:bodyPr rtlCol="0" anchor="ctr"/>
+            <a:lstStyle/>
+            <a:p>
+              <a:pPr algn="ctr"/>
+              <a:r>
+                <a:rPr lang="hu-HU" dirty="0">
+                  <a:solidFill>
+                    <a:sysClr val="windowText" lastClr="000000"/>
+                  </a:solidFill>
+                </a:rPr>
+                <a:t>0</a:t>
+              </a:r>
+            </a:p>
+          </p:txBody>
+        </p:sp>
+        <p:sp>
+          <p:nvSpPr>
+            <p:cNvPr id="37" name="Téglalap 36">
+              <a:extLst>
+                <a:ext uri="{FF2B5EF4-FFF2-40B4-BE49-F238E27FC236}">
+                  <a16:creationId xmlns:a16="http://schemas.microsoft.com/office/drawing/2014/main" id="{9B2A2A31-92ED-46CE-B0A3-B9F4AF51EB9E}"/>
+                </a:ext>
+              </a:extLst>
+            </p:cNvPr>
+            <p:cNvSpPr/>
+            <p:nvPr/>
+          </p:nvSpPr>
+          <p:spPr>
+            <a:xfrm>
+              <a:off x="8989079" y="1442623"/>
+              <a:ext cx="914400" cy="914400"/>
+            </a:xfrm>
+            <a:prstGeom prst="rect">
+              <a:avLst/>
+            </a:prstGeom>
+            <a:solidFill>
+              <a:schemeClr val="tx1"/>
+            </a:solidFill>
+            <a:ln>
+              <a:solidFill>
+                <a:schemeClr val="bg1"/>
+              </a:solidFill>
+            </a:ln>
+          </p:spPr>
+          <p:style>
+            <a:lnRef idx="2">
+              <a:schemeClr val="accent1">
+                <a:shade val="50000"/>
+              </a:schemeClr>
+            </a:lnRef>
+            <a:fillRef idx="1">
+              <a:schemeClr val="accent1"/>
+            </a:fillRef>
+            <a:effectRef idx="0">
+              <a:schemeClr val="accent1"/>
+            </a:effectRef>
+            <a:fontRef idx="minor">
+              <a:schemeClr val="lt1"/>
+            </a:fontRef>
+          </p:style>
+          <p:txBody>
+            <a:bodyPr rtlCol="0" anchor="ctr"/>
+            <a:lstStyle/>
+            <a:p>
+              <a:pPr algn="ctr"/>
+              <a:r>
+                <a:rPr lang="hu-HU" dirty="0">
+                  <a:solidFill>
+                    <a:sysClr val="windowText" lastClr="000000"/>
+                  </a:solidFill>
+                </a:rPr>
+                <a:t>2</a:t>
+              </a:r>
+            </a:p>
+          </p:txBody>
+        </p:sp>
+        <p:sp>
+          <p:nvSpPr>
+            <p:cNvPr id="38" name="Téglalap 37">
+              <a:extLst>
+                <a:ext uri="{FF2B5EF4-FFF2-40B4-BE49-F238E27FC236}">
+                  <a16:creationId xmlns:a16="http://schemas.microsoft.com/office/drawing/2014/main" id="{57537E85-F43E-4DA9-BDE4-B8EDFD475137}"/>
+                </a:ext>
+              </a:extLst>
+            </p:cNvPr>
+            <p:cNvSpPr/>
+            <p:nvPr/>
+          </p:nvSpPr>
+          <p:spPr>
+            <a:xfrm>
+              <a:off x="8074679" y="3275860"/>
+              <a:ext cx="914400" cy="914400"/>
+            </a:xfrm>
+            <a:prstGeom prst="rect">
+              <a:avLst/>
+            </a:prstGeom>
+            <a:solidFill>
+              <a:schemeClr val="tx1"/>
+            </a:solidFill>
+            <a:ln>
+              <a:solidFill>
+                <a:schemeClr val="bg1"/>
+              </a:solidFill>
+            </a:ln>
+          </p:spPr>
+          <p:style>
+            <a:lnRef idx="2">
+              <a:schemeClr val="accent1">
+                <a:shade val="50000"/>
+              </a:schemeClr>
+            </a:lnRef>
+            <a:fillRef idx="1">
+              <a:schemeClr val="accent1"/>
+            </a:fillRef>
+            <a:effectRef idx="0">
+              <a:schemeClr val="accent1"/>
+            </a:effectRef>
+            <a:fontRef idx="minor">
+              <a:schemeClr val="lt1"/>
+            </a:fontRef>
+          </p:style>
+          <p:txBody>
+            <a:bodyPr rtlCol="0" anchor="ctr"/>
+            <a:lstStyle/>
+            <a:p>
+              <a:pPr algn="ctr"/>
+              <a:r>
+                <a:rPr lang="hu-HU" dirty="0">
+                  <a:solidFill>
+                    <a:sysClr val="windowText" lastClr="000000"/>
+                  </a:solidFill>
+                </a:rPr>
+                <a:t>2</a:t>
+              </a:r>
+            </a:p>
+          </p:txBody>
+        </p:sp>
+        <p:sp>
+          <p:nvSpPr>
+            <p:cNvPr id="39" name="Téglalap 38">
+              <a:extLst>
+                <a:ext uri="{FF2B5EF4-FFF2-40B4-BE49-F238E27FC236}">
+                  <a16:creationId xmlns:a16="http://schemas.microsoft.com/office/drawing/2014/main" id="{0D032CC1-4C1D-4E36-B5F4-1129D9F28A08}"/>
+                </a:ext>
+              </a:extLst>
+            </p:cNvPr>
+            <p:cNvSpPr/>
+            <p:nvPr/>
+          </p:nvSpPr>
+          <p:spPr>
+            <a:xfrm>
+              <a:off x="8989079" y="3275860"/>
+              <a:ext cx="914400" cy="914400"/>
+            </a:xfrm>
+            <a:prstGeom prst="rect">
+              <a:avLst/>
+            </a:prstGeom>
+            <a:solidFill>
+              <a:schemeClr val="tx1"/>
+            </a:solidFill>
+            <a:ln>
+              <a:solidFill>
+                <a:schemeClr val="bg1"/>
+              </a:solidFill>
+            </a:ln>
+          </p:spPr>
+          <p:style>
+            <a:lnRef idx="2">
+              <a:schemeClr val="accent1">
+                <a:shade val="50000"/>
+              </a:schemeClr>
+            </a:lnRef>
+            <a:fillRef idx="1">
+              <a:schemeClr val="accent1"/>
+            </a:fillRef>
+            <a:effectRef idx="0">
+              <a:schemeClr val="accent1"/>
+            </a:effectRef>
+            <a:fontRef idx="minor">
+              <a:schemeClr val="lt1"/>
+            </a:fontRef>
+          </p:style>
+          <p:txBody>
+            <a:bodyPr rtlCol="0" anchor="ctr"/>
+            <a:lstStyle/>
+            <a:p>
+              <a:pPr algn="ctr"/>
+              <a:r>
+                <a:rPr lang="hu-HU" dirty="0">
+                  <a:solidFill>
+                    <a:sysClr val="windowText" lastClr="000000"/>
+                  </a:solidFill>
+                </a:rPr>
+                <a:t>2</a:t>
+              </a:r>
+            </a:p>
+          </p:txBody>
+        </p:sp>
+        <p:sp>
+          <p:nvSpPr>
+            <p:cNvPr id="40" name="Téglalap 39">
+              <a:extLst>
+                <a:ext uri="{FF2B5EF4-FFF2-40B4-BE49-F238E27FC236}">
+                  <a16:creationId xmlns:a16="http://schemas.microsoft.com/office/drawing/2014/main" id="{868AF79A-EBA0-4EEE-9249-B3A39BA762B4}"/>
+                </a:ext>
+              </a:extLst>
+            </p:cNvPr>
+            <p:cNvSpPr/>
+            <p:nvPr/>
+          </p:nvSpPr>
+          <p:spPr>
+            <a:xfrm>
+              <a:off x="8074679" y="4190260"/>
+              <a:ext cx="914400" cy="914400"/>
+            </a:xfrm>
+            <a:prstGeom prst="rect">
+              <a:avLst/>
+            </a:prstGeom>
+            <a:solidFill>
+              <a:schemeClr val="tx1"/>
+            </a:solidFill>
+            <a:ln>
+              <a:solidFill>
+                <a:schemeClr val="bg1"/>
+              </a:solidFill>
+            </a:ln>
+          </p:spPr>
+          <p:style>
+            <a:lnRef idx="2">
+              <a:schemeClr val="accent1">
+                <a:shade val="50000"/>
+              </a:schemeClr>
+            </a:lnRef>
+            <a:fillRef idx="1">
+              <a:schemeClr val="accent1"/>
+            </a:fillRef>
+            <a:effectRef idx="0">
+              <a:schemeClr val="accent1"/>
+            </a:effectRef>
+            <a:fontRef idx="minor">
+              <a:schemeClr val="lt1"/>
+            </a:fontRef>
+          </p:style>
+          <p:txBody>
+            <a:bodyPr rtlCol="0" anchor="ctr"/>
+            <a:lstStyle/>
+            <a:p>
+              <a:pPr algn="ctr"/>
+              <a:r>
+                <a:rPr lang="hu-HU" dirty="0">
+                  <a:solidFill>
+                    <a:sysClr val="windowText" lastClr="000000"/>
+                  </a:solidFill>
+                </a:rPr>
+                <a:t>3</a:t>
+              </a:r>
+            </a:p>
+          </p:txBody>
+        </p:sp>
+        <p:sp>
+          <p:nvSpPr>
+            <p:cNvPr id="41" name="Téglalap 40">
+              <a:extLst>
+                <a:ext uri="{FF2B5EF4-FFF2-40B4-BE49-F238E27FC236}">
+                  <a16:creationId xmlns:a16="http://schemas.microsoft.com/office/drawing/2014/main" id="{37659EBC-68A9-47C7-9E1B-DD4D697E0044}"/>
+                </a:ext>
+              </a:extLst>
+            </p:cNvPr>
+            <p:cNvSpPr/>
+            <p:nvPr/>
+          </p:nvSpPr>
+          <p:spPr>
+            <a:xfrm>
+              <a:off x="8989079" y="4190260"/>
+              <a:ext cx="914400" cy="914400"/>
+            </a:xfrm>
+            <a:prstGeom prst="rect">
+              <a:avLst/>
+            </a:prstGeom>
+            <a:solidFill>
+              <a:schemeClr val="tx1"/>
+            </a:solidFill>
+            <a:ln>
+              <a:solidFill>
+                <a:schemeClr val="bg1"/>
+              </a:solidFill>
+            </a:ln>
+          </p:spPr>
+          <p:style>
+            <a:lnRef idx="2">
+              <a:schemeClr val="accent1">
+                <a:shade val="50000"/>
+              </a:schemeClr>
+            </a:lnRef>
+            <a:fillRef idx="1">
+              <a:schemeClr val="accent1"/>
+            </a:fillRef>
+            <a:effectRef idx="0">
+              <a:schemeClr val="accent1"/>
+            </a:effectRef>
+            <a:fontRef idx="minor">
+              <a:schemeClr val="lt1"/>
+            </a:fontRef>
+          </p:style>
+          <p:txBody>
+            <a:bodyPr rtlCol="0" anchor="ctr"/>
+            <a:lstStyle/>
+            <a:p>
+              <a:pPr algn="ctr"/>
+              <a:r>
+                <a:rPr lang="hu-HU" dirty="0">
+                  <a:solidFill>
+                    <a:sysClr val="windowText" lastClr="000000"/>
+                  </a:solidFill>
+                </a:rPr>
+                <a:t>1</a:t>
+              </a:r>
+            </a:p>
+          </p:txBody>
+        </p:sp>
+        <p:sp>
+          <p:nvSpPr>
+            <p:cNvPr id="42" name="Téglalap 41">
+              <a:extLst>
+                <a:ext uri="{FF2B5EF4-FFF2-40B4-BE49-F238E27FC236}">
+                  <a16:creationId xmlns:a16="http://schemas.microsoft.com/office/drawing/2014/main" id="{CA01B164-92E5-4D76-8314-BABFDEFF1031}"/>
+                </a:ext>
+              </a:extLst>
+            </p:cNvPr>
+            <p:cNvSpPr/>
+            <p:nvPr/>
+          </p:nvSpPr>
+          <p:spPr>
+            <a:xfrm>
+              <a:off x="8074679" y="5104660"/>
+              <a:ext cx="914400" cy="914400"/>
+            </a:xfrm>
+            <a:prstGeom prst="rect">
+              <a:avLst/>
+            </a:prstGeom>
+            <a:solidFill>
+              <a:schemeClr val="tx1"/>
+            </a:solidFill>
+            <a:ln>
+              <a:solidFill>
+                <a:schemeClr val="bg1"/>
+              </a:solidFill>
+            </a:ln>
+          </p:spPr>
+          <p:style>
+            <a:lnRef idx="2">
+              <a:schemeClr val="accent1">
+                <a:shade val="50000"/>
+              </a:schemeClr>
+            </a:lnRef>
+            <a:fillRef idx="1">
+              <a:schemeClr val="accent1"/>
+            </a:fillRef>
+            <a:effectRef idx="0">
+              <a:schemeClr val="accent1"/>
+            </a:effectRef>
+            <a:fontRef idx="minor">
+              <a:schemeClr val="lt1"/>
+            </a:fontRef>
+          </p:style>
+          <p:txBody>
+            <a:bodyPr rtlCol="0" anchor="ctr"/>
+            <a:lstStyle/>
+            <a:p>
+              <a:pPr algn="ctr"/>
+              <a:r>
+                <a:rPr lang="hu-HU" dirty="0">
+                  <a:solidFill>
+                    <a:sysClr val="windowText" lastClr="000000"/>
+                  </a:solidFill>
+                </a:rPr>
+                <a:t>4</a:t>
+              </a:r>
+            </a:p>
+          </p:txBody>
+        </p:sp>
+        <p:sp>
+          <p:nvSpPr>
+            <p:cNvPr id="43" name="Téglalap 42">
+              <a:extLst>
+                <a:ext uri="{FF2B5EF4-FFF2-40B4-BE49-F238E27FC236}">
+                  <a16:creationId xmlns:a16="http://schemas.microsoft.com/office/drawing/2014/main" id="{99E86633-13F2-4F8E-8F85-43498A1A129C}"/>
+                </a:ext>
+              </a:extLst>
+            </p:cNvPr>
+            <p:cNvSpPr/>
+            <p:nvPr/>
+          </p:nvSpPr>
+          <p:spPr>
+            <a:xfrm>
+              <a:off x="8989079" y="5104660"/>
+              <a:ext cx="914400" cy="914400"/>
+            </a:xfrm>
+            <a:prstGeom prst="rect">
+              <a:avLst/>
+            </a:prstGeom>
+            <a:solidFill>
+              <a:schemeClr val="tx1"/>
+            </a:solidFill>
+            <a:ln>
+              <a:solidFill>
+                <a:schemeClr val="bg1"/>
+              </a:solidFill>
+            </a:ln>
+          </p:spPr>
+          <p:style>
+            <a:lnRef idx="2">
+              <a:schemeClr val="accent1">
+                <a:shade val="50000"/>
+              </a:schemeClr>
+            </a:lnRef>
+            <a:fillRef idx="1">
+              <a:schemeClr val="accent1"/>
+            </a:fillRef>
+            <a:effectRef idx="0">
+              <a:schemeClr val="accent1"/>
+            </a:effectRef>
+            <a:fontRef idx="minor">
+              <a:schemeClr val="lt1"/>
+            </a:fontRef>
+          </p:style>
+          <p:txBody>
+            <a:bodyPr rtlCol="0" anchor="ctr"/>
+            <a:lstStyle/>
+            <a:p>
+              <a:pPr algn="ctr"/>
+              <a:r>
+                <a:rPr lang="hu-HU" dirty="0">
+                  <a:solidFill>
+                    <a:sysClr val="windowText" lastClr="000000"/>
+                  </a:solidFill>
+                </a:rPr>
+                <a:t>1</a:t>
+              </a:r>
+            </a:p>
+          </p:txBody>
+        </p:sp>
+        <p:sp>
+          <p:nvSpPr>
+            <p:cNvPr id="44" name="Téglalap 43">
+              <a:extLst>
+                <a:ext uri="{FF2B5EF4-FFF2-40B4-BE49-F238E27FC236}">
+                  <a16:creationId xmlns:a16="http://schemas.microsoft.com/office/drawing/2014/main" id="{9783839C-F00F-4C49-B2B9-34E46595B319}"/>
+                </a:ext>
+              </a:extLst>
+            </p:cNvPr>
+            <p:cNvSpPr/>
+            <p:nvPr/>
+          </p:nvSpPr>
+          <p:spPr>
+            <a:xfrm>
+              <a:off x="8074679" y="2357023"/>
+              <a:ext cx="914400" cy="914400"/>
+            </a:xfrm>
+            <a:prstGeom prst="rect">
+              <a:avLst/>
+            </a:prstGeom>
+            <a:solidFill>
+              <a:schemeClr val="tx1"/>
+            </a:solidFill>
+            <a:ln>
+              <a:solidFill>
+                <a:schemeClr val="bg1"/>
+              </a:solidFill>
+            </a:ln>
+          </p:spPr>
+          <p:style>
+            <a:lnRef idx="2">
+              <a:schemeClr val="accent1">
+                <a:shade val="50000"/>
+              </a:schemeClr>
+            </a:lnRef>
+            <a:fillRef idx="1">
+              <a:schemeClr val="accent1"/>
+            </a:fillRef>
+            <a:effectRef idx="0">
+              <a:schemeClr val="accent1"/>
+            </a:effectRef>
+            <a:fontRef idx="minor">
+              <a:schemeClr val="lt1"/>
+            </a:fontRef>
+          </p:style>
+          <p:txBody>
+            <a:bodyPr rtlCol="0" anchor="ctr"/>
+            <a:lstStyle/>
+            <a:p>
+              <a:pPr algn="ctr"/>
+              <a:r>
+                <a:rPr lang="hu-HU" dirty="0">
+                  <a:solidFill>
+                    <a:sysClr val="windowText" lastClr="000000"/>
+                  </a:solidFill>
+                </a:rPr>
+                <a:t>1</a:t>
+              </a:r>
+            </a:p>
+          </p:txBody>
+        </p:sp>
+        <p:sp>
+          <p:nvSpPr>
+            <p:cNvPr id="45" name="Téglalap 44">
+              <a:extLst>
+                <a:ext uri="{FF2B5EF4-FFF2-40B4-BE49-F238E27FC236}">
+                  <a16:creationId xmlns:a16="http://schemas.microsoft.com/office/drawing/2014/main" id="{7250547A-9C29-4979-AA22-B6C9C4508291}"/>
+                </a:ext>
+              </a:extLst>
+            </p:cNvPr>
+            <p:cNvSpPr/>
+            <p:nvPr/>
+          </p:nvSpPr>
+          <p:spPr>
+            <a:xfrm>
+              <a:off x="8989079" y="2357023"/>
+              <a:ext cx="914400" cy="914400"/>
+            </a:xfrm>
+            <a:prstGeom prst="rect">
+              <a:avLst/>
+            </a:prstGeom>
+            <a:solidFill>
+              <a:schemeClr val="tx1"/>
+            </a:solidFill>
+            <a:ln>
+              <a:solidFill>
+                <a:schemeClr val="bg1"/>
+              </a:solidFill>
+            </a:ln>
+          </p:spPr>
+          <p:style>
+            <a:lnRef idx="2">
+              <a:schemeClr val="accent1">
+                <a:shade val="50000"/>
+              </a:schemeClr>
+            </a:lnRef>
+            <a:fillRef idx="1">
+              <a:schemeClr val="accent1"/>
+            </a:fillRef>
+            <a:effectRef idx="0">
+              <a:schemeClr val="accent1"/>
+            </a:effectRef>
+            <a:fontRef idx="minor">
+              <a:schemeClr val="lt1"/>
+            </a:fontRef>
+          </p:style>
+          <p:txBody>
+            <a:bodyPr rtlCol="0" anchor="ctr"/>
+            <a:lstStyle/>
+            <a:p>
+              <a:pPr algn="ctr"/>
+              <a:r>
+                <a:rPr lang="hu-HU" dirty="0">
+                  <a:solidFill>
+                    <a:sysClr val="windowText" lastClr="000000"/>
+                  </a:solidFill>
+                </a:rPr>
+                <a:t>0</a:t>
+              </a:r>
+            </a:p>
+          </p:txBody>
+        </p:sp>
+        <p:sp>
+          <p:nvSpPr>
+            <p:cNvPr id="46" name="Szövegdoboz 45">
+              <a:extLst>
+                <a:ext uri="{FF2B5EF4-FFF2-40B4-BE49-F238E27FC236}">
+                  <a16:creationId xmlns:a16="http://schemas.microsoft.com/office/drawing/2014/main" id="{1310724F-5583-4B1E-9C34-448CCAB092B2}"/>
+                </a:ext>
+              </a:extLst>
+            </p:cNvPr>
+            <p:cNvSpPr txBox="1"/>
+            <p:nvPr/>
+          </p:nvSpPr>
+          <p:spPr>
+            <a:xfrm rot="16200000">
+              <a:off x="6865788" y="3677887"/>
+              <a:ext cx="1978875" cy="369332"/>
+            </a:xfrm>
+            <a:prstGeom prst="rect">
+              <a:avLst/>
+            </a:prstGeom>
+            <a:noFill/>
+          </p:spPr>
+          <p:txBody>
+            <a:bodyPr wrap="none" rtlCol="0">
+              <a:spAutoFit/>
+            </a:bodyPr>
+            <a:lstStyle/>
+            <a:p>
+              <a:r>
+                <a:rPr lang="hu-HU" dirty="0"/>
+                <a:t>Néző csoport index</a:t>
+              </a:r>
+            </a:p>
+          </p:txBody>
+        </p:sp>
+        <p:sp>
+          <p:nvSpPr>
+            <p:cNvPr id="47" name="Szövegdoboz 46">
+              <a:extLst>
+                <a:ext uri="{FF2B5EF4-FFF2-40B4-BE49-F238E27FC236}">
+                  <a16:creationId xmlns:a16="http://schemas.microsoft.com/office/drawing/2014/main" id="{6AA5C897-2843-4D55-9E22-AF1225FA6EEA}"/>
+                </a:ext>
+              </a:extLst>
+            </p:cNvPr>
+            <p:cNvSpPr txBox="1"/>
+            <p:nvPr/>
+          </p:nvSpPr>
+          <p:spPr>
+            <a:xfrm rot="5400000">
+              <a:off x="9001369" y="3348087"/>
+              <a:ext cx="2225033" cy="369332"/>
+            </a:xfrm>
+            <a:prstGeom prst="rect">
+              <a:avLst/>
+            </a:prstGeom>
+            <a:noFill/>
+          </p:spPr>
+          <p:txBody>
+            <a:bodyPr wrap="none" rtlCol="0">
+              <a:spAutoFit/>
+            </a:bodyPr>
+            <a:lstStyle/>
+            <a:p>
+              <a:r>
+                <a:rPr lang="hu-HU" dirty="0"/>
+                <a:t>Ülőhely csoport index</a:t>
+              </a:r>
+            </a:p>
+          </p:txBody>
+        </p:sp>
+      </p:grpSp>
     </p:spTree>
     <p:extLst>
       <p:ext uri="{BB962C8B-B14F-4D97-AF65-F5344CB8AC3E}">
-        <p14:creationId xmlns:p14="http://schemas.microsoft.com/office/powerpoint/2010/main" val="1768220076"/>
+        <p14:creationId xmlns:p14="http://schemas.microsoft.com/office/powerpoint/2010/main" val="3971631858"/>
       </p:ext>
     </p:extLst>
   </p:cSld>
   <p:clrMapOvr>
     <a:masterClrMapping/>
   </p:clrMapOvr>
-  <p:timing>
-    <p:tnLst>
-      <p:par>
-        <p:cTn id="1" dur="indefinite" restart="never" nodeType="tmRoot">
-          <p:childTnLst>
-            <p:seq concurrent="1" nextAc="seek">
-              <p:cTn id="2" dur="indefinite" nodeType="mainSeq">
-                <p:childTnLst>
-                  <p:par>
-                    <p:cTn id="3" fill="hold">
-                      <p:stCondLst>
-                        <p:cond delay="indefinite"/>
-                      </p:stCondLst>
-                      <p:childTnLst>
-                        <p:par>
-                          <p:cTn id="4" fill="hold">
-                            <p:stCondLst>
-                              <p:cond delay="0"/>
-                            </p:stCondLst>
-                            <p:childTnLst>
-                              <p:par>
-                                <p:cTn id="5" presetID="10" presetClass="entr" presetSubtype="0" fill="hold" grpId="0" nodeType="clickEffect">
-                                  <p:stCondLst>
-                                    <p:cond delay="0"/>
-                                  </p:stCondLst>
-                                  <p:childTnLst>
-                                    <p:set>
-                                      <p:cBhvr>
-                                        <p:cTn id="6" dur="1" fill="hold">
-                                          <p:stCondLst>
-                                            <p:cond delay="0"/>
-                                          </p:stCondLst>
-                                        </p:cTn>
-                                        <p:tgtEl>
-                                          <p:spTgt spid="7"/>
-                                        </p:tgtEl>
-                                        <p:attrNameLst>
-                                          <p:attrName>style.visibility</p:attrName>
-                                        </p:attrNameLst>
-                                      </p:cBhvr>
-                                      <p:to>
-                                        <p:strVal val="visible"/>
-                                      </p:to>
-                                    </p:set>
-                                    <p:animEffect transition="in" filter="fade">
-                                      <p:cBhvr>
-                                        <p:cTn id="7" dur="500"/>
-                                        <p:tgtEl>
-                                          <p:spTgt spid="7"/>
-                                        </p:tgtEl>
-                                      </p:cBhvr>
-                                    </p:animEffect>
-                                  </p:childTnLst>
-                                </p:cTn>
-                              </p:par>
-                            </p:childTnLst>
-                          </p:cTn>
-                        </p:par>
-                      </p:childTnLst>
-                    </p:cTn>
-                  </p:par>
-                </p:childTnLst>
-              </p:cTn>
-              <p:prevCondLst>
-                <p:cond evt="onPrev" delay="0">
-                  <p:tgtEl>
-                    <p:sldTgt/>
-                  </p:tgtEl>
-                </p:cond>
-              </p:prevCondLst>
-              <p:nextCondLst>
-                <p:cond evt="onNext" delay="0">
-                  <p:tgtEl>
-                    <p:sldTgt/>
-                  </p:tgtEl>
-                </p:cond>
-              </p:nextCondLst>
-            </p:seq>
-          </p:childTnLst>
-        </p:cTn>
-      </p:par>
-    </p:tnLst>
-    <p:bldLst>
-      <p:bldP spid="7" grpId="0"/>
-    </p:bldLst>
-  </p:timing>
+</p:sld>
+</file>
+
+<file path=ppt/slides/slide9.xml><?xml version="1.0" encoding="utf-8"?>
+<p:sld xmlns:a="http://schemas.openxmlformats.org/drawingml/2006/main" xmlns:r="http://schemas.openxmlformats.org/officeDocument/2006/relationships" xmlns:p="http://schemas.openxmlformats.org/presentationml/2006/main">
+  <p:cSld>
+    <p:spTree>
+      <p:nvGrpSpPr>
+        <p:cNvPr id="1" name=""/>
+        <p:cNvGrpSpPr/>
+        <p:nvPr/>
+      </p:nvGrpSpPr>
+      <p:grpSpPr>
+        <a:xfrm>
+          <a:off x="0" y="0"/>
+          <a:ext cx="0" cy="0"/>
+          <a:chOff x="0" y="0"/>
+          <a:chExt cx="0" cy="0"/>
+        </a:xfrm>
+      </p:grpSpPr>
+      <p:sp>
+        <p:nvSpPr>
+          <p:cNvPr id="2" name="Cím 1">
+            <a:extLst>
+              <a:ext uri="{FF2B5EF4-FFF2-40B4-BE49-F238E27FC236}">
+                <a16:creationId xmlns:a16="http://schemas.microsoft.com/office/drawing/2014/main" id="{B1350897-B5D0-4497-A277-43656BFF2CE7}"/>
+              </a:ext>
+            </a:extLst>
+          </p:cNvPr>
+          <p:cNvSpPr>
+            <a:spLocks noGrp="1"/>
+          </p:cNvSpPr>
+          <p:nvPr>
+            <p:ph type="title"/>
+          </p:nvPr>
+        </p:nvSpPr>
+        <p:spPr/>
+        <p:txBody>
+          <a:bodyPr/>
+          <a:lstStyle/>
+          <a:p>
+            <a:r>
+              <a:rPr lang="hu-HU" dirty="0"/>
+              <a:t>Algoritmusok összehasonlítása</a:t>
+            </a:r>
+          </a:p>
+        </p:txBody>
+      </p:sp>
+      <p:sp>
+        <p:nvSpPr>
+          <p:cNvPr id="3" name="Tartalom helye 2">
+            <a:extLst>
+              <a:ext uri="{FF2B5EF4-FFF2-40B4-BE49-F238E27FC236}">
+                <a16:creationId xmlns:a16="http://schemas.microsoft.com/office/drawing/2014/main" id="{B074AB64-2878-4C4F-9D19-CFE6BAF4629D}"/>
+              </a:ext>
+            </a:extLst>
+          </p:cNvPr>
+          <p:cNvSpPr>
+            <a:spLocks noGrp="1"/>
+          </p:cNvSpPr>
+          <p:nvPr>
+            <p:ph idx="1"/>
+          </p:nvPr>
+        </p:nvSpPr>
+        <p:spPr>
+          <a:xfrm>
+            <a:off x="656343" y="2577308"/>
+            <a:ext cx="3285343" cy="4058751"/>
+          </a:xfrm>
+        </p:spPr>
+        <p:txBody>
+          <a:bodyPr/>
+          <a:lstStyle/>
+          <a:p>
+            <a:pPr marL="342900" lvl="0" indent="-342900">
+              <a:lnSpc>
+                <a:spcPct val="150000"/>
+              </a:lnSpc>
+              <a:buFont typeface="Symbol" panose="05050102010706020507" pitchFamily="18" charset="2"/>
+              <a:buChar char=""/>
+            </a:pPr>
+            <a:r>
+              <a:rPr lang="hu-HU" sz="1800" dirty="0">
+                <a:effectLst/>
+                <a:latin typeface="Times New Roman" panose="02020603050405020304" pitchFamily="18" charset="0"/>
+                <a:ea typeface="Calibri" panose="020F0502020204030204" pitchFamily="34" charset="0"/>
+                <a:cs typeface="Times New Roman" panose="02020603050405020304" pitchFamily="18" charset="0"/>
+              </a:rPr>
+              <a:t>Nagy színházterem.</a:t>
+            </a:r>
+          </a:p>
+          <a:p>
+            <a:pPr marL="342900" lvl="0" indent="-342900">
+              <a:lnSpc>
+                <a:spcPct val="150000"/>
+              </a:lnSpc>
+              <a:buFont typeface="Symbol" panose="05050102010706020507" pitchFamily="18" charset="2"/>
+              <a:buChar char=""/>
+            </a:pPr>
+            <a:r>
+              <a:rPr lang="hu-HU" sz="1800" dirty="0">
+                <a:effectLst/>
+                <a:latin typeface="Times New Roman" panose="02020603050405020304" pitchFamily="18" charset="0"/>
+                <a:ea typeface="Calibri" panose="020F0502020204030204" pitchFamily="34" charset="0"/>
+                <a:cs typeface="Times New Roman" panose="02020603050405020304" pitchFamily="18" charset="0"/>
+              </a:rPr>
+              <a:t>Nincs szükség feltétlenül optimális megoldásra.</a:t>
+            </a:r>
+          </a:p>
+          <a:p>
+            <a:pPr marL="342900" lvl="0" indent="-342900">
+              <a:lnSpc>
+                <a:spcPct val="150000"/>
+              </a:lnSpc>
+              <a:buFont typeface="Symbol" panose="05050102010706020507" pitchFamily="18" charset="2"/>
+              <a:buChar char=""/>
+            </a:pPr>
+            <a:r>
+              <a:rPr lang="hu-HU" sz="1800" dirty="0">
+                <a:effectLst/>
+                <a:latin typeface="Times New Roman" panose="02020603050405020304" pitchFamily="18" charset="0"/>
+                <a:ea typeface="Calibri" panose="020F0502020204030204" pitchFamily="34" charset="0"/>
+                <a:cs typeface="Times New Roman" panose="02020603050405020304" pitchFamily="18" charset="0"/>
+              </a:rPr>
+              <a:t>Ha nem lesz teljesen feltöltve a színházterem.</a:t>
+            </a:r>
+          </a:p>
+          <a:p>
+            <a:pPr marL="342900" lvl="0" indent="-342900">
+              <a:lnSpc>
+                <a:spcPct val="150000"/>
+              </a:lnSpc>
+              <a:spcAft>
+                <a:spcPts val="600"/>
+              </a:spcAft>
+              <a:buFont typeface="Symbol" panose="05050102010706020507" pitchFamily="18" charset="2"/>
+              <a:buChar char=""/>
+            </a:pPr>
+            <a:r>
+              <a:rPr lang="hu-HU" sz="1800" dirty="0">
+                <a:effectLst/>
+                <a:latin typeface="Times New Roman" panose="02020603050405020304" pitchFamily="18" charset="0"/>
+                <a:ea typeface="Calibri" panose="020F0502020204030204" pitchFamily="34" charset="0"/>
+                <a:cs typeface="Times New Roman" panose="02020603050405020304" pitchFamily="18" charset="0"/>
+              </a:rPr>
+              <a:t>Ha gyors megoldás szükséges</a:t>
+            </a:r>
+          </a:p>
+          <a:p>
+            <a:endParaRPr lang="hu-HU" dirty="0"/>
+          </a:p>
+        </p:txBody>
+      </p:sp>
+      <p:sp>
+        <p:nvSpPr>
+          <p:cNvPr id="4" name="Dia számának helye 3">
+            <a:extLst>
+              <a:ext uri="{FF2B5EF4-FFF2-40B4-BE49-F238E27FC236}">
+                <a16:creationId xmlns:a16="http://schemas.microsoft.com/office/drawing/2014/main" id="{A02E12B9-F687-4E5C-9BAA-DE72B6BF6401}"/>
+              </a:ext>
+            </a:extLst>
+          </p:cNvPr>
+          <p:cNvSpPr>
+            <a:spLocks noGrp="1"/>
+          </p:cNvSpPr>
+          <p:nvPr>
+            <p:ph type="sldNum" sz="quarter" idx="12"/>
+          </p:nvPr>
+        </p:nvSpPr>
+        <p:spPr/>
+        <p:txBody>
+          <a:bodyPr/>
+          <a:lstStyle/>
+          <a:p>
+            <a:fld id="{1BEE3749-361D-47A0-8538-EBB5B911DD9B}" type="slidenum">
+              <a:rPr lang="hu-HU" smtClean="0"/>
+              <a:pPr/>
+              <a:t>9</a:t>
+            </a:fld>
+            <a:endParaRPr lang="hu-HU"/>
+          </a:p>
+        </p:txBody>
+      </p:sp>
+      <p:sp>
+        <p:nvSpPr>
+          <p:cNvPr id="6" name="Tartalom helye 2">
+            <a:extLst>
+              <a:ext uri="{FF2B5EF4-FFF2-40B4-BE49-F238E27FC236}">
+                <a16:creationId xmlns:a16="http://schemas.microsoft.com/office/drawing/2014/main" id="{56CDC35E-A792-4DA6-B889-13A8965AE36C}"/>
+              </a:ext>
+            </a:extLst>
+          </p:cNvPr>
+          <p:cNvSpPr txBox="1">
+            <a:spLocks/>
+          </p:cNvSpPr>
+          <p:nvPr/>
+        </p:nvSpPr>
+        <p:spPr>
+          <a:xfrm>
+            <a:off x="4297667" y="2577307"/>
+            <a:ext cx="3285343" cy="4058751"/>
+          </a:xfrm>
+          <a:prstGeom prst="rect">
+            <a:avLst/>
+          </a:prstGeom>
+          <a:effectLst>
+            <a:outerShdw blurRad="25400" dir="17880000">
+              <a:srgbClr val="000000">
+                <a:alpha val="46000"/>
+              </a:srgbClr>
+            </a:outerShdw>
+          </a:effectLst>
+        </p:spPr>
+        <p:txBody>
+          <a:bodyPr vert="horz" lIns="91440" tIns="45720" rIns="91440" bIns="45720" rtlCol="0" anchor="t">
+            <a:normAutofit/>
+          </a:bodyPr>
+          <a:lstStyle>
+            <a:lvl1pPr marL="342900" indent="-306000" algn="l" defTabSz="457200" rtl="0" eaLnBrk="1" latinLnBrk="0" hangingPunct="1">
+              <a:spcBef>
+                <a:spcPct val="20000"/>
+              </a:spcBef>
+              <a:spcAft>
+                <a:spcPts val="600"/>
+              </a:spcAft>
+              <a:buClr>
+                <a:schemeClr val="tx2"/>
+              </a:buClr>
+              <a:buSzPct val="70000"/>
+              <a:buFont typeface="Wingdings 2" charset="2"/>
+              <a:buChar char=""/>
+              <a:defRPr sz="2000" kern="1200">
+                <a:ln>
+                  <a:solidFill>
+                    <a:schemeClr val="bg1">
+                      <a:lumMod val="75000"/>
+                      <a:lumOff val="25000"/>
+                      <a:alpha val="10000"/>
+                    </a:schemeClr>
+                  </a:solidFill>
+                </a:ln>
+                <a:solidFill>
+                  <a:schemeClr val="tx1"/>
+                </a:solidFill>
+                <a:effectLst>
+                  <a:outerShdw blurRad="9525" dist="25400" dir="14640000" algn="tl" rotWithShape="0">
+                    <a:schemeClr val="bg1">
+                      <a:alpha val="30000"/>
+                    </a:schemeClr>
+                  </a:outerShdw>
+                </a:effectLst>
+                <a:latin typeface="+mn-lt"/>
+                <a:ea typeface="+mn-ea"/>
+                <a:cs typeface="+mn-cs"/>
+              </a:defRPr>
+            </a:lvl1pPr>
+            <a:lvl2pPr marL="720000" indent="-270000" algn="l" defTabSz="457200" rtl="0" eaLnBrk="1" latinLnBrk="0" hangingPunct="1">
+              <a:spcBef>
+                <a:spcPct val="20000"/>
+              </a:spcBef>
+              <a:spcAft>
+                <a:spcPts val="600"/>
+              </a:spcAft>
+              <a:buClr>
+                <a:schemeClr val="tx2"/>
+              </a:buClr>
+              <a:buSzPct val="70000"/>
+              <a:buFont typeface="Wingdings 2" charset="2"/>
+              <a:buChar char=""/>
+              <a:defRPr sz="1800" kern="1200">
+                <a:ln>
+                  <a:solidFill>
+                    <a:schemeClr val="bg1">
+                      <a:lumMod val="75000"/>
+                      <a:lumOff val="25000"/>
+                      <a:alpha val="10000"/>
+                    </a:schemeClr>
+                  </a:solidFill>
+                </a:ln>
+                <a:solidFill>
+                  <a:schemeClr val="tx1"/>
+                </a:solidFill>
+                <a:effectLst>
+                  <a:outerShdw blurRad="9525" dist="25400" dir="14640000" algn="tl" rotWithShape="0">
+                    <a:schemeClr val="bg1">
+                      <a:alpha val="30000"/>
+                    </a:schemeClr>
+                  </a:outerShdw>
+                </a:effectLst>
+                <a:latin typeface="+mn-lt"/>
+                <a:ea typeface="+mn-ea"/>
+                <a:cs typeface="+mn-cs"/>
+              </a:defRPr>
+            </a:lvl2pPr>
+            <a:lvl3pPr marL="1026000" indent="-216000" algn="l" defTabSz="457200" rtl="0" eaLnBrk="1" latinLnBrk="0" hangingPunct="1">
+              <a:spcBef>
+                <a:spcPct val="20000"/>
+              </a:spcBef>
+              <a:spcAft>
+                <a:spcPts val="600"/>
+              </a:spcAft>
+              <a:buClr>
+                <a:schemeClr val="tx2"/>
+              </a:buClr>
+              <a:buSzPct val="70000"/>
+              <a:buFont typeface="Wingdings 2" charset="2"/>
+              <a:buChar char=""/>
+              <a:defRPr sz="1600" kern="1200">
+                <a:ln>
+                  <a:solidFill>
+                    <a:schemeClr val="bg1">
+                      <a:lumMod val="75000"/>
+                      <a:lumOff val="25000"/>
+                      <a:alpha val="10000"/>
+                    </a:schemeClr>
+                  </a:solidFill>
+                </a:ln>
+                <a:solidFill>
+                  <a:schemeClr val="tx1"/>
+                </a:solidFill>
+                <a:effectLst>
+                  <a:outerShdw blurRad="9525" dist="25400" dir="14640000" algn="tl" rotWithShape="0">
+                    <a:schemeClr val="bg1">
+                      <a:alpha val="30000"/>
+                    </a:schemeClr>
+                  </a:outerShdw>
+                </a:effectLst>
+                <a:latin typeface="+mn-lt"/>
+                <a:ea typeface="+mn-ea"/>
+                <a:cs typeface="+mn-cs"/>
+              </a:defRPr>
+            </a:lvl3pPr>
+            <a:lvl4pPr marL="1386000" indent="-216000" algn="l" defTabSz="457200" rtl="0" eaLnBrk="1" latinLnBrk="0" hangingPunct="1">
+              <a:spcBef>
+                <a:spcPct val="20000"/>
+              </a:spcBef>
+              <a:spcAft>
+                <a:spcPts val="600"/>
+              </a:spcAft>
+              <a:buClr>
+                <a:schemeClr val="tx2"/>
+              </a:buClr>
+              <a:buSzPct val="70000"/>
+              <a:buFont typeface="Wingdings 2" charset="2"/>
+              <a:buChar char=""/>
+              <a:defRPr sz="1400" kern="1200">
+                <a:ln>
+                  <a:solidFill>
+                    <a:schemeClr val="bg1">
+                      <a:lumMod val="75000"/>
+                      <a:lumOff val="25000"/>
+                      <a:alpha val="10000"/>
+                    </a:schemeClr>
+                  </a:solidFill>
+                </a:ln>
+                <a:solidFill>
+                  <a:schemeClr val="tx1"/>
+                </a:solidFill>
+                <a:effectLst>
+                  <a:outerShdw blurRad="9525" dist="25400" dir="14640000" algn="tl" rotWithShape="0">
+                    <a:schemeClr val="bg1">
+                      <a:alpha val="30000"/>
+                    </a:schemeClr>
+                  </a:outerShdw>
+                </a:effectLst>
+                <a:latin typeface="+mn-lt"/>
+                <a:ea typeface="+mn-ea"/>
+                <a:cs typeface="+mn-cs"/>
+              </a:defRPr>
+            </a:lvl4pPr>
+            <a:lvl5pPr marL="1674000" indent="-216000" algn="l" defTabSz="457200" rtl="0" eaLnBrk="1" latinLnBrk="0" hangingPunct="1">
+              <a:spcBef>
+                <a:spcPct val="20000"/>
+              </a:spcBef>
+              <a:spcAft>
+                <a:spcPts val="600"/>
+              </a:spcAft>
+              <a:buClr>
+                <a:schemeClr val="tx2"/>
+              </a:buClr>
+              <a:buSzPct val="70000"/>
+              <a:buFont typeface="Wingdings 2" charset="2"/>
+              <a:buChar char=""/>
+              <a:defRPr sz="1400" kern="1200">
+                <a:ln>
+                  <a:solidFill>
+                    <a:schemeClr val="bg1">
+                      <a:lumMod val="75000"/>
+                      <a:lumOff val="25000"/>
+                      <a:alpha val="10000"/>
+                    </a:schemeClr>
+                  </a:solidFill>
+                </a:ln>
+                <a:solidFill>
+                  <a:schemeClr val="tx1"/>
+                </a:solidFill>
+                <a:effectLst>
+                  <a:outerShdw blurRad="9525" dist="25400" dir="14640000" algn="tl" rotWithShape="0">
+                    <a:schemeClr val="bg1">
+                      <a:alpha val="30000"/>
+                    </a:schemeClr>
+                  </a:outerShdw>
+                </a:effectLst>
+                <a:latin typeface="+mn-lt"/>
+                <a:ea typeface="+mn-ea"/>
+                <a:cs typeface="+mn-cs"/>
+              </a:defRPr>
+            </a:lvl5pPr>
+            <a:lvl6pPr marL="2014600" indent="-228600" algn="l" defTabSz="457200" rtl="0" eaLnBrk="1" latinLnBrk="0" hangingPunct="1">
+              <a:spcBef>
+                <a:spcPct val="20000"/>
+              </a:spcBef>
+              <a:spcAft>
+                <a:spcPts val="600"/>
+              </a:spcAft>
+              <a:buClr>
+                <a:schemeClr val="tx2"/>
+              </a:buClr>
+              <a:buSzPct val="70000"/>
+              <a:buFont typeface="Wingdings 2" charset="2"/>
+              <a:buChar char=""/>
+              <a:defRPr sz="1400" kern="1200">
+                <a:ln>
+                  <a:solidFill>
+                    <a:schemeClr val="bg1">
+                      <a:lumMod val="75000"/>
+                      <a:lumOff val="25000"/>
+                      <a:alpha val="10000"/>
+                    </a:schemeClr>
+                  </a:solidFill>
+                </a:ln>
+                <a:solidFill>
+                  <a:schemeClr val="tx2"/>
+                </a:solidFill>
+                <a:effectLst>
+                  <a:outerShdw blurRad="9525" dist="25400" dir="14640000" algn="tl" rotWithShape="0">
+                    <a:schemeClr val="bg1">
+                      <a:alpha val="30000"/>
+                    </a:schemeClr>
+                  </a:outerShdw>
+                </a:effectLst>
+                <a:latin typeface="+mn-lt"/>
+                <a:ea typeface="+mn-ea"/>
+                <a:cs typeface="+mn-cs"/>
+              </a:defRPr>
+            </a:lvl6pPr>
+            <a:lvl7pPr marL="2401800" indent="-228600" algn="l" defTabSz="457200" rtl="0" eaLnBrk="1" latinLnBrk="0" hangingPunct="1">
+              <a:spcBef>
+                <a:spcPct val="20000"/>
+              </a:spcBef>
+              <a:spcAft>
+                <a:spcPts val="600"/>
+              </a:spcAft>
+              <a:buClr>
+                <a:schemeClr val="tx2"/>
+              </a:buClr>
+              <a:buSzPct val="70000"/>
+              <a:buFont typeface="Wingdings 2" charset="2"/>
+              <a:buChar char=""/>
+              <a:defRPr sz="1400" kern="1200">
+                <a:ln>
+                  <a:solidFill>
+                    <a:schemeClr val="bg1">
+                      <a:lumMod val="75000"/>
+                      <a:lumOff val="25000"/>
+                      <a:alpha val="10000"/>
+                    </a:schemeClr>
+                  </a:solidFill>
+                </a:ln>
+                <a:solidFill>
+                  <a:schemeClr val="tx2"/>
+                </a:solidFill>
+                <a:effectLst>
+                  <a:outerShdw blurRad="9525" dist="25400" dir="14640000" algn="tl" rotWithShape="0">
+                    <a:schemeClr val="bg1">
+                      <a:alpha val="30000"/>
+                    </a:schemeClr>
+                  </a:outerShdw>
+                </a:effectLst>
+                <a:latin typeface="+mn-lt"/>
+                <a:ea typeface="+mn-ea"/>
+                <a:cs typeface="+mn-cs"/>
+              </a:defRPr>
+            </a:lvl7pPr>
+            <a:lvl8pPr marL="2789000" indent="-228600" algn="l" defTabSz="457200" rtl="0" eaLnBrk="1" latinLnBrk="0" hangingPunct="1">
+              <a:spcBef>
+                <a:spcPct val="20000"/>
+              </a:spcBef>
+              <a:spcAft>
+                <a:spcPts val="600"/>
+              </a:spcAft>
+              <a:buClr>
+                <a:schemeClr val="tx2"/>
+              </a:buClr>
+              <a:buSzPct val="70000"/>
+              <a:buFont typeface="Wingdings 2" charset="2"/>
+              <a:buChar char=""/>
+              <a:defRPr sz="1400" kern="1200">
+                <a:ln>
+                  <a:solidFill>
+                    <a:schemeClr val="bg1">
+                      <a:lumMod val="75000"/>
+                      <a:lumOff val="25000"/>
+                      <a:alpha val="10000"/>
+                    </a:schemeClr>
+                  </a:solidFill>
+                </a:ln>
+                <a:solidFill>
+                  <a:schemeClr val="tx2"/>
+                </a:solidFill>
+                <a:effectLst>
+                  <a:outerShdw blurRad="9525" dist="25400" dir="14640000" algn="tl" rotWithShape="0">
+                    <a:schemeClr val="bg1">
+                      <a:alpha val="30000"/>
+                    </a:schemeClr>
+                  </a:outerShdw>
+                </a:effectLst>
+                <a:latin typeface="+mn-lt"/>
+                <a:ea typeface="+mn-ea"/>
+                <a:cs typeface="+mn-cs"/>
+              </a:defRPr>
+            </a:lvl8pPr>
+            <a:lvl9pPr marL="3106200" indent="-228600" algn="l" defTabSz="457200" rtl="0" eaLnBrk="1" latinLnBrk="0" hangingPunct="1">
+              <a:spcBef>
+                <a:spcPct val="20000"/>
+              </a:spcBef>
+              <a:spcAft>
+                <a:spcPts val="600"/>
+              </a:spcAft>
+              <a:buClr>
+                <a:schemeClr val="tx2"/>
+              </a:buClr>
+              <a:buSzPct val="70000"/>
+              <a:buFont typeface="Wingdings 2" charset="2"/>
+              <a:buChar char=""/>
+              <a:defRPr sz="1400" kern="1200">
+                <a:ln>
+                  <a:solidFill>
+                    <a:schemeClr val="bg1">
+                      <a:lumMod val="75000"/>
+                      <a:lumOff val="25000"/>
+                      <a:alpha val="10000"/>
+                    </a:schemeClr>
+                  </a:solidFill>
+                </a:ln>
+                <a:solidFill>
+                  <a:schemeClr val="tx2"/>
+                </a:solidFill>
+                <a:effectLst>
+                  <a:outerShdw blurRad="9525" dist="25400" dir="14640000" algn="tl" rotWithShape="0">
+                    <a:schemeClr val="bg1">
+                      <a:alpha val="30000"/>
+                    </a:schemeClr>
+                  </a:outerShdw>
+                </a:effectLst>
+                <a:latin typeface="+mn-lt"/>
+                <a:ea typeface="+mn-ea"/>
+                <a:cs typeface="+mn-cs"/>
+              </a:defRPr>
+            </a:lvl9pPr>
+          </a:lstStyle>
+          <a:p>
+            <a:pPr marL="342900" lvl="0" indent="-342900">
+              <a:lnSpc>
+                <a:spcPct val="150000"/>
+              </a:lnSpc>
+              <a:buFont typeface="Symbol" panose="05050102010706020507" pitchFamily="18" charset="2"/>
+              <a:buChar char=""/>
+            </a:pPr>
+            <a:r>
+              <a:rPr lang="hu-HU" sz="1800" dirty="0">
+                <a:effectLst/>
+                <a:latin typeface="Times New Roman" panose="02020603050405020304" pitchFamily="18" charset="0"/>
+                <a:ea typeface="Calibri" panose="020F0502020204030204" pitchFamily="34" charset="0"/>
+                <a:cs typeface="Times New Roman" panose="02020603050405020304" pitchFamily="18" charset="0"/>
+              </a:rPr>
+              <a:t>Optimális megoldás szükséges.</a:t>
+            </a:r>
+          </a:p>
+          <a:p>
+            <a:pPr marL="342900" lvl="0" indent="-342900">
+              <a:lnSpc>
+                <a:spcPct val="150000"/>
+              </a:lnSpc>
+              <a:buFont typeface="Symbol" panose="05050102010706020507" pitchFamily="18" charset="2"/>
+              <a:buChar char=""/>
+            </a:pPr>
+            <a:r>
+              <a:rPr lang="hu-HU" sz="1800" dirty="0">
+                <a:effectLst/>
+                <a:latin typeface="Times New Roman" panose="02020603050405020304" pitchFamily="18" charset="0"/>
+                <a:ea typeface="Calibri" panose="020F0502020204030204" pitchFamily="34" charset="0"/>
+                <a:cs typeface="Times New Roman" panose="02020603050405020304" pitchFamily="18" charset="0"/>
+              </a:rPr>
+              <a:t>A terem előreláthatóan nem lesz tele.</a:t>
+            </a:r>
+          </a:p>
+          <a:p>
+            <a:pPr marL="342900" lvl="0" indent="-342900">
+              <a:lnSpc>
+                <a:spcPct val="150000"/>
+              </a:lnSpc>
+              <a:spcAft>
+                <a:spcPts val="600"/>
+              </a:spcAft>
+              <a:buFont typeface="Symbol" panose="05050102010706020507" pitchFamily="18" charset="2"/>
+              <a:buChar char=""/>
+            </a:pPr>
+            <a:r>
+              <a:rPr lang="hu-HU" sz="1800" dirty="0">
+                <a:effectLst/>
+                <a:latin typeface="Times New Roman" panose="02020603050405020304" pitchFamily="18" charset="0"/>
+                <a:ea typeface="Calibri" panose="020F0502020204030204" pitchFamily="34" charset="0"/>
+                <a:cs typeface="Times New Roman" panose="02020603050405020304" pitchFamily="18" charset="0"/>
+              </a:rPr>
+              <a:t>A nézőcsoportok kicsik.</a:t>
+            </a:r>
+          </a:p>
+        </p:txBody>
+      </p:sp>
+      <p:sp>
+        <p:nvSpPr>
+          <p:cNvPr id="7" name="Tartalom helye 2">
+            <a:extLst>
+              <a:ext uri="{FF2B5EF4-FFF2-40B4-BE49-F238E27FC236}">
+                <a16:creationId xmlns:a16="http://schemas.microsoft.com/office/drawing/2014/main" id="{9E8FE317-B04B-4CD8-BDB7-E9F0D659CDAF}"/>
+              </a:ext>
+            </a:extLst>
+          </p:cNvPr>
+          <p:cNvSpPr txBox="1">
+            <a:spLocks/>
+          </p:cNvSpPr>
+          <p:nvPr/>
+        </p:nvSpPr>
+        <p:spPr>
+          <a:xfrm>
+            <a:off x="7858396" y="2577306"/>
+            <a:ext cx="3285343" cy="4058751"/>
+          </a:xfrm>
+          <a:prstGeom prst="rect">
+            <a:avLst/>
+          </a:prstGeom>
+          <a:effectLst>
+            <a:outerShdw blurRad="25400" dir="17880000">
+              <a:srgbClr val="000000">
+                <a:alpha val="46000"/>
+              </a:srgbClr>
+            </a:outerShdw>
+          </a:effectLst>
+        </p:spPr>
+        <p:txBody>
+          <a:bodyPr vert="horz" lIns="91440" tIns="45720" rIns="91440" bIns="45720" rtlCol="0" anchor="t">
+            <a:normAutofit/>
+          </a:bodyPr>
+          <a:lstStyle>
+            <a:lvl1pPr marL="342900" indent="-306000" algn="l" defTabSz="457200" rtl="0" eaLnBrk="1" latinLnBrk="0" hangingPunct="1">
+              <a:spcBef>
+                <a:spcPct val="20000"/>
+              </a:spcBef>
+              <a:spcAft>
+                <a:spcPts val="600"/>
+              </a:spcAft>
+              <a:buClr>
+                <a:schemeClr val="tx2"/>
+              </a:buClr>
+              <a:buSzPct val="70000"/>
+              <a:buFont typeface="Wingdings 2" charset="2"/>
+              <a:buChar char=""/>
+              <a:defRPr sz="2000" kern="1200">
+                <a:ln>
+                  <a:solidFill>
+                    <a:schemeClr val="bg1">
+                      <a:lumMod val="75000"/>
+                      <a:lumOff val="25000"/>
+                      <a:alpha val="10000"/>
+                    </a:schemeClr>
+                  </a:solidFill>
+                </a:ln>
+                <a:solidFill>
+                  <a:schemeClr val="tx1"/>
+                </a:solidFill>
+                <a:effectLst>
+                  <a:outerShdw blurRad="9525" dist="25400" dir="14640000" algn="tl" rotWithShape="0">
+                    <a:schemeClr val="bg1">
+                      <a:alpha val="30000"/>
+                    </a:schemeClr>
+                  </a:outerShdw>
+                </a:effectLst>
+                <a:latin typeface="+mn-lt"/>
+                <a:ea typeface="+mn-ea"/>
+                <a:cs typeface="+mn-cs"/>
+              </a:defRPr>
+            </a:lvl1pPr>
+            <a:lvl2pPr marL="720000" indent="-270000" algn="l" defTabSz="457200" rtl="0" eaLnBrk="1" latinLnBrk="0" hangingPunct="1">
+              <a:spcBef>
+                <a:spcPct val="20000"/>
+              </a:spcBef>
+              <a:spcAft>
+                <a:spcPts val="600"/>
+              </a:spcAft>
+              <a:buClr>
+                <a:schemeClr val="tx2"/>
+              </a:buClr>
+              <a:buSzPct val="70000"/>
+              <a:buFont typeface="Wingdings 2" charset="2"/>
+              <a:buChar char=""/>
+              <a:defRPr sz="1800" kern="1200">
+                <a:ln>
+                  <a:solidFill>
+                    <a:schemeClr val="bg1">
+                      <a:lumMod val="75000"/>
+                      <a:lumOff val="25000"/>
+                      <a:alpha val="10000"/>
+                    </a:schemeClr>
+                  </a:solidFill>
+                </a:ln>
+                <a:solidFill>
+                  <a:schemeClr val="tx1"/>
+                </a:solidFill>
+                <a:effectLst>
+                  <a:outerShdw blurRad="9525" dist="25400" dir="14640000" algn="tl" rotWithShape="0">
+                    <a:schemeClr val="bg1">
+                      <a:alpha val="30000"/>
+                    </a:schemeClr>
+                  </a:outerShdw>
+                </a:effectLst>
+                <a:latin typeface="+mn-lt"/>
+                <a:ea typeface="+mn-ea"/>
+                <a:cs typeface="+mn-cs"/>
+              </a:defRPr>
+            </a:lvl2pPr>
+            <a:lvl3pPr marL="1026000" indent="-216000" algn="l" defTabSz="457200" rtl="0" eaLnBrk="1" latinLnBrk="0" hangingPunct="1">
+              <a:spcBef>
+                <a:spcPct val="20000"/>
+              </a:spcBef>
+              <a:spcAft>
+                <a:spcPts val="600"/>
+              </a:spcAft>
+              <a:buClr>
+                <a:schemeClr val="tx2"/>
+              </a:buClr>
+              <a:buSzPct val="70000"/>
+              <a:buFont typeface="Wingdings 2" charset="2"/>
+              <a:buChar char=""/>
+              <a:defRPr sz="1600" kern="1200">
+                <a:ln>
+                  <a:solidFill>
+                    <a:schemeClr val="bg1">
+                      <a:lumMod val="75000"/>
+                      <a:lumOff val="25000"/>
+                      <a:alpha val="10000"/>
+                    </a:schemeClr>
+                  </a:solidFill>
+                </a:ln>
+                <a:solidFill>
+                  <a:schemeClr val="tx1"/>
+                </a:solidFill>
+                <a:effectLst>
+                  <a:outerShdw blurRad="9525" dist="25400" dir="14640000" algn="tl" rotWithShape="0">
+                    <a:schemeClr val="bg1">
+                      <a:alpha val="30000"/>
+                    </a:schemeClr>
+                  </a:outerShdw>
+                </a:effectLst>
+                <a:latin typeface="+mn-lt"/>
+                <a:ea typeface="+mn-ea"/>
+                <a:cs typeface="+mn-cs"/>
+              </a:defRPr>
+            </a:lvl3pPr>
+            <a:lvl4pPr marL="1386000" indent="-216000" algn="l" defTabSz="457200" rtl="0" eaLnBrk="1" latinLnBrk="0" hangingPunct="1">
+              <a:spcBef>
+                <a:spcPct val="20000"/>
+              </a:spcBef>
+              <a:spcAft>
+                <a:spcPts val="600"/>
+              </a:spcAft>
+              <a:buClr>
+                <a:schemeClr val="tx2"/>
+              </a:buClr>
+              <a:buSzPct val="70000"/>
+              <a:buFont typeface="Wingdings 2" charset="2"/>
+              <a:buChar char=""/>
+              <a:defRPr sz="1400" kern="1200">
+                <a:ln>
+                  <a:solidFill>
+                    <a:schemeClr val="bg1">
+                      <a:lumMod val="75000"/>
+                      <a:lumOff val="25000"/>
+                      <a:alpha val="10000"/>
+                    </a:schemeClr>
+                  </a:solidFill>
+                </a:ln>
+                <a:solidFill>
+                  <a:schemeClr val="tx1"/>
+                </a:solidFill>
+                <a:effectLst>
+                  <a:outerShdw blurRad="9525" dist="25400" dir="14640000" algn="tl" rotWithShape="0">
+                    <a:schemeClr val="bg1">
+                      <a:alpha val="30000"/>
+                    </a:schemeClr>
+                  </a:outerShdw>
+                </a:effectLst>
+                <a:latin typeface="+mn-lt"/>
+                <a:ea typeface="+mn-ea"/>
+                <a:cs typeface="+mn-cs"/>
+              </a:defRPr>
+            </a:lvl4pPr>
+            <a:lvl5pPr marL="1674000" indent="-216000" algn="l" defTabSz="457200" rtl="0" eaLnBrk="1" latinLnBrk="0" hangingPunct="1">
+              <a:spcBef>
+                <a:spcPct val="20000"/>
+              </a:spcBef>
+              <a:spcAft>
+                <a:spcPts val="600"/>
+              </a:spcAft>
+              <a:buClr>
+                <a:schemeClr val="tx2"/>
+              </a:buClr>
+              <a:buSzPct val="70000"/>
+              <a:buFont typeface="Wingdings 2" charset="2"/>
+              <a:buChar char=""/>
+              <a:defRPr sz="1400" kern="1200">
+                <a:ln>
+                  <a:solidFill>
+                    <a:schemeClr val="bg1">
+                      <a:lumMod val="75000"/>
+                      <a:lumOff val="25000"/>
+                      <a:alpha val="10000"/>
+                    </a:schemeClr>
+                  </a:solidFill>
+                </a:ln>
+                <a:solidFill>
+                  <a:schemeClr val="tx1"/>
+                </a:solidFill>
+                <a:effectLst>
+                  <a:outerShdw blurRad="9525" dist="25400" dir="14640000" algn="tl" rotWithShape="0">
+                    <a:schemeClr val="bg1">
+                      <a:alpha val="30000"/>
+                    </a:schemeClr>
+                  </a:outerShdw>
+                </a:effectLst>
+                <a:latin typeface="+mn-lt"/>
+                <a:ea typeface="+mn-ea"/>
+                <a:cs typeface="+mn-cs"/>
+              </a:defRPr>
+            </a:lvl5pPr>
+            <a:lvl6pPr marL="2014600" indent="-228600" algn="l" defTabSz="457200" rtl="0" eaLnBrk="1" latinLnBrk="0" hangingPunct="1">
+              <a:spcBef>
+                <a:spcPct val="20000"/>
+              </a:spcBef>
+              <a:spcAft>
+                <a:spcPts val="600"/>
+              </a:spcAft>
+              <a:buClr>
+                <a:schemeClr val="tx2"/>
+              </a:buClr>
+              <a:buSzPct val="70000"/>
+              <a:buFont typeface="Wingdings 2" charset="2"/>
+              <a:buChar char=""/>
+              <a:defRPr sz="1400" kern="1200">
+                <a:ln>
+                  <a:solidFill>
+                    <a:schemeClr val="bg1">
+                      <a:lumMod val="75000"/>
+                      <a:lumOff val="25000"/>
+                      <a:alpha val="10000"/>
+                    </a:schemeClr>
+                  </a:solidFill>
+                </a:ln>
+                <a:solidFill>
+                  <a:schemeClr val="tx2"/>
+                </a:solidFill>
+                <a:effectLst>
+                  <a:outerShdw blurRad="9525" dist="25400" dir="14640000" algn="tl" rotWithShape="0">
+                    <a:schemeClr val="bg1">
+                      <a:alpha val="30000"/>
+                    </a:schemeClr>
+                  </a:outerShdw>
+                </a:effectLst>
+                <a:latin typeface="+mn-lt"/>
+                <a:ea typeface="+mn-ea"/>
+                <a:cs typeface="+mn-cs"/>
+              </a:defRPr>
+            </a:lvl6pPr>
+            <a:lvl7pPr marL="2401800" indent="-228600" algn="l" defTabSz="457200" rtl="0" eaLnBrk="1" latinLnBrk="0" hangingPunct="1">
+              <a:spcBef>
+                <a:spcPct val="20000"/>
+              </a:spcBef>
+              <a:spcAft>
+                <a:spcPts val="600"/>
+              </a:spcAft>
+              <a:buClr>
+                <a:schemeClr val="tx2"/>
+              </a:buClr>
+              <a:buSzPct val="70000"/>
+              <a:buFont typeface="Wingdings 2" charset="2"/>
+              <a:buChar char=""/>
+              <a:defRPr sz="1400" kern="1200">
+                <a:ln>
+                  <a:solidFill>
+                    <a:schemeClr val="bg1">
+                      <a:lumMod val="75000"/>
+                      <a:lumOff val="25000"/>
+                      <a:alpha val="10000"/>
+                    </a:schemeClr>
+                  </a:solidFill>
+                </a:ln>
+                <a:solidFill>
+                  <a:schemeClr val="tx2"/>
+                </a:solidFill>
+                <a:effectLst>
+                  <a:outerShdw blurRad="9525" dist="25400" dir="14640000" algn="tl" rotWithShape="0">
+                    <a:schemeClr val="bg1">
+                      <a:alpha val="30000"/>
+                    </a:schemeClr>
+                  </a:outerShdw>
+                </a:effectLst>
+                <a:latin typeface="+mn-lt"/>
+                <a:ea typeface="+mn-ea"/>
+                <a:cs typeface="+mn-cs"/>
+              </a:defRPr>
+            </a:lvl7pPr>
+            <a:lvl8pPr marL="2789000" indent="-228600" algn="l" defTabSz="457200" rtl="0" eaLnBrk="1" latinLnBrk="0" hangingPunct="1">
+              <a:spcBef>
+                <a:spcPct val="20000"/>
+              </a:spcBef>
+              <a:spcAft>
+                <a:spcPts val="600"/>
+              </a:spcAft>
+              <a:buClr>
+                <a:schemeClr val="tx2"/>
+              </a:buClr>
+              <a:buSzPct val="70000"/>
+              <a:buFont typeface="Wingdings 2" charset="2"/>
+              <a:buChar char=""/>
+              <a:defRPr sz="1400" kern="1200">
+                <a:ln>
+                  <a:solidFill>
+                    <a:schemeClr val="bg1">
+                      <a:lumMod val="75000"/>
+                      <a:lumOff val="25000"/>
+                      <a:alpha val="10000"/>
+                    </a:schemeClr>
+                  </a:solidFill>
+                </a:ln>
+                <a:solidFill>
+                  <a:schemeClr val="tx2"/>
+                </a:solidFill>
+                <a:effectLst>
+                  <a:outerShdw blurRad="9525" dist="25400" dir="14640000" algn="tl" rotWithShape="0">
+                    <a:schemeClr val="bg1">
+                      <a:alpha val="30000"/>
+                    </a:schemeClr>
+                  </a:outerShdw>
+                </a:effectLst>
+                <a:latin typeface="+mn-lt"/>
+                <a:ea typeface="+mn-ea"/>
+                <a:cs typeface="+mn-cs"/>
+              </a:defRPr>
+            </a:lvl8pPr>
+            <a:lvl9pPr marL="3106200" indent="-228600" algn="l" defTabSz="457200" rtl="0" eaLnBrk="1" latinLnBrk="0" hangingPunct="1">
+              <a:spcBef>
+                <a:spcPct val="20000"/>
+              </a:spcBef>
+              <a:spcAft>
+                <a:spcPts val="600"/>
+              </a:spcAft>
+              <a:buClr>
+                <a:schemeClr val="tx2"/>
+              </a:buClr>
+              <a:buSzPct val="70000"/>
+              <a:buFont typeface="Wingdings 2" charset="2"/>
+              <a:buChar char=""/>
+              <a:defRPr sz="1400" kern="1200">
+                <a:ln>
+                  <a:solidFill>
+                    <a:schemeClr val="bg1">
+                      <a:lumMod val="75000"/>
+                      <a:lumOff val="25000"/>
+                      <a:alpha val="10000"/>
+                    </a:schemeClr>
+                  </a:solidFill>
+                </a:ln>
+                <a:solidFill>
+                  <a:schemeClr val="tx2"/>
+                </a:solidFill>
+                <a:effectLst>
+                  <a:outerShdw blurRad="9525" dist="25400" dir="14640000" algn="tl" rotWithShape="0">
+                    <a:schemeClr val="bg1">
+                      <a:alpha val="30000"/>
+                    </a:schemeClr>
+                  </a:outerShdw>
+                </a:effectLst>
+                <a:latin typeface="+mn-lt"/>
+                <a:ea typeface="+mn-ea"/>
+                <a:cs typeface="+mn-cs"/>
+              </a:defRPr>
+            </a:lvl9pPr>
+          </a:lstStyle>
+          <a:p>
+            <a:pPr marL="342900" lvl="0" indent="-342900">
+              <a:lnSpc>
+                <a:spcPct val="150000"/>
+              </a:lnSpc>
+              <a:buFont typeface="Symbol" panose="05050102010706020507" pitchFamily="18" charset="2"/>
+              <a:buChar char=""/>
+            </a:pPr>
+            <a:r>
+              <a:rPr lang="hu-HU" sz="1800" dirty="0">
+                <a:effectLst/>
+                <a:latin typeface="Times New Roman" panose="02020603050405020304" pitchFamily="18" charset="0"/>
+                <a:ea typeface="Calibri" panose="020F0502020204030204" pitchFamily="34" charset="0"/>
+                <a:cs typeface="Times New Roman" panose="02020603050405020304" pitchFamily="18" charset="0"/>
+              </a:rPr>
+              <a:t>Nagy termek esetén</a:t>
+            </a:r>
+          </a:p>
+          <a:p>
+            <a:pPr marL="342900" lvl="0" indent="-342900">
+              <a:lnSpc>
+                <a:spcPct val="150000"/>
+              </a:lnSpc>
+              <a:buFont typeface="Symbol" panose="05050102010706020507" pitchFamily="18" charset="2"/>
+              <a:buChar char=""/>
+            </a:pPr>
+            <a:r>
+              <a:rPr lang="hu-HU" sz="1800" dirty="0">
+                <a:effectLst/>
+                <a:latin typeface="Times New Roman" panose="02020603050405020304" pitchFamily="18" charset="0"/>
+                <a:ea typeface="Calibri" panose="020F0502020204030204" pitchFamily="34" charset="0"/>
+                <a:cs typeface="Times New Roman" panose="02020603050405020304" pitchFamily="18" charset="0"/>
+              </a:rPr>
+              <a:t>Optimális megoldás szükséges.</a:t>
+            </a:r>
+          </a:p>
+          <a:p>
+            <a:pPr marL="342900" lvl="0" indent="-342900">
+              <a:lnSpc>
+                <a:spcPct val="150000"/>
+              </a:lnSpc>
+              <a:buFont typeface="Symbol" panose="05050102010706020507" pitchFamily="18" charset="2"/>
+              <a:buChar char=""/>
+            </a:pPr>
+            <a:r>
+              <a:rPr lang="hu-HU" sz="1800" dirty="0">
+                <a:effectLst/>
+                <a:latin typeface="Times New Roman" panose="02020603050405020304" pitchFamily="18" charset="0"/>
+                <a:ea typeface="Calibri" panose="020F0502020204030204" pitchFamily="34" charset="0"/>
+                <a:cs typeface="Times New Roman" panose="02020603050405020304" pitchFamily="18" charset="0"/>
+              </a:rPr>
+              <a:t>Bármilyen kihasználású terem esetén.</a:t>
+            </a:r>
+          </a:p>
+          <a:p>
+            <a:pPr marL="342900" lvl="0" indent="-342900">
+              <a:lnSpc>
+                <a:spcPct val="150000"/>
+              </a:lnSpc>
+              <a:spcAft>
+                <a:spcPts val="600"/>
+              </a:spcAft>
+              <a:buFont typeface="Symbol" panose="05050102010706020507" pitchFamily="18" charset="2"/>
+              <a:buChar char=""/>
+            </a:pPr>
+            <a:r>
+              <a:rPr lang="hu-HU" sz="1800" dirty="0">
+                <a:effectLst/>
+                <a:latin typeface="Times New Roman" panose="02020603050405020304" pitchFamily="18" charset="0"/>
+                <a:ea typeface="Calibri" panose="020F0502020204030204" pitchFamily="34" charset="0"/>
+                <a:cs typeface="Times New Roman" panose="02020603050405020304" pitchFamily="18" charset="0"/>
+              </a:rPr>
+              <a:t>Bármilyen nagy csoportok esetén.</a:t>
+            </a:r>
+          </a:p>
+          <a:p>
+            <a:endParaRPr lang="hu-HU" dirty="0"/>
+          </a:p>
+        </p:txBody>
+      </p:sp>
+      <p:sp>
+        <p:nvSpPr>
+          <p:cNvPr id="8" name="Cím 1">
+            <a:extLst>
+              <a:ext uri="{FF2B5EF4-FFF2-40B4-BE49-F238E27FC236}">
+                <a16:creationId xmlns:a16="http://schemas.microsoft.com/office/drawing/2014/main" id="{A9B796AA-1FD7-4C2D-99C3-7A9E100E2307}"/>
+              </a:ext>
+            </a:extLst>
+          </p:cNvPr>
+          <p:cNvSpPr txBox="1">
+            <a:spLocks/>
+          </p:cNvSpPr>
+          <p:nvPr/>
+        </p:nvSpPr>
+        <p:spPr>
+          <a:xfrm>
+            <a:off x="-97655" y="1676049"/>
+            <a:ext cx="4395321" cy="970450"/>
+          </a:xfrm>
+          <a:prstGeom prst="rect">
+            <a:avLst/>
+          </a:prstGeom>
+          <a:effectLst>
+            <a:outerShdw blurRad="25400" dir="17880000">
+              <a:srgbClr val="000000">
+                <a:alpha val="46000"/>
+              </a:srgbClr>
+            </a:outerShdw>
+          </a:effectLst>
+        </p:spPr>
+        <p:txBody>
+          <a:bodyPr vert="horz" lIns="91440" tIns="45720" rIns="91440" bIns="45720" rtlCol="0" anchor="ctr">
+            <a:normAutofit/>
+          </a:bodyPr>
+          <a:lstStyle>
+            <a:lvl1pPr algn="ctr" defTabSz="457200" rtl="0" eaLnBrk="1" latinLnBrk="0" hangingPunct="1">
+              <a:spcBef>
+                <a:spcPct val="0"/>
+              </a:spcBef>
+              <a:buNone/>
+              <a:defRPr sz="4000" kern="1200">
+                <a:ln>
+                  <a:solidFill>
+                    <a:schemeClr val="bg1">
+                      <a:lumMod val="75000"/>
+                      <a:lumOff val="25000"/>
+                      <a:alpha val="10000"/>
+                    </a:schemeClr>
+                  </a:solidFill>
+                </a:ln>
+                <a:solidFill>
+                  <a:schemeClr val="tx1"/>
+                </a:solidFill>
+                <a:effectLst>
+                  <a:outerShdw blurRad="9525" dist="25400" dir="14640000" algn="tl" rotWithShape="0">
+                    <a:schemeClr val="bg1">
+                      <a:alpha val="30000"/>
+                    </a:schemeClr>
+                  </a:outerShdw>
+                </a:effectLst>
+                <a:latin typeface="+mj-lt"/>
+                <a:ea typeface="+mj-ea"/>
+                <a:cs typeface="Trebuchet MS"/>
+              </a:defRPr>
+            </a:lvl1pPr>
+            <a:lvl2pPr eaLnBrk="1" hangingPunct="1">
+              <a:defRPr>
+                <a:solidFill>
+                  <a:schemeClr val="tx2"/>
+                </a:solidFill>
+              </a:defRPr>
+            </a:lvl2pPr>
+            <a:lvl3pPr eaLnBrk="1" hangingPunct="1">
+              <a:defRPr>
+                <a:solidFill>
+                  <a:schemeClr val="tx2"/>
+                </a:solidFill>
+              </a:defRPr>
+            </a:lvl3pPr>
+            <a:lvl4pPr eaLnBrk="1" hangingPunct="1">
+              <a:defRPr>
+                <a:solidFill>
+                  <a:schemeClr val="tx2"/>
+                </a:solidFill>
+              </a:defRPr>
+            </a:lvl4pPr>
+            <a:lvl5pPr eaLnBrk="1" hangingPunct="1">
+              <a:defRPr>
+                <a:solidFill>
+                  <a:schemeClr val="tx2"/>
+                </a:solidFill>
+              </a:defRPr>
+            </a:lvl5pPr>
+            <a:lvl6pPr eaLnBrk="1" hangingPunct="1">
+              <a:defRPr>
+                <a:solidFill>
+                  <a:schemeClr val="tx2"/>
+                </a:solidFill>
+              </a:defRPr>
+            </a:lvl6pPr>
+            <a:lvl7pPr eaLnBrk="1" hangingPunct="1">
+              <a:defRPr>
+                <a:solidFill>
+                  <a:schemeClr val="tx2"/>
+                </a:solidFill>
+              </a:defRPr>
+            </a:lvl7pPr>
+            <a:lvl8pPr eaLnBrk="1" hangingPunct="1">
+              <a:defRPr>
+                <a:solidFill>
+                  <a:schemeClr val="tx2"/>
+                </a:solidFill>
+              </a:defRPr>
+            </a:lvl8pPr>
+            <a:lvl9pPr eaLnBrk="1" hangingPunct="1">
+              <a:defRPr>
+                <a:solidFill>
+                  <a:schemeClr val="tx2"/>
+                </a:solidFill>
+              </a:defRPr>
+            </a:lvl9pPr>
+          </a:lstStyle>
+          <a:p>
+            <a:r>
+              <a:rPr lang="hu-HU" sz="3000" dirty="0"/>
+              <a:t>Mohó</a:t>
+            </a:r>
+          </a:p>
+        </p:txBody>
+      </p:sp>
+      <p:sp>
+        <p:nvSpPr>
+          <p:cNvPr id="9" name="Cím 1">
+            <a:extLst>
+              <a:ext uri="{FF2B5EF4-FFF2-40B4-BE49-F238E27FC236}">
+                <a16:creationId xmlns:a16="http://schemas.microsoft.com/office/drawing/2014/main" id="{00CF1B0C-0200-4253-B522-E34EA097310A}"/>
+              </a:ext>
+            </a:extLst>
+          </p:cNvPr>
+          <p:cNvSpPr txBox="1">
+            <a:spLocks/>
+          </p:cNvSpPr>
+          <p:nvPr/>
+        </p:nvSpPr>
+        <p:spPr>
+          <a:xfrm>
+            <a:off x="3463075" y="1676964"/>
+            <a:ext cx="4395321" cy="970450"/>
+          </a:xfrm>
+          <a:prstGeom prst="rect">
+            <a:avLst/>
+          </a:prstGeom>
+          <a:effectLst>
+            <a:outerShdw blurRad="25400" dir="17880000">
+              <a:srgbClr val="000000">
+                <a:alpha val="46000"/>
+              </a:srgbClr>
+            </a:outerShdw>
+          </a:effectLst>
+        </p:spPr>
+        <p:txBody>
+          <a:bodyPr vert="horz" lIns="91440" tIns="45720" rIns="91440" bIns="45720" rtlCol="0" anchor="ctr">
+            <a:normAutofit/>
+          </a:bodyPr>
+          <a:lstStyle>
+            <a:lvl1pPr algn="ctr" defTabSz="457200" rtl="0" eaLnBrk="1" latinLnBrk="0" hangingPunct="1">
+              <a:spcBef>
+                <a:spcPct val="0"/>
+              </a:spcBef>
+              <a:buNone/>
+              <a:defRPr sz="4000" kern="1200">
+                <a:ln>
+                  <a:solidFill>
+                    <a:schemeClr val="bg1">
+                      <a:lumMod val="75000"/>
+                      <a:lumOff val="25000"/>
+                      <a:alpha val="10000"/>
+                    </a:schemeClr>
+                  </a:solidFill>
+                </a:ln>
+                <a:solidFill>
+                  <a:schemeClr val="tx1"/>
+                </a:solidFill>
+                <a:effectLst>
+                  <a:outerShdw blurRad="9525" dist="25400" dir="14640000" algn="tl" rotWithShape="0">
+                    <a:schemeClr val="bg1">
+                      <a:alpha val="30000"/>
+                    </a:schemeClr>
+                  </a:outerShdw>
+                </a:effectLst>
+                <a:latin typeface="+mj-lt"/>
+                <a:ea typeface="+mj-ea"/>
+                <a:cs typeface="Trebuchet MS"/>
+              </a:defRPr>
+            </a:lvl1pPr>
+            <a:lvl2pPr eaLnBrk="1" hangingPunct="1">
+              <a:defRPr>
+                <a:solidFill>
+                  <a:schemeClr val="tx2"/>
+                </a:solidFill>
+              </a:defRPr>
+            </a:lvl2pPr>
+            <a:lvl3pPr eaLnBrk="1" hangingPunct="1">
+              <a:defRPr>
+                <a:solidFill>
+                  <a:schemeClr val="tx2"/>
+                </a:solidFill>
+              </a:defRPr>
+            </a:lvl3pPr>
+            <a:lvl4pPr eaLnBrk="1" hangingPunct="1">
+              <a:defRPr>
+                <a:solidFill>
+                  <a:schemeClr val="tx2"/>
+                </a:solidFill>
+              </a:defRPr>
+            </a:lvl4pPr>
+            <a:lvl5pPr eaLnBrk="1" hangingPunct="1">
+              <a:defRPr>
+                <a:solidFill>
+                  <a:schemeClr val="tx2"/>
+                </a:solidFill>
+              </a:defRPr>
+            </a:lvl5pPr>
+            <a:lvl6pPr eaLnBrk="1" hangingPunct="1">
+              <a:defRPr>
+                <a:solidFill>
+                  <a:schemeClr val="tx2"/>
+                </a:solidFill>
+              </a:defRPr>
+            </a:lvl6pPr>
+            <a:lvl7pPr eaLnBrk="1" hangingPunct="1">
+              <a:defRPr>
+                <a:solidFill>
+                  <a:schemeClr val="tx2"/>
+                </a:solidFill>
+              </a:defRPr>
+            </a:lvl7pPr>
+            <a:lvl8pPr eaLnBrk="1" hangingPunct="1">
+              <a:defRPr>
+                <a:solidFill>
+                  <a:schemeClr val="tx2"/>
+                </a:solidFill>
+              </a:defRPr>
+            </a:lvl8pPr>
+            <a:lvl9pPr eaLnBrk="1" hangingPunct="1">
+              <a:defRPr>
+                <a:solidFill>
+                  <a:schemeClr val="tx2"/>
+                </a:solidFill>
+              </a:defRPr>
+            </a:lvl9pPr>
+          </a:lstStyle>
+          <a:p>
+            <a:r>
+              <a:rPr lang="hu-HU" sz="3000" dirty="0"/>
+              <a:t>Genetikus</a:t>
+            </a:r>
+          </a:p>
+        </p:txBody>
+      </p:sp>
+      <p:sp>
+        <p:nvSpPr>
+          <p:cNvPr id="10" name="Cím 1">
+            <a:extLst>
+              <a:ext uri="{FF2B5EF4-FFF2-40B4-BE49-F238E27FC236}">
+                <a16:creationId xmlns:a16="http://schemas.microsoft.com/office/drawing/2014/main" id="{A49B7E36-D4A2-4761-8C66-B17048DD5B62}"/>
+              </a:ext>
+            </a:extLst>
+          </p:cNvPr>
+          <p:cNvSpPr txBox="1">
+            <a:spLocks/>
+          </p:cNvSpPr>
+          <p:nvPr/>
+        </p:nvSpPr>
+        <p:spPr>
+          <a:xfrm>
+            <a:off x="6953479" y="1689942"/>
+            <a:ext cx="4395321" cy="970450"/>
+          </a:xfrm>
+          <a:prstGeom prst="rect">
+            <a:avLst/>
+          </a:prstGeom>
+          <a:effectLst>
+            <a:outerShdw blurRad="25400" dir="17880000">
+              <a:srgbClr val="000000">
+                <a:alpha val="46000"/>
+              </a:srgbClr>
+            </a:outerShdw>
+          </a:effectLst>
+        </p:spPr>
+        <p:txBody>
+          <a:bodyPr vert="horz" lIns="91440" tIns="45720" rIns="91440" bIns="45720" rtlCol="0" anchor="ctr">
+            <a:normAutofit/>
+          </a:bodyPr>
+          <a:lstStyle>
+            <a:lvl1pPr algn="ctr" defTabSz="457200" rtl="0" eaLnBrk="1" latinLnBrk="0" hangingPunct="1">
+              <a:spcBef>
+                <a:spcPct val="0"/>
+              </a:spcBef>
+              <a:buNone/>
+              <a:defRPr sz="4000" kern="1200">
+                <a:ln>
+                  <a:solidFill>
+                    <a:schemeClr val="bg1">
+                      <a:lumMod val="75000"/>
+                      <a:lumOff val="25000"/>
+                      <a:alpha val="10000"/>
+                    </a:schemeClr>
+                  </a:solidFill>
+                </a:ln>
+                <a:solidFill>
+                  <a:schemeClr val="tx1"/>
+                </a:solidFill>
+                <a:effectLst>
+                  <a:outerShdw blurRad="9525" dist="25400" dir="14640000" algn="tl" rotWithShape="0">
+                    <a:schemeClr val="bg1">
+                      <a:alpha val="30000"/>
+                    </a:schemeClr>
+                  </a:outerShdw>
+                </a:effectLst>
+                <a:latin typeface="+mj-lt"/>
+                <a:ea typeface="+mj-ea"/>
+                <a:cs typeface="Trebuchet MS"/>
+              </a:defRPr>
+            </a:lvl1pPr>
+            <a:lvl2pPr eaLnBrk="1" hangingPunct="1">
+              <a:defRPr>
+                <a:solidFill>
+                  <a:schemeClr val="tx2"/>
+                </a:solidFill>
+              </a:defRPr>
+            </a:lvl2pPr>
+            <a:lvl3pPr eaLnBrk="1" hangingPunct="1">
+              <a:defRPr>
+                <a:solidFill>
+                  <a:schemeClr val="tx2"/>
+                </a:solidFill>
+              </a:defRPr>
+            </a:lvl3pPr>
+            <a:lvl4pPr eaLnBrk="1" hangingPunct="1">
+              <a:defRPr>
+                <a:solidFill>
+                  <a:schemeClr val="tx2"/>
+                </a:solidFill>
+              </a:defRPr>
+            </a:lvl4pPr>
+            <a:lvl5pPr eaLnBrk="1" hangingPunct="1">
+              <a:defRPr>
+                <a:solidFill>
+                  <a:schemeClr val="tx2"/>
+                </a:solidFill>
+              </a:defRPr>
+            </a:lvl5pPr>
+            <a:lvl6pPr eaLnBrk="1" hangingPunct="1">
+              <a:defRPr>
+                <a:solidFill>
+                  <a:schemeClr val="tx2"/>
+                </a:solidFill>
+              </a:defRPr>
+            </a:lvl6pPr>
+            <a:lvl7pPr eaLnBrk="1" hangingPunct="1">
+              <a:defRPr>
+                <a:solidFill>
+                  <a:schemeClr val="tx2"/>
+                </a:solidFill>
+              </a:defRPr>
+            </a:lvl7pPr>
+            <a:lvl8pPr eaLnBrk="1" hangingPunct="1">
+              <a:defRPr>
+                <a:solidFill>
+                  <a:schemeClr val="tx2"/>
+                </a:solidFill>
+              </a:defRPr>
+            </a:lvl8pPr>
+            <a:lvl9pPr eaLnBrk="1" hangingPunct="1">
+              <a:defRPr>
+                <a:solidFill>
+                  <a:schemeClr val="tx2"/>
+                </a:solidFill>
+              </a:defRPr>
+            </a:lvl9pPr>
+          </a:lstStyle>
+          <a:p>
+            <a:r>
+              <a:rPr lang="hu-HU" sz="3000" dirty="0"/>
+              <a:t>LP</a:t>
+            </a:r>
+          </a:p>
+        </p:txBody>
+      </p:sp>
+    </p:spTree>
+    <p:extLst>
+      <p:ext uri="{BB962C8B-B14F-4D97-AF65-F5344CB8AC3E}">
+        <p14:creationId xmlns:p14="http://schemas.microsoft.com/office/powerpoint/2010/main" val="510134153"/>
+      </p:ext>
+    </p:extLst>
+  </p:cSld>
+  <p:clrMapOvr>
+    <a:masterClrMapping/>
+  </p:clrMapOvr>
 </p:sld>
 </file>
 
